--- a/Presentación_Final.pptx
+++ b/Presentación_Final.pptx
@@ -10,13 +10,15 @@
     <p:sldId id="261" r:id="rId4"/>
     <p:sldId id="268" r:id="rId5"/>
     <p:sldId id="263" r:id="rId6"/>
-    <p:sldId id="264" r:id="rId7"/>
-    <p:sldId id="265" r:id="rId8"/>
-    <p:sldId id="259" r:id="rId9"/>
-    <p:sldId id="262" r:id="rId10"/>
-    <p:sldId id="266" r:id="rId11"/>
-    <p:sldId id="267" r:id="rId12"/>
-    <p:sldId id="260" r:id="rId13"/>
+    <p:sldId id="269" r:id="rId7"/>
+    <p:sldId id="270" r:id="rId8"/>
+    <p:sldId id="264" r:id="rId9"/>
+    <p:sldId id="265" r:id="rId10"/>
+    <p:sldId id="259" r:id="rId11"/>
+    <p:sldId id="262" r:id="rId12"/>
+    <p:sldId id="266" r:id="rId13"/>
+    <p:sldId id="267" r:id="rId14"/>
+    <p:sldId id="260" r:id="rId15"/>
   </p:sldIdLst>
   <p:sldSz cx="12192000" cy="6858000"/>
   <p:notesSz cx="6858000" cy="9144000"/>
@@ -274,7 +276,7 @@
           <a:p>
             <a:fld id="{2F3E8B1C-86EF-43CF-8304-249481088644}" type="datetimeFigureOut">
               <a:rPr lang="en-US" smtClean="0"/>
-              <a:t>11/18/2022</a:t>
+              <a:t>11/22/2022</a:t>
             </a:fld>
             <a:endParaRPr lang="en-US"/>
           </a:p>
@@ -472,7 +474,7 @@
           <a:p>
             <a:fld id="{2F3E8B1C-86EF-43CF-8304-249481088644}" type="datetimeFigureOut">
               <a:rPr lang="en-US" smtClean="0"/>
-              <a:t>11/18/2022</a:t>
+              <a:t>11/22/2022</a:t>
             </a:fld>
             <a:endParaRPr lang="en-US"/>
           </a:p>
@@ -680,7 +682,7 @@
           <a:p>
             <a:fld id="{2F3E8B1C-86EF-43CF-8304-249481088644}" type="datetimeFigureOut">
               <a:rPr lang="en-US" smtClean="0"/>
-              <a:t>11/18/2022</a:t>
+              <a:t>11/22/2022</a:t>
             </a:fld>
             <a:endParaRPr lang="en-US"/>
           </a:p>
@@ -878,7 +880,7 @@
           <a:p>
             <a:fld id="{2F3E8B1C-86EF-43CF-8304-249481088644}" type="datetimeFigureOut">
               <a:rPr lang="en-US" smtClean="0"/>
-              <a:t>11/18/2022</a:t>
+              <a:t>11/22/2022</a:t>
             </a:fld>
             <a:endParaRPr lang="en-US"/>
           </a:p>
@@ -1153,7 +1155,7 @@
           <a:p>
             <a:fld id="{2F3E8B1C-86EF-43CF-8304-249481088644}" type="datetimeFigureOut">
               <a:rPr lang="en-US" smtClean="0"/>
-              <a:t>11/18/2022</a:t>
+              <a:t>11/22/2022</a:t>
             </a:fld>
             <a:endParaRPr lang="en-US"/>
           </a:p>
@@ -1423,7 +1425,7 @@
           <a:p>
             <a:fld id="{2F3E8B1C-86EF-43CF-8304-249481088644}" type="datetimeFigureOut">
               <a:rPr lang="en-US" smtClean="0"/>
-              <a:t>11/18/2022</a:t>
+              <a:t>11/22/2022</a:t>
             </a:fld>
             <a:endParaRPr lang="en-US"/>
           </a:p>
@@ -1843,7 +1845,7 @@
           <a:p>
             <a:fld id="{2F3E8B1C-86EF-43CF-8304-249481088644}" type="datetimeFigureOut">
               <a:rPr lang="en-US" smtClean="0"/>
-              <a:t>11/18/2022</a:t>
+              <a:t>11/22/2022</a:t>
             </a:fld>
             <a:endParaRPr lang="en-US"/>
           </a:p>
@@ -1984,7 +1986,7 @@
           <a:p>
             <a:fld id="{2F3E8B1C-86EF-43CF-8304-249481088644}" type="datetimeFigureOut">
               <a:rPr lang="en-US" smtClean="0"/>
-              <a:t>11/18/2022</a:t>
+              <a:t>11/22/2022</a:t>
             </a:fld>
             <a:endParaRPr lang="en-US"/>
           </a:p>
@@ -2097,7 +2099,7 @@
           <a:p>
             <a:fld id="{2F3E8B1C-86EF-43CF-8304-249481088644}" type="datetimeFigureOut">
               <a:rPr lang="en-US" smtClean="0"/>
-              <a:t>11/18/2022</a:t>
+              <a:t>11/22/2022</a:t>
             </a:fld>
             <a:endParaRPr lang="en-US"/>
           </a:p>
@@ -2408,7 +2410,7 @@
           <a:p>
             <a:fld id="{2F3E8B1C-86EF-43CF-8304-249481088644}" type="datetimeFigureOut">
               <a:rPr lang="en-US" smtClean="0"/>
-              <a:t>11/18/2022</a:t>
+              <a:t>11/22/2022</a:t>
             </a:fld>
             <a:endParaRPr lang="en-US"/>
           </a:p>
@@ -2696,7 +2698,7 @@
           <a:p>
             <a:fld id="{2F3E8B1C-86EF-43CF-8304-249481088644}" type="datetimeFigureOut">
               <a:rPr lang="en-US" smtClean="0"/>
-              <a:t>11/18/2022</a:t>
+              <a:t>11/22/2022</a:t>
             </a:fld>
             <a:endParaRPr lang="en-US"/>
           </a:p>
@@ -2937,7 +2939,7 @@
             <a:fld id="{2F3E8B1C-86EF-43CF-8304-249481088644}" type="datetimeFigureOut">
               <a:rPr lang="en-US" smtClean="0"/>
               <a:pPr/>
-              <a:t>11/18/2022</a:t>
+              <a:t>11/22/2022</a:t>
             </a:fld>
             <a:endParaRPr lang="en-US" dirty="0"/>
           </a:p>
@@ -3966,6 +3968,14 @@
 <file path=ppt/slides/slide10.xml><?xml version="1.0" encoding="utf-8"?>
 <p:sld xmlns:a="http://schemas.openxmlformats.org/drawingml/2006/main" xmlns:r="http://schemas.openxmlformats.org/officeDocument/2006/relationships" xmlns:p="http://schemas.openxmlformats.org/presentationml/2006/main">
   <p:cSld>
+    <p:bg>
+      <p:bgPr>
+        <a:solidFill>
+          <a:schemeClr val="bg1"/>
+        </a:solidFill>
+        <a:effectLst/>
+      </p:bgPr>
+    </p:bg>
     <p:spTree>
       <p:nvGrpSpPr>
         <p:cNvPr id="1" name=""/>
@@ -3980,80 +3990,306 @@
           <a:chExt cx="0" cy="0"/>
         </a:xfrm>
       </p:grpSpPr>
-      <p:sp>
-        <p:nvSpPr>
-          <p:cNvPr id="2" name="Título 1">
-            <a:extLst>
-              <a:ext uri="{FF2B5EF4-FFF2-40B4-BE49-F238E27FC236}">
-                <a16:creationId xmlns:a16="http://schemas.microsoft.com/office/drawing/2014/main" id="{18A09D85-EB93-3091-BEC8-0C192C23096B}"/>
-              </a:ext>
-            </a:extLst>
-          </p:cNvPr>
-          <p:cNvSpPr>
-            <a:spLocks noGrp="1"/>
-          </p:cNvSpPr>
-          <p:nvPr>
-            <p:ph type="title"/>
+      <p:sp useBgFill="1">
+        <p:nvSpPr>
+          <p:cNvPr id="3081" name="Rectangle 3080">
+            <a:extLst>
+              <a:ext uri="{FF2B5EF4-FFF2-40B4-BE49-F238E27FC236}">
+                <a16:creationId xmlns:a16="http://schemas.microsoft.com/office/drawing/2014/main" id="{341BFA31-6544-45C2-9DA0-9E1C5E0B1959}"/>
+              </a:ext>
+              <a:ext uri="{C183D7F6-B498-43B3-948B-1728B52AA6E4}">
+                <adec:decorative xmlns:adec="http://schemas.microsoft.com/office/drawing/2017/decorative" val="1"/>
+              </a:ext>
+            </a:extLst>
+          </p:cNvPr>
+          <p:cNvSpPr>
+            <a:spLocks noGrp="1" noRot="1" noChangeAspect="1" noMove="1" noResize="1" noEditPoints="1" noAdjustHandles="1" noChangeArrowheads="1" noChangeShapeType="1" noTextEdit="1"/>
+          </p:cNvSpPr>
+          <p:nvPr>
+            <p:extLst>
+              <p:ext uri="{386F3935-93C4-4BCD-93E2-E3B085C9AB24}">
+                <p16:designElem xmlns:p16="http://schemas.microsoft.com/office/powerpoint/2015/main" val="1"/>
+              </p:ext>
+            </p:extLst>
           </p:nvPr>
         </p:nvSpPr>
         <p:spPr>
           <a:xfrm>
-            <a:off x="700635" y="922096"/>
-            <a:ext cx="10691265" cy="713757"/>
+            <a:off x="0" y="0"/>
+            <a:ext cx="12192000" cy="6858000"/>
+          </a:xfrm>
+          <a:prstGeom prst="rect">
+            <a:avLst/>
+          </a:prstGeom>
+          <a:ln w="12700" cap="flat" cmpd="sng" algn="ctr">
+            <a:noFill/>
+            <a:prstDash val="solid"/>
+            <a:miter lim="800000"/>
+          </a:ln>
+          <a:effectLst/>
+          <a:extLst>
+            <a:ext uri="{91240B29-F687-4F45-9708-019B960494DF}">
+              <a14:hiddenLine xmlns:a14="http://schemas.microsoft.com/office/drawing/2010/main" w="12700" cap="flat" cmpd="sng" algn="ctr">
+                <a:solidFill>
+                  <a:schemeClr val="accent1">
+                    <a:shade val="50000"/>
+                  </a:schemeClr>
+                </a:solidFill>
+                <a:prstDash val="solid"/>
+                <a:miter lim="800000"/>
+              </a14:hiddenLine>
+            </a:ext>
+          </a:extLst>
+        </p:spPr>
+        <p:style>
+          <a:lnRef idx="2">
+            <a:schemeClr val="accent1">
+              <a:shade val="50000"/>
+            </a:schemeClr>
+          </a:lnRef>
+          <a:fillRef idx="1">
+            <a:schemeClr val="accent1"/>
+          </a:fillRef>
+          <a:effectRef idx="0">
+            <a:schemeClr val="accent1"/>
+          </a:effectRef>
+          <a:fontRef idx="minor">
+            <a:schemeClr val="lt1"/>
+          </a:fontRef>
+        </p:style>
+        <p:txBody>
+          <a:bodyPr rtlCol="0" anchor="ctr"/>
+          <a:lstStyle/>
+          <a:p>
+            <a:pPr algn="ctr"/>
+            <a:endParaRPr lang="en-US"/>
+          </a:p>
+        </p:txBody>
+      </p:sp>
+      <p:sp>
+        <p:nvSpPr>
+          <p:cNvPr id="2" name="Título 1">
+            <a:extLst>
+              <a:ext uri="{FF2B5EF4-FFF2-40B4-BE49-F238E27FC236}">
+                <a16:creationId xmlns:a16="http://schemas.microsoft.com/office/drawing/2014/main" id="{D20D4173-25B5-7DF6-8617-1C50325D58C7}"/>
+              </a:ext>
+            </a:extLst>
+          </p:cNvPr>
+          <p:cNvSpPr>
+            <a:spLocks noGrp="1"/>
+          </p:cNvSpPr>
+          <p:nvPr>
+            <p:ph type="ctrTitle"/>
+          </p:nvPr>
+        </p:nvSpPr>
+        <p:spPr>
+          <a:xfrm>
+            <a:off x="695326" y="4742029"/>
+            <a:ext cx="10765912" cy="925950"/>
           </a:xfrm>
         </p:spPr>
         <p:txBody>
-          <a:bodyPr/>
+          <a:bodyPr>
+            <a:normAutofit/>
+          </a:bodyPr>
           <a:lstStyle/>
           <a:p>
             <a:r>
               <a:rPr lang="es-MX" b="1" dirty="0"/>
-              <a:t>Modelo de Supervivencia</a:t>
-            </a:r>
-          </a:p>
-        </p:txBody>
-      </p:sp>
-      <p:sp>
-        <p:nvSpPr>
-          <p:cNvPr id="3" name="Marcador de contenido 2">
-            <a:extLst>
-              <a:ext uri="{FF2B5EF4-FFF2-40B4-BE49-F238E27FC236}">
-                <a16:creationId xmlns:a16="http://schemas.microsoft.com/office/drawing/2014/main" id="{10B308AB-EB65-808F-E1A9-C4A976D357DE}"/>
-              </a:ext>
-            </a:extLst>
-          </p:cNvPr>
-          <p:cNvSpPr>
-            <a:spLocks noGrp="1"/>
-          </p:cNvSpPr>
-          <p:nvPr>
-            <p:ph idx="1"/>
+              <a:t>Fase 2</a:t>
+            </a:r>
+          </a:p>
+        </p:txBody>
+      </p:sp>
+      <p:sp>
+        <p:nvSpPr>
+          <p:cNvPr id="3" name="Subtítulo 2">
+            <a:extLst>
+              <a:ext uri="{FF2B5EF4-FFF2-40B4-BE49-F238E27FC236}">
+                <a16:creationId xmlns:a16="http://schemas.microsoft.com/office/drawing/2014/main" id="{1F4E2AE9-C111-DE7D-6177-3DC76E8529F5}"/>
+              </a:ext>
+            </a:extLst>
+          </p:cNvPr>
+          <p:cNvSpPr>
+            <a:spLocks noGrp="1"/>
+          </p:cNvSpPr>
+          <p:nvPr>
+            <p:ph type="subTitle" idx="1"/>
           </p:nvPr>
         </p:nvSpPr>
         <p:spPr>
           <a:xfrm>
-            <a:off x="700635" y="1635853"/>
-            <a:ext cx="10691265" cy="4293361"/>
+            <a:off x="695325" y="5731877"/>
+            <a:ext cx="8829674" cy="429622"/>
           </a:xfrm>
         </p:spPr>
         <p:txBody>
-          <a:bodyPr/>
-          <a:lstStyle/>
-          <a:p>
-            <a:pPr marL="285750" indent="-285750" algn="just"/>
-            <a:r>
-              <a:rPr lang="es-MX" b="0" i="0" dirty="0">
-                <a:effectLst/>
+          <a:bodyPr anchor="t">
+            <a:normAutofit/>
+          </a:bodyPr>
+          <a:lstStyle/>
+          <a:p>
+            <a:pPr>
+              <a:lnSpc>
+                <a:spcPct val="110000"/>
+              </a:lnSpc>
+            </a:pPr>
+            <a:r>
+              <a:rPr lang="es-MX">
                 <a:latin typeface="Consolas" panose="020B0609020204030204" pitchFamily="49" charset="0"/>
               </a:rPr>
-              <a:t>Interpretación del modelo</a:t>
-            </a:r>
-          </a:p>
-        </p:txBody>
-      </p:sp>
+              <a:t>Análisis de Supervivencia</a:t>
+            </a:r>
+          </a:p>
+        </p:txBody>
+      </p:sp>
+      <p:pic>
+        <p:nvPicPr>
+          <p:cNvPr id="3076" name="Picture 4" descr="Shopping cart design: patterns for conversion - Justinmind">
+            <a:extLst>
+              <a:ext uri="{FF2B5EF4-FFF2-40B4-BE49-F238E27FC236}">
+                <a16:creationId xmlns:a16="http://schemas.microsoft.com/office/drawing/2014/main" id="{C35C2109-D751-23CF-9702-2CF238239873}"/>
+              </a:ext>
+            </a:extLst>
+          </p:cNvPr>
+          <p:cNvPicPr>
+            <a:picLocks noChangeAspect="1" noChangeArrowheads="1"/>
+          </p:cNvPicPr>
+          <p:nvPr/>
+        </p:nvPicPr>
+        <p:blipFill>
+          <a:blip r:embed="rId2">
+            <a:extLst>
+              <a:ext uri="{28A0092B-C50C-407E-A947-70E740481C1C}">
+                <a14:useLocalDpi xmlns:a14="http://schemas.microsoft.com/office/drawing/2010/main" val="0"/>
+              </a:ext>
+            </a:extLst>
+          </a:blip>
+          <a:stretch>
+            <a:fillRect/>
+          </a:stretch>
+        </p:blipFill>
+        <p:spPr bwMode="auto">
+          <a:xfrm>
+            <a:off x="800100" y="1021983"/>
+            <a:ext cx="5134573" cy="3286126"/>
+          </a:xfrm>
+          <a:prstGeom prst="rect">
+            <a:avLst/>
+          </a:prstGeom>
+          <a:noFill/>
+          <a:extLst>
+            <a:ext uri="{909E8E84-426E-40DD-AFC4-6F175D3DCCD1}">
+              <a14:hiddenFill xmlns:a14="http://schemas.microsoft.com/office/drawing/2010/main">
+                <a:solidFill>
+                  <a:srgbClr val="FFFFFF"/>
+                </a:solidFill>
+              </a14:hiddenFill>
+            </a:ext>
+          </a:extLst>
+        </p:spPr>
+      </p:pic>
+      <p:pic>
+        <p:nvPicPr>
+          <p:cNvPr id="3074" name="Picture 2" descr="Empty Cart Projects | Photos, videos, logos, illustrations and branding on  Behance">
+            <a:extLst>
+              <a:ext uri="{FF2B5EF4-FFF2-40B4-BE49-F238E27FC236}">
+                <a16:creationId xmlns:a16="http://schemas.microsoft.com/office/drawing/2014/main" id="{882DF97A-0075-6E20-2C64-C9DE237FCAD6}"/>
+              </a:ext>
+            </a:extLst>
+          </p:cNvPr>
+          <p:cNvPicPr>
+            <a:picLocks noChangeAspect="1" noChangeArrowheads="1"/>
+          </p:cNvPicPr>
+          <p:nvPr/>
+        </p:nvPicPr>
+        <p:blipFill rotWithShape="1">
+          <a:blip r:embed="rId3">
+            <a:extLst>
+              <a:ext uri="{28A0092B-C50C-407E-A947-70E740481C1C}">
+                <a14:useLocalDpi xmlns:a14="http://schemas.microsoft.com/office/drawing/2010/main" val="0"/>
+              </a:ext>
+            </a:extLst>
+          </a:blip>
+          <a:srcRect b="8317"/>
+          <a:stretch/>
+        </p:blipFill>
+        <p:spPr bwMode="auto">
+          <a:xfrm>
+            <a:off x="6809555" y="1021983"/>
+            <a:ext cx="4582345" cy="3286123"/>
+          </a:xfrm>
+          <a:prstGeom prst="rect">
+            <a:avLst/>
+          </a:prstGeom>
+          <a:noFill/>
+          <a:extLst>
+            <a:ext uri="{909E8E84-426E-40DD-AFC4-6F175D3DCCD1}">
+              <a14:hiddenFill xmlns:a14="http://schemas.microsoft.com/office/drawing/2010/main">
+                <a:solidFill>
+                  <a:srgbClr val="FFFFFF"/>
+                </a:solidFill>
+              </a14:hiddenFill>
+            </a:ext>
+          </a:extLst>
+        </p:spPr>
+      </p:pic>
+      <p:cxnSp>
+        <p:nvCxnSpPr>
+          <p:cNvPr id="3083" name="Straight Connector 3082">
+            <a:extLst>
+              <a:ext uri="{FF2B5EF4-FFF2-40B4-BE49-F238E27FC236}">
+                <a16:creationId xmlns:a16="http://schemas.microsoft.com/office/drawing/2014/main" id="{DC36F877-5419-44C1-A2CD-376BDDDC3E41}"/>
+              </a:ext>
+              <a:ext uri="{C183D7F6-B498-43B3-948B-1728B52AA6E4}">
+                <adec:decorative xmlns:adec="http://schemas.microsoft.com/office/drawing/2017/decorative" val="1"/>
+              </a:ext>
+            </a:extLst>
+          </p:cNvPr>
+          <p:cNvCxnSpPr>
+            <a:cxnSpLocks noGrp="1" noRot="1" noChangeAspect="1" noMove="1" noResize="1" noEditPoints="1" noAdjustHandles="1" noChangeArrowheads="1" noChangeShapeType="1"/>
+          </p:cNvCxnSpPr>
+          <p:nvPr>
+            <p:extLst>
+              <p:ext uri="{386F3935-93C4-4BCD-93E2-E3B085C9AB24}">
+                <p16:designElem xmlns:p16="http://schemas.microsoft.com/office/powerpoint/2015/main" val="1"/>
+              </p:ext>
+            </p:extLst>
+          </p:nvPr>
+        </p:nvCxnSpPr>
+        <p:spPr>
+          <a:xfrm>
+            <a:off x="800100" y="4667603"/>
+            <a:ext cx="10591800" cy="0"/>
+          </a:xfrm>
+          <a:prstGeom prst="line">
+            <a:avLst/>
+          </a:prstGeom>
+          <a:ln w="44450">
+            <a:solidFill>
+              <a:schemeClr val="tx1"/>
+            </a:solidFill>
+          </a:ln>
+        </p:spPr>
+        <p:style>
+          <a:lnRef idx="1">
+            <a:schemeClr val="accent1"/>
+          </a:lnRef>
+          <a:fillRef idx="0">
+            <a:schemeClr val="accent1"/>
+          </a:fillRef>
+          <a:effectRef idx="0">
+            <a:schemeClr val="accent1"/>
+          </a:effectRef>
+          <a:fontRef idx="minor">
+            <a:schemeClr val="tx1"/>
+          </a:fontRef>
+        </p:style>
+      </p:cxnSp>
     </p:spTree>
     <p:extLst>
       <p:ext uri="{BB962C8B-B14F-4D97-AF65-F5344CB8AC3E}">
-        <p14:creationId xmlns:p14="http://schemas.microsoft.com/office/powerpoint/2010/main" val="2623435287"/>
+        <p14:creationId xmlns:p14="http://schemas.microsoft.com/office/powerpoint/2010/main" val="1526287764"/>
       </p:ext>
     </p:extLst>
   </p:cSld>
@@ -4108,6 +4344,203 @@
           <a:p>
             <a:r>
               <a:rPr lang="es-MX" b="1" dirty="0"/>
+              <a:t>Definición del Problema</a:t>
+            </a:r>
+          </a:p>
+        </p:txBody>
+      </p:sp>
+      <p:sp>
+        <p:nvSpPr>
+          <p:cNvPr id="3" name="Marcador de contenido 2">
+            <a:extLst>
+              <a:ext uri="{FF2B5EF4-FFF2-40B4-BE49-F238E27FC236}">
+                <a16:creationId xmlns:a16="http://schemas.microsoft.com/office/drawing/2014/main" id="{10B308AB-EB65-808F-E1A9-C4A976D357DE}"/>
+              </a:ext>
+            </a:extLst>
+          </p:cNvPr>
+          <p:cNvSpPr>
+            <a:spLocks noGrp="1"/>
+          </p:cNvSpPr>
+          <p:nvPr>
+            <p:ph idx="1"/>
+          </p:nvPr>
+        </p:nvSpPr>
+        <p:spPr>
+          <a:xfrm>
+            <a:off x="700635" y="1635853"/>
+            <a:ext cx="10691265" cy="4293361"/>
+          </a:xfrm>
+        </p:spPr>
+        <p:txBody>
+          <a:bodyPr/>
+          <a:lstStyle/>
+          <a:p>
+            <a:pPr marL="285750" indent="-285750" algn="just"/>
+            <a:endParaRPr lang="es-MX" b="0" i="0" dirty="0">
+              <a:effectLst/>
+              <a:latin typeface="Consolas" panose="020B0609020204030204" pitchFamily="49" charset="0"/>
+            </a:endParaRPr>
+          </a:p>
+        </p:txBody>
+      </p:sp>
+    </p:spTree>
+    <p:extLst>
+      <p:ext uri="{BB962C8B-B14F-4D97-AF65-F5344CB8AC3E}">
+        <p14:creationId xmlns:p14="http://schemas.microsoft.com/office/powerpoint/2010/main" val="1596593790"/>
+      </p:ext>
+    </p:extLst>
+  </p:cSld>
+  <p:clrMapOvr>
+    <a:masterClrMapping/>
+  </p:clrMapOvr>
+</p:sld>
+</file>
+
+<file path=ppt/slides/slide12.xml><?xml version="1.0" encoding="utf-8"?>
+<p:sld xmlns:a="http://schemas.openxmlformats.org/drawingml/2006/main" xmlns:r="http://schemas.openxmlformats.org/officeDocument/2006/relationships" xmlns:p="http://schemas.openxmlformats.org/presentationml/2006/main">
+  <p:cSld>
+    <p:spTree>
+      <p:nvGrpSpPr>
+        <p:cNvPr id="1" name=""/>
+        <p:cNvGrpSpPr/>
+        <p:nvPr/>
+      </p:nvGrpSpPr>
+      <p:grpSpPr>
+        <a:xfrm>
+          <a:off x="0" y="0"/>
+          <a:ext cx="0" cy="0"/>
+          <a:chOff x="0" y="0"/>
+          <a:chExt cx="0" cy="0"/>
+        </a:xfrm>
+      </p:grpSpPr>
+      <p:sp>
+        <p:nvSpPr>
+          <p:cNvPr id="2" name="Título 1">
+            <a:extLst>
+              <a:ext uri="{FF2B5EF4-FFF2-40B4-BE49-F238E27FC236}">
+                <a16:creationId xmlns:a16="http://schemas.microsoft.com/office/drawing/2014/main" id="{18A09D85-EB93-3091-BEC8-0C192C23096B}"/>
+              </a:ext>
+            </a:extLst>
+          </p:cNvPr>
+          <p:cNvSpPr>
+            <a:spLocks noGrp="1"/>
+          </p:cNvSpPr>
+          <p:nvPr>
+            <p:ph type="title"/>
+          </p:nvPr>
+        </p:nvSpPr>
+        <p:spPr>
+          <a:xfrm>
+            <a:off x="700635" y="922096"/>
+            <a:ext cx="10691265" cy="713757"/>
+          </a:xfrm>
+        </p:spPr>
+        <p:txBody>
+          <a:bodyPr/>
+          <a:lstStyle/>
+          <a:p>
+            <a:r>
+              <a:rPr lang="es-MX" b="1" dirty="0"/>
+              <a:t>Modelo de Supervivencia</a:t>
+            </a:r>
+          </a:p>
+        </p:txBody>
+      </p:sp>
+      <p:sp>
+        <p:nvSpPr>
+          <p:cNvPr id="3" name="Marcador de contenido 2">
+            <a:extLst>
+              <a:ext uri="{FF2B5EF4-FFF2-40B4-BE49-F238E27FC236}">
+                <a16:creationId xmlns:a16="http://schemas.microsoft.com/office/drawing/2014/main" id="{10B308AB-EB65-808F-E1A9-C4A976D357DE}"/>
+              </a:ext>
+            </a:extLst>
+          </p:cNvPr>
+          <p:cNvSpPr>
+            <a:spLocks noGrp="1"/>
+          </p:cNvSpPr>
+          <p:nvPr>
+            <p:ph idx="1"/>
+          </p:nvPr>
+        </p:nvSpPr>
+        <p:spPr>
+          <a:xfrm>
+            <a:off x="700635" y="1635853"/>
+            <a:ext cx="10691265" cy="4293361"/>
+          </a:xfrm>
+        </p:spPr>
+        <p:txBody>
+          <a:bodyPr/>
+          <a:lstStyle/>
+          <a:p>
+            <a:pPr marL="285750" indent="-285750" algn="just"/>
+            <a:r>
+              <a:rPr lang="es-MX" b="0" i="0" dirty="0">
+                <a:effectLst/>
+                <a:latin typeface="Consolas" panose="020B0609020204030204" pitchFamily="49" charset="0"/>
+              </a:rPr>
+              <a:t>Interpretación del modelo</a:t>
+            </a:r>
+          </a:p>
+        </p:txBody>
+      </p:sp>
+    </p:spTree>
+    <p:extLst>
+      <p:ext uri="{BB962C8B-B14F-4D97-AF65-F5344CB8AC3E}">
+        <p14:creationId xmlns:p14="http://schemas.microsoft.com/office/powerpoint/2010/main" val="2623435287"/>
+      </p:ext>
+    </p:extLst>
+  </p:cSld>
+  <p:clrMapOvr>
+    <a:masterClrMapping/>
+  </p:clrMapOvr>
+</p:sld>
+</file>
+
+<file path=ppt/slides/slide13.xml><?xml version="1.0" encoding="utf-8"?>
+<p:sld xmlns:a="http://schemas.openxmlformats.org/drawingml/2006/main" xmlns:r="http://schemas.openxmlformats.org/officeDocument/2006/relationships" xmlns:p="http://schemas.openxmlformats.org/presentationml/2006/main">
+  <p:cSld>
+    <p:spTree>
+      <p:nvGrpSpPr>
+        <p:cNvPr id="1" name=""/>
+        <p:cNvGrpSpPr/>
+        <p:nvPr/>
+      </p:nvGrpSpPr>
+      <p:grpSpPr>
+        <a:xfrm>
+          <a:off x="0" y="0"/>
+          <a:ext cx="0" cy="0"/>
+          <a:chOff x="0" y="0"/>
+          <a:chExt cx="0" cy="0"/>
+        </a:xfrm>
+      </p:grpSpPr>
+      <p:sp>
+        <p:nvSpPr>
+          <p:cNvPr id="2" name="Título 1">
+            <a:extLst>
+              <a:ext uri="{FF2B5EF4-FFF2-40B4-BE49-F238E27FC236}">
+                <a16:creationId xmlns:a16="http://schemas.microsoft.com/office/drawing/2014/main" id="{18A09D85-EB93-3091-BEC8-0C192C23096B}"/>
+              </a:ext>
+            </a:extLst>
+          </p:cNvPr>
+          <p:cNvSpPr>
+            <a:spLocks noGrp="1"/>
+          </p:cNvSpPr>
+          <p:nvPr>
+            <p:ph type="title"/>
+          </p:nvPr>
+        </p:nvSpPr>
+        <p:spPr>
+          <a:xfrm>
+            <a:off x="700635" y="922096"/>
+            <a:ext cx="10691265" cy="713757"/>
+          </a:xfrm>
+        </p:spPr>
+        <p:txBody>
+          <a:bodyPr/>
+          <a:lstStyle/>
+          <a:p>
+            <a:r>
+              <a:rPr lang="es-MX" b="1" dirty="0"/>
               <a:t>Curvas de Supervivencia</a:t>
             </a:r>
           </a:p>
@@ -4163,7 +4596,7 @@
 </p:sld>
 </file>
 
-<file path=ppt/slides/slide12.xml><?xml version="1.0" encoding="utf-8"?>
+<file path=ppt/slides/slide14.xml><?xml version="1.0" encoding="utf-8"?>
 <p:sld xmlns:a="http://schemas.openxmlformats.org/drawingml/2006/main" xmlns:r="http://schemas.openxmlformats.org/officeDocument/2006/relationships" xmlns:p="http://schemas.openxmlformats.org/presentationml/2006/main">
   <p:cSld>
     <p:spTree>
@@ -5565,25 +5998,137 @@
                 <a:effectLst/>
                 <a:latin typeface="Consolas" panose="020B0609020204030204" pitchFamily="49" charset="0"/>
               </a:rPr>
-              <a:t>Gráficas más relevantes </a:t>
-            </a:r>
-            <a:r>
-              <a:rPr lang="es-MX" b="0" i="0">
-                <a:effectLst/>
-                <a:latin typeface="Consolas" panose="020B0609020204030204" pitchFamily="49" charset="0"/>
-              </a:rPr>
-              <a:t>que explican </a:t>
-            </a:r>
-            <a:r>
-              <a:rPr lang="es-MX" b="0" i="0" dirty="0">
-                <a:effectLst/>
-                <a:latin typeface="Consolas" panose="020B0609020204030204" pitchFamily="49" charset="0"/>
-              </a:rPr>
-              <a:t>el comportamiento de los clientes</a:t>
-            </a:r>
-          </a:p>
-        </p:txBody>
-      </p:sp>
+              <a:t>Variables categóricas.</a:t>
+            </a:r>
+          </a:p>
+        </p:txBody>
+      </p:sp>
+      <p:graphicFrame>
+        <p:nvGraphicFramePr>
+          <p:cNvPr id="4" name="Objeto 3">
+            <a:extLst>
+              <a:ext uri="{FF2B5EF4-FFF2-40B4-BE49-F238E27FC236}">
+                <a16:creationId xmlns:a16="http://schemas.microsoft.com/office/drawing/2014/main" id="{6940A1EB-B05C-4F96-D329-5B19F7D66AA6}"/>
+              </a:ext>
+            </a:extLst>
+          </p:cNvPr>
+          <p:cNvGraphicFramePr>
+            <a:graphicFrameLocks noChangeAspect="1"/>
+          </p:cNvGraphicFramePr>
+          <p:nvPr>
+            <p:extLst>
+              <p:ext uri="{D42A27DB-BD31-4B8C-83A1-F6EECF244321}">
+                <p14:modId xmlns:p14="http://schemas.microsoft.com/office/powerpoint/2010/main" val="2212929824"/>
+              </p:ext>
+            </p:extLst>
+          </p:nvPr>
+        </p:nvGraphicFramePr>
+        <p:xfrm>
+          <a:off x="344521" y="2519265"/>
+          <a:ext cx="5590762" cy="3416638"/>
+        </p:xfrm>
+        <a:graphic>
+          <a:graphicData uri="http://schemas.openxmlformats.org/presentationml/2006/ole">
+            <mc:AlternateContent xmlns:mc="http://schemas.openxmlformats.org/markup-compatibility/2006">
+              <mc:Choice xmlns:v="urn:schemas-microsoft-com:vml" Requires="v">
+                <p:oleObj name="PBrush" r:id="rId2" imgW="7993440" imgH="4884480" progId="">
+                  <p:embed/>
+                </p:oleObj>
+              </mc:Choice>
+              <mc:Fallback>
+                <p:oleObj name="PBrush" r:id="rId2" imgW="7993440" imgH="4884480" progId="">
+                  <p:embed/>
+                  <p:pic>
+                    <p:nvPicPr>
+                      <p:cNvPr id="0" name=""/>
+                      <p:cNvPicPr/>
+                      <p:nvPr/>
+                    </p:nvPicPr>
+                    <p:blipFill>
+                      <a:blip r:embed="rId3"/>
+                      <a:stretch>
+                        <a:fillRect/>
+                      </a:stretch>
+                    </p:blipFill>
+                    <p:spPr>
+                      <a:xfrm>
+                        <a:off x="344521" y="2519265"/>
+                        <a:ext cx="5590762" cy="3416638"/>
+                      </a:xfrm>
+                      <a:prstGeom prst="rect">
+                        <a:avLst/>
+                      </a:prstGeom>
+                    </p:spPr>
+                  </p:pic>
+                </p:oleObj>
+              </mc:Fallback>
+            </mc:AlternateContent>
+          </a:graphicData>
+        </a:graphic>
+      </p:graphicFrame>
+      <p:graphicFrame>
+        <p:nvGraphicFramePr>
+          <p:cNvPr id="5" name="Objeto 4">
+            <a:extLst>
+              <a:ext uri="{FF2B5EF4-FFF2-40B4-BE49-F238E27FC236}">
+                <a16:creationId xmlns:a16="http://schemas.microsoft.com/office/drawing/2014/main" id="{39356F5A-986E-7ADA-7386-74FE95CA5A62}"/>
+              </a:ext>
+            </a:extLst>
+          </p:cNvPr>
+          <p:cNvGraphicFramePr>
+            <a:graphicFrameLocks noChangeAspect="1"/>
+          </p:cNvGraphicFramePr>
+          <p:nvPr>
+            <p:extLst>
+              <p:ext uri="{D42A27DB-BD31-4B8C-83A1-F6EECF244321}">
+                <p14:modId xmlns:p14="http://schemas.microsoft.com/office/powerpoint/2010/main" val="45020964"/>
+              </p:ext>
+            </p:extLst>
+          </p:nvPr>
+        </p:nvGraphicFramePr>
+        <p:xfrm>
+          <a:off x="6363499" y="2593911"/>
+          <a:ext cx="5384515" cy="3335304"/>
+        </p:xfrm>
+        <a:graphic>
+          <a:graphicData uri="http://schemas.openxmlformats.org/presentationml/2006/ole">
+            <mc:AlternateContent xmlns:mc="http://schemas.openxmlformats.org/markup-compatibility/2006">
+              <mc:Choice xmlns:v="urn:schemas-microsoft-com:vml" Requires="v">
+                <p:oleObj name="PBrush" r:id="rId4" imgW="8008560" imgH="4960800" progId="">
+                  <p:embed/>
+                </p:oleObj>
+              </mc:Choice>
+              <mc:Fallback>
+                <p:oleObj name="PBrush" r:id="rId4" imgW="8008560" imgH="4960800" progId="">
+                  <p:embed/>
+                  <p:pic>
+                    <p:nvPicPr>
+                      <p:cNvPr id="0" name=""/>
+                      <p:cNvPicPr/>
+                      <p:nvPr/>
+                    </p:nvPicPr>
+                    <p:blipFill>
+                      <a:blip r:embed="rId5"/>
+                      <a:stretch>
+                        <a:fillRect/>
+                      </a:stretch>
+                    </p:blipFill>
+                    <p:spPr>
+                      <a:xfrm>
+                        <a:off x="6363499" y="2593911"/>
+                        <a:ext cx="5384515" cy="3335304"/>
+                      </a:xfrm>
+                      <a:prstGeom prst="rect">
+                        <a:avLst/>
+                      </a:prstGeom>
+                    </p:spPr>
+                  </p:pic>
+                </p:oleObj>
+              </mc:Fallback>
+            </mc:AlternateContent>
+          </a:graphicData>
+        </a:graphic>
+      </p:graphicFrame>
     </p:spTree>
     <p:extLst>
       <p:ext uri="{BB962C8B-B14F-4D97-AF65-F5344CB8AC3E}">
@@ -5614,88 +6159,257 @@
           <a:chExt cx="0" cy="0"/>
         </a:xfrm>
       </p:grpSpPr>
-      <p:sp>
-        <p:nvSpPr>
-          <p:cNvPr id="2" name="Título 1">
-            <a:extLst>
-              <a:ext uri="{FF2B5EF4-FFF2-40B4-BE49-F238E27FC236}">
-                <a16:creationId xmlns:a16="http://schemas.microsoft.com/office/drawing/2014/main" id="{18A09D85-EB93-3091-BEC8-0C192C23096B}"/>
-              </a:ext>
-            </a:extLst>
-          </p:cNvPr>
-          <p:cNvSpPr>
-            <a:spLocks noGrp="1"/>
-          </p:cNvSpPr>
-          <p:nvPr>
-            <p:ph type="title"/>
-          </p:nvPr>
+      <p:graphicFrame>
+        <p:nvGraphicFramePr>
+          <p:cNvPr id="4" name="Objeto 3">
+            <a:extLst>
+              <a:ext uri="{FF2B5EF4-FFF2-40B4-BE49-F238E27FC236}">
+                <a16:creationId xmlns:a16="http://schemas.microsoft.com/office/drawing/2014/main" id="{B8319267-E0B7-7C51-6664-1009D13111D0}"/>
+              </a:ext>
+            </a:extLst>
+          </p:cNvPr>
+          <p:cNvGraphicFramePr>
+            <a:graphicFrameLocks noChangeAspect="1"/>
+          </p:cNvGraphicFramePr>
+          <p:nvPr>
+            <p:extLst>
+              <p:ext uri="{D42A27DB-BD31-4B8C-83A1-F6EECF244321}">
+                <p14:modId xmlns:p14="http://schemas.microsoft.com/office/powerpoint/2010/main" val="1662821805"/>
+              </p:ext>
+            </p:extLst>
+          </p:nvPr>
+        </p:nvGraphicFramePr>
+        <p:xfrm>
+          <a:off x="597219" y="825026"/>
+          <a:ext cx="4721229" cy="2921539"/>
+        </p:xfrm>
+        <a:graphic>
+          <a:graphicData uri="http://schemas.openxmlformats.org/presentationml/2006/ole">
+            <mc:AlternateContent xmlns:mc="http://schemas.openxmlformats.org/markup-compatibility/2006">
+              <mc:Choice xmlns:v="urn:schemas-microsoft-com:vml" Requires="v">
+                <p:oleObj name="PBrush" r:id="rId2" imgW="7917120" imgH="4899600" progId="">
+                  <p:embed/>
+                </p:oleObj>
+              </mc:Choice>
+              <mc:Fallback>
+                <p:oleObj name="PBrush" r:id="rId2" imgW="7917120" imgH="4899600" progId="">
+                  <p:embed/>
+                  <p:pic>
+                    <p:nvPicPr>
+                      <p:cNvPr id="0" name=""/>
+                      <p:cNvPicPr/>
+                      <p:nvPr/>
+                    </p:nvPicPr>
+                    <p:blipFill>
+                      <a:blip r:embed="rId3"/>
+                      <a:stretch>
+                        <a:fillRect/>
+                      </a:stretch>
+                    </p:blipFill>
+                    <p:spPr>
+                      <a:xfrm>
+                        <a:off x="597219" y="825026"/>
+                        <a:ext cx="4721229" cy="2921539"/>
+                      </a:xfrm>
+                      <a:prstGeom prst="rect">
+                        <a:avLst/>
+                      </a:prstGeom>
+                    </p:spPr>
+                  </p:pic>
+                </p:oleObj>
+              </mc:Fallback>
+            </mc:AlternateContent>
+          </a:graphicData>
+        </a:graphic>
+      </p:graphicFrame>
+      <p:graphicFrame>
+        <p:nvGraphicFramePr>
+          <p:cNvPr id="6" name="Objeto 5">
+            <a:extLst>
+              <a:ext uri="{FF2B5EF4-FFF2-40B4-BE49-F238E27FC236}">
+                <a16:creationId xmlns:a16="http://schemas.microsoft.com/office/drawing/2014/main" id="{E44C9F2F-7B46-1A5C-A82B-6C0DF1B64B8B}"/>
+              </a:ext>
+            </a:extLst>
+          </p:cNvPr>
+          <p:cNvGraphicFramePr>
+            <a:graphicFrameLocks noChangeAspect="1"/>
+          </p:cNvGraphicFramePr>
+          <p:nvPr>
+            <p:extLst>
+              <p:ext uri="{D42A27DB-BD31-4B8C-83A1-F6EECF244321}">
+                <p14:modId xmlns:p14="http://schemas.microsoft.com/office/powerpoint/2010/main" val="3693704551"/>
+              </p:ext>
+            </p:extLst>
+          </p:nvPr>
+        </p:nvGraphicFramePr>
+        <p:xfrm>
+          <a:off x="6634065" y="825026"/>
+          <a:ext cx="4848748" cy="3155713"/>
+        </p:xfrm>
+        <a:graphic>
+          <a:graphicData uri="http://schemas.openxmlformats.org/presentationml/2006/ole">
+            <mc:AlternateContent xmlns:mc="http://schemas.openxmlformats.org/markup-compatibility/2006">
+              <mc:Choice xmlns:v="urn:schemas-microsoft-com:vml" Requires="v">
+                <p:oleObj name="PBrush" r:id="rId4" imgW="7551360" imgH="4915080" progId="">
+                  <p:embed/>
+                </p:oleObj>
+              </mc:Choice>
+              <mc:Fallback>
+                <p:oleObj name="PBrush" r:id="rId4" imgW="7551360" imgH="4915080" progId="">
+                  <p:embed/>
+                  <p:pic>
+                    <p:nvPicPr>
+                      <p:cNvPr id="0" name=""/>
+                      <p:cNvPicPr/>
+                      <p:nvPr/>
+                    </p:nvPicPr>
+                    <p:blipFill>
+                      <a:blip r:embed="rId5"/>
+                      <a:stretch>
+                        <a:fillRect/>
+                      </a:stretch>
+                    </p:blipFill>
+                    <p:spPr>
+                      <a:xfrm>
+                        <a:off x="6634065" y="825026"/>
+                        <a:ext cx="4848748" cy="3155713"/>
+                      </a:xfrm>
+                      <a:prstGeom prst="rect">
+                        <a:avLst/>
+                      </a:prstGeom>
+                    </p:spPr>
+                  </p:pic>
+                </p:oleObj>
+              </mc:Fallback>
+            </mc:AlternateContent>
+          </a:graphicData>
+        </a:graphic>
+      </p:graphicFrame>
+      <p:sp>
+        <p:nvSpPr>
+          <p:cNvPr id="7" name="CuadroTexto 6">
+            <a:extLst>
+              <a:ext uri="{FF2B5EF4-FFF2-40B4-BE49-F238E27FC236}">
+                <a16:creationId xmlns:a16="http://schemas.microsoft.com/office/drawing/2014/main" id="{0E5CAA6F-E165-5199-C8AC-4207BA6FFEC9}"/>
+              </a:ext>
+            </a:extLst>
+          </p:cNvPr>
+          <p:cNvSpPr txBox="1"/>
+          <p:nvPr/>
         </p:nvSpPr>
         <p:spPr>
           <a:xfrm>
-            <a:off x="700635" y="922096"/>
-            <a:ext cx="10691265" cy="713757"/>
+            <a:off x="970384" y="4422710"/>
+            <a:ext cx="4180114" cy="861774"/>
           </a:xfrm>
+          <a:prstGeom prst="rect">
+            <a:avLst/>
+          </a:prstGeom>
+          <a:noFill/>
         </p:spPr>
         <p:txBody>
-          <a:bodyPr/>
-          <a:lstStyle/>
-          <a:p>
-            <a:r>
-              <a:rPr lang="es-MX" b="1" dirty="0"/>
-              <a:t>Modelo</a:t>
-            </a:r>
-          </a:p>
-        </p:txBody>
-      </p:sp>
-      <p:sp>
-        <p:nvSpPr>
-          <p:cNvPr id="3" name="Marcador de contenido 2">
-            <a:extLst>
-              <a:ext uri="{FF2B5EF4-FFF2-40B4-BE49-F238E27FC236}">
-                <a16:creationId xmlns:a16="http://schemas.microsoft.com/office/drawing/2014/main" id="{10B308AB-EB65-808F-E1A9-C4A976D357DE}"/>
-              </a:ext>
-            </a:extLst>
-          </p:cNvPr>
-          <p:cNvSpPr>
-            <a:spLocks noGrp="1"/>
-          </p:cNvSpPr>
-          <p:nvPr>
-            <p:ph idx="1"/>
-          </p:nvPr>
+          <a:bodyPr wrap="square" rtlCol="0">
+            <a:spAutoFit/>
+          </a:bodyPr>
+          <a:lstStyle/>
+          <a:p>
+            <a:r>
+              <a:rPr lang="es-MX" sz="1600" dirty="0"/>
+              <a:t>Mean:</a:t>
+            </a:r>
+          </a:p>
+          <a:p>
+            <a:r>
+              <a:rPr lang="es-MX" sz="1600" dirty="0"/>
+              <a:t>Median:</a:t>
+            </a:r>
+          </a:p>
+          <a:p>
+            <a:r>
+              <a:rPr lang="es-MX" sz="1600" dirty="0"/>
+              <a:t>Q3:</a:t>
+            </a:r>
+          </a:p>
+        </p:txBody>
+      </p:sp>
+      <p:sp>
+        <p:nvSpPr>
+          <p:cNvPr id="8" name="CuadroTexto 7">
+            <a:extLst>
+              <a:ext uri="{FF2B5EF4-FFF2-40B4-BE49-F238E27FC236}">
+                <a16:creationId xmlns:a16="http://schemas.microsoft.com/office/drawing/2014/main" id="{22BAB8B9-04A5-68C1-16ED-B65DD244F797}"/>
+              </a:ext>
+            </a:extLst>
+          </p:cNvPr>
+          <p:cNvSpPr txBox="1"/>
+          <p:nvPr/>
         </p:nvSpPr>
         <p:spPr>
           <a:xfrm>
-            <a:off x="700635" y="1635853"/>
-            <a:ext cx="10691265" cy="4293361"/>
+            <a:off x="6634065" y="4422710"/>
+            <a:ext cx="4180114" cy="861774"/>
           </a:xfrm>
+          <a:prstGeom prst="rect">
+            <a:avLst/>
+          </a:prstGeom>
+          <a:noFill/>
         </p:spPr>
         <p:txBody>
-          <a:bodyPr/>
-          <a:lstStyle/>
-          <a:p>
-            <a:pPr marL="285750" indent="-285750"/>
-            <a:r>
-              <a:rPr lang="es-MX" b="0" i="0" dirty="0">
-                <a:effectLst/>
-                <a:latin typeface="Consolas" panose="020B0609020204030204" pitchFamily="49" charset="0"/>
-              </a:rPr>
-              <a:t>Variables utilizadas</a:t>
-            </a:r>
-          </a:p>
-          <a:p>
-            <a:pPr marL="285750" indent="-285750"/>
-            <a:r>
-              <a:rPr lang="es-MX" dirty="0">
-                <a:latin typeface="Consolas" panose="020B0609020204030204" pitchFamily="49" charset="0"/>
-              </a:rPr>
-              <a:t>I</a:t>
-            </a:r>
-            <a:r>
-              <a:rPr lang="es-MX" b="0" i="0" dirty="0">
-                <a:effectLst/>
-                <a:latin typeface="Consolas" panose="020B0609020204030204" pitchFamily="49" charset="0"/>
-              </a:rPr>
-              <a:t>nterpretación de coeficientes</a:t>
+          <a:bodyPr wrap="square" rtlCol="0">
+            <a:spAutoFit/>
+          </a:bodyPr>
+          <a:lstStyle/>
+          <a:p>
+            <a:r>
+              <a:rPr lang="es-MX" sz="1600" dirty="0"/>
+              <a:t>Mean:</a:t>
+            </a:r>
+          </a:p>
+          <a:p>
+            <a:r>
+              <a:rPr lang="es-MX" sz="1600" dirty="0"/>
+              <a:t>Median:</a:t>
+            </a:r>
+          </a:p>
+          <a:p>
+            <a:r>
+              <a:rPr lang="es-MX" sz="1600" dirty="0"/>
+              <a:t>Q3:</a:t>
+            </a:r>
+          </a:p>
+        </p:txBody>
+      </p:sp>
+      <p:sp>
+        <p:nvSpPr>
+          <p:cNvPr id="9" name="CuadroTexto 8">
+            <a:extLst>
+              <a:ext uri="{FF2B5EF4-FFF2-40B4-BE49-F238E27FC236}">
+                <a16:creationId xmlns:a16="http://schemas.microsoft.com/office/drawing/2014/main" id="{5C28A5B6-1863-0F9A-EB36-04D9C766E082}"/>
+              </a:ext>
+            </a:extLst>
+          </p:cNvPr>
+          <p:cNvSpPr txBox="1"/>
+          <p:nvPr/>
+        </p:nvSpPr>
+        <p:spPr>
+          <a:xfrm>
+            <a:off x="783771" y="286899"/>
+            <a:ext cx="5312229" cy="400110"/>
+          </a:xfrm>
+          <a:prstGeom prst="rect">
+            <a:avLst/>
+          </a:prstGeom>
+          <a:noFill/>
+        </p:spPr>
+        <p:txBody>
+          <a:bodyPr wrap="square" rtlCol="0">
+            <a:spAutoFit/>
+          </a:bodyPr>
+          <a:lstStyle/>
+          <a:p>
+            <a:r>
+              <a:rPr lang="es-MX" sz="2000" dirty="0"/>
+              <a:t>Variables numéricas</a:t>
             </a:r>
           </a:p>
         </p:txBody>
@@ -5703,7 +6417,7 @@
     </p:spTree>
     <p:extLst>
       <p:ext uri="{BB962C8B-B14F-4D97-AF65-F5344CB8AC3E}">
-        <p14:creationId xmlns:p14="http://schemas.microsoft.com/office/powerpoint/2010/main" val="4024783150"/>
+        <p14:creationId xmlns:p14="http://schemas.microsoft.com/office/powerpoint/2010/main" val="623055757"/>
       </p:ext>
     </p:extLst>
   </p:cSld>
@@ -5730,101 +6444,265 @@
           <a:chExt cx="0" cy="0"/>
         </a:xfrm>
       </p:grpSpPr>
-      <p:sp>
-        <p:nvSpPr>
-          <p:cNvPr id="2" name="Título 1">
-            <a:extLst>
-              <a:ext uri="{FF2B5EF4-FFF2-40B4-BE49-F238E27FC236}">
-                <a16:creationId xmlns:a16="http://schemas.microsoft.com/office/drawing/2014/main" id="{18A09D85-EB93-3091-BEC8-0C192C23096B}"/>
-              </a:ext>
-            </a:extLst>
-          </p:cNvPr>
-          <p:cNvSpPr>
-            <a:spLocks noGrp="1"/>
-          </p:cNvSpPr>
-          <p:nvPr>
-            <p:ph type="title"/>
-          </p:nvPr>
+      <p:graphicFrame>
+        <p:nvGraphicFramePr>
+          <p:cNvPr id="4" name="Objeto 3">
+            <a:extLst>
+              <a:ext uri="{FF2B5EF4-FFF2-40B4-BE49-F238E27FC236}">
+                <a16:creationId xmlns:a16="http://schemas.microsoft.com/office/drawing/2014/main" id="{03E5E775-AC53-DC5D-5706-474CB7695FB2}"/>
+              </a:ext>
+            </a:extLst>
+          </p:cNvPr>
+          <p:cNvGraphicFramePr>
+            <a:graphicFrameLocks noChangeAspect="1"/>
+          </p:cNvGraphicFramePr>
+          <p:nvPr>
+            <p:extLst>
+              <p:ext uri="{D42A27DB-BD31-4B8C-83A1-F6EECF244321}">
+                <p14:modId xmlns:p14="http://schemas.microsoft.com/office/powerpoint/2010/main" val="2394217253"/>
+              </p:ext>
+            </p:extLst>
+          </p:nvPr>
+        </p:nvGraphicFramePr>
+        <p:xfrm>
+          <a:off x="682300" y="985837"/>
+          <a:ext cx="4561504" cy="2968644"/>
+        </p:xfrm>
+        <a:graphic>
+          <a:graphicData uri="http://schemas.openxmlformats.org/presentationml/2006/ole">
+            <mc:AlternateContent xmlns:mc="http://schemas.openxmlformats.org/markup-compatibility/2006">
+              <mc:Choice xmlns:v="urn:schemas-microsoft-com:vml" Requires="v">
+                <p:oleObj name="PBrush" r:id="rId2" imgW="7505640" imgH="4884480" progId="">
+                  <p:embed/>
+                </p:oleObj>
+              </mc:Choice>
+              <mc:Fallback>
+                <p:oleObj name="PBrush" r:id="rId2" imgW="7505640" imgH="4884480" progId="">
+                  <p:embed/>
+                  <p:pic>
+                    <p:nvPicPr>
+                      <p:cNvPr id="0" name=""/>
+                      <p:cNvPicPr/>
+                      <p:nvPr/>
+                    </p:nvPicPr>
+                    <p:blipFill>
+                      <a:blip r:embed="rId3"/>
+                      <a:stretch>
+                        <a:fillRect/>
+                      </a:stretch>
+                    </p:blipFill>
+                    <p:spPr>
+                      <a:xfrm>
+                        <a:off x="682300" y="985837"/>
+                        <a:ext cx="4561504" cy="2968644"/>
+                      </a:xfrm>
+                      <a:prstGeom prst="rect">
+                        <a:avLst/>
+                      </a:prstGeom>
+                    </p:spPr>
+                  </p:pic>
+                </p:oleObj>
+              </mc:Fallback>
+            </mc:AlternateContent>
+          </a:graphicData>
+        </a:graphic>
+      </p:graphicFrame>
+      <p:graphicFrame>
+        <p:nvGraphicFramePr>
+          <p:cNvPr id="5" name="Objeto 4">
+            <a:extLst>
+              <a:ext uri="{FF2B5EF4-FFF2-40B4-BE49-F238E27FC236}">
+                <a16:creationId xmlns:a16="http://schemas.microsoft.com/office/drawing/2014/main" id="{E5ECDBE7-BB4F-74F5-61B7-10CC68B3F6AF}"/>
+              </a:ext>
+            </a:extLst>
+          </p:cNvPr>
+          <p:cNvGraphicFramePr>
+            <a:graphicFrameLocks noChangeAspect="1"/>
+          </p:cNvGraphicFramePr>
+          <p:nvPr>
+            <p:extLst>
+              <p:ext uri="{D42A27DB-BD31-4B8C-83A1-F6EECF244321}">
+                <p14:modId xmlns:p14="http://schemas.microsoft.com/office/powerpoint/2010/main" val="954391201"/>
+              </p:ext>
+            </p:extLst>
+          </p:nvPr>
+        </p:nvGraphicFramePr>
+        <p:xfrm>
+          <a:off x="7095042" y="1069813"/>
+          <a:ext cx="4414658" cy="2884668"/>
+        </p:xfrm>
+        <a:graphic>
+          <a:graphicData uri="http://schemas.openxmlformats.org/presentationml/2006/ole">
+            <mc:AlternateContent xmlns:mc="http://schemas.openxmlformats.org/markup-compatibility/2006">
+              <mc:Choice xmlns:v="urn:schemas-microsoft-com:vml" Requires="v">
+                <p:oleObj name="PBrush" r:id="rId4" imgW="7475400" imgH="4884480" progId="">
+                  <p:embed/>
+                </p:oleObj>
+              </mc:Choice>
+              <mc:Fallback>
+                <p:oleObj name="PBrush" r:id="rId4" imgW="7475400" imgH="4884480" progId="">
+                  <p:embed/>
+                  <p:pic>
+                    <p:nvPicPr>
+                      <p:cNvPr id="0" name=""/>
+                      <p:cNvPicPr/>
+                      <p:nvPr/>
+                    </p:nvPicPr>
+                    <p:blipFill>
+                      <a:blip r:embed="rId5"/>
+                      <a:stretch>
+                        <a:fillRect/>
+                      </a:stretch>
+                    </p:blipFill>
+                    <p:spPr>
+                      <a:xfrm>
+                        <a:off x="7095042" y="1069813"/>
+                        <a:ext cx="4414658" cy="2884668"/>
+                      </a:xfrm>
+                      <a:prstGeom prst="rect">
+                        <a:avLst/>
+                      </a:prstGeom>
+                    </p:spPr>
+                  </p:pic>
+                </p:oleObj>
+              </mc:Fallback>
+            </mc:AlternateContent>
+          </a:graphicData>
+        </a:graphic>
+      </p:graphicFrame>
+      <p:sp>
+        <p:nvSpPr>
+          <p:cNvPr id="6" name="CuadroTexto 5">
+            <a:extLst>
+              <a:ext uri="{FF2B5EF4-FFF2-40B4-BE49-F238E27FC236}">
+                <a16:creationId xmlns:a16="http://schemas.microsoft.com/office/drawing/2014/main" id="{90C4CA8E-E03F-EE39-395D-480CDA56D770}"/>
+              </a:ext>
+            </a:extLst>
+          </p:cNvPr>
+          <p:cNvSpPr txBox="1"/>
+          <p:nvPr/>
         </p:nvSpPr>
         <p:spPr>
           <a:xfrm>
-            <a:off x="700635" y="922096"/>
-            <a:ext cx="10691265" cy="713757"/>
+            <a:off x="682300" y="4422710"/>
+            <a:ext cx="4180114" cy="861774"/>
           </a:xfrm>
+          <a:prstGeom prst="rect">
+            <a:avLst/>
+          </a:prstGeom>
+          <a:noFill/>
         </p:spPr>
         <p:txBody>
-          <a:bodyPr/>
-          <a:lstStyle/>
-          <a:p>
-            <a:r>
-              <a:rPr lang="es-MX" b="1" dirty="0"/>
-              <a:t>Desempeño </a:t>
-            </a:r>
-          </a:p>
-        </p:txBody>
-      </p:sp>
-      <p:sp>
-        <p:nvSpPr>
-          <p:cNvPr id="3" name="Marcador de contenido 2">
-            <a:extLst>
-              <a:ext uri="{FF2B5EF4-FFF2-40B4-BE49-F238E27FC236}">
-                <a16:creationId xmlns:a16="http://schemas.microsoft.com/office/drawing/2014/main" id="{10B308AB-EB65-808F-E1A9-C4A976D357DE}"/>
-              </a:ext>
-            </a:extLst>
-          </p:cNvPr>
-          <p:cNvSpPr>
-            <a:spLocks noGrp="1"/>
-          </p:cNvSpPr>
-          <p:nvPr>
-            <p:ph idx="1"/>
-          </p:nvPr>
+          <a:bodyPr wrap="square" rtlCol="0">
+            <a:spAutoFit/>
+          </a:bodyPr>
+          <a:lstStyle/>
+          <a:p>
+            <a:r>
+              <a:rPr lang="es-MX" sz="1600" dirty="0"/>
+              <a:t>Mean:</a:t>
+            </a:r>
+          </a:p>
+          <a:p>
+            <a:r>
+              <a:rPr lang="es-MX" sz="1600" dirty="0"/>
+              <a:t>Median:</a:t>
+            </a:r>
+          </a:p>
+          <a:p>
+            <a:r>
+              <a:rPr lang="es-MX" sz="1600" dirty="0"/>
+              <a:t>Q3:</a:t>
+            </a:r>
+          </a:p>
+        </p:txBody>
+      </p:sp>
+      <p:sp>
+        <p:nvSpPr>
+          <p:cNvPr id="7" name="CuadroTexto 6">
+            <a:extLst>
+              <a:ext uri="{FF2B5EF4-FFF2-40B4-BE49-F238E27FC236}">
+                <a16:creationId xmlns:a16="http://schemas.microsoft.com/office/drawing/2014/main" id="{9883CA6A-1DC5-A65B-3BC3-135E63ACEE51}"/>
+              </a:ext>
+            </a:extLst>
+          </p:cNvPr>
+          <p:cNvSpPr txBox="1"/>
+          <p:nvPr/>
         </p:nvSpPr>
         <p:spPr>
           <a:xfrm>
-            <a:off x="700635" y="1635853"/>
-            <a:ext cx="10691265" cy="4293361"/>
+            <a:off x="7095042" y="4422710"/>
+            <a:ext cx="4180114" cy="861774"/>
           </a:xfrm>
+          <a:prstGeom prst="rect">
+            <a:avLst/>
+          </a:prstGeom>
+          <a:noFill/>
         </p:spPr>
         <p:txBody>
-          <a:bodyPr/>
-          <a:lstStyle/>
-          <a:p>
-            <a:pPr marL="285750" indent="-285750" algn="just"/>
-            <a:r>
-              <a:rPr lang="es-MX" b="0" i="0" dirty="0">
-                <a:effectLst/>
-                <a:latin typeface="Consolas" panose="020B0609020204030204" pitchFamily="49" charset="0"/>
-              </a:rPr>
-              <a:t>Desempeño con cada uno de los 3 umbrales (</a:t>
-            </a:r>
-            <a:r>
-              <a:rPr lang="es-MX" b="0" i="0" dirty="0" err="1">
-                <a:effectLst/>
-                <a:latin typeface="Consolas" panose="020B0609020204030204" pitchFamily="49" charset="0"/>
-              </a:rPr>
-              <a:t>thresholds</a:t>
-            </a:r>
-            <a:r>
-              <a:rPr lang="es-MX" b="0" i="0" dirty="0">
-                <a:effectLst/>
-                <a:latin typeface="Consolas" panose="020B0609020204030204" pitchFamily="49" charset="0"/>
-              </a:rPr>
-              <a:t>) utilizados e identificar el seleccionado</a:t>
-            </a:r>
-          </a:p>
-          <a:p>
-            <a:pPr marL="285750" indent="-285750"/>
-            <a:endParaRPr lang="en-US" b="0" i="0" dirty="0">
-              <a:effectLst/>
-              <a:latin typeface="Consolas" panose="020B0609020204030204" pitchFamily="49" charset="0"/>
-            </a:endParaRPr>
+          <a:bodyPr wrap="square" rtlCol="0">
+            <a:spAutoFit/>
+          </a:bodyPr>
+          <a:lstStyle/>
+          <a:p>
+            <a:r>
+              <a:rPr lang="es-MX" sz="1600" dirty="0"/>
+              <a:t>Mean:</a:t>
+            </a:r>
+          </a:p>
+          <a:p>
+            <a:r>
+              <a:rPr lang="es-MX" sz="1600" dirty="0"/>
+              <a:t>Median:</a:t>
+            </a:r>
+          </a:p>
+          <a:p>
+            <a:r>
+              <a:rPr lang="es-MX" sz="1600" dirty="0"/>
+              <a:t>Q3:</a:t>
+            </a:r>
+          </a:p>
+        </p:txBody>
+      </p:sp>
+      <p:sp>
+        <p:nvSpPr>
+          <p:cNvPr id="8" name="CuadroTexto 7">
+            <a:extLst>
+              <a:ext uri="{FF2B5EF4-FFF2-40B4-BE49-F238E27FC236}">
+                <a16:creationId xmlns:a16="http://schemas.microsoft.com/office/drawing/2014/main" id="{4EDC69B0-0FEA-2743-5C7D-1EA1820FF646}"/>
+              </a:ext>
+            </a:extLst>
+          </p:cNvPr>
+          <p:cNvSpPr txBox="1"/>
+          <p:nvPr/>
+        </p:nvSpPr>
+        <p:spPr>
+          <a:xfrm>
+            <a:off x="783771" y="286899"/>
+            <a:ext cx="5312229" cy="400110"/>
+          </a:xfrm>
+          <a:prstGeom prst="rect">
+            <a:avLst/>
+          </a:prstGeom>
+          <a:noFill/>
+        </p:spPr>
+        <p:txBody>
+          <a:bodyPr wrap="square" rtlCol="0">
+            <a:spAutoFit/>
+          </a:bodyPr>
+          <a:lstStyle/>
+          <a:p>
+            <a:r>
+              <a:rPr lang="es-MX" sz="2000" dirty="0"/>
+              <a:t>Variables numéricas</a:t>
+            </a:r>
           </a:p>
         </p:txBody>
       </p:sp>
     </p:spTree>
     <p:extLst>
       <p:ext uri="{BB962C8B-B14F-4D97-AF65-F5344CB8AC3E}">
-        <p14:creationId xmlns:p14="http://schemas.microsoft.com/office/powerpoint/2010/main" val="2967230457"/>
+        <p14:creationId xmlns:p14="http://schemas.microsoft.com/office/powerpoint/2010/main" val="4191919960"/>
       </p:ext>
     </p:extLst>
   </p:cSld>
@@ -5837,14 +6715,6 @@
 <file path=ppt/slides/slide8.xml><?xml version="1.0" encoding="utf-8"?>
 <p:sld xmlns:a="http://schemas.openxmlformats.org/drawingml/2006/main" xmlns:r="http://schemas.openxmlformats.org/officeDocument/2006/relationships" xmlns:p="http://schemas.openxmlformats.org/presentationml/2006/main">
   <p:cSld>
-    <p:bg>
-      <p:bgPr>
-        <a:solidFill>
-          <a:schemeClr val="bg1"/>
-        </a:solidFill>
-        <a:effectLst/>
-      </p:bgPr>
-    </p:bg>
     <p:spTree>
       <p:nvGrpSpPr>
         <p:cNvPr id="1" name=""/>
@@ -5859,306 +6729,96 @@
           <a:chExt cx="0" cy="0"/>
         </a:xfrm>
       </p:grpSpPr>
-      <p:sp useBgFill="1">
-        <p:nvSpPr>
-          <p:cNvPr id="3081" name="Rectangle 3080">
-            <a:extLst>
-              <a:ext uri="{FF2B5EF4-FFF2-40B4-BE49-F238E27FC236}">
-                <a16:creationId xmlns:a16="http://schemas.microsoft.com/office/drawing/2014/main" id="{341BFA31-6544-45C2-9DA0-9E1C5E0B1959}"/>
-              </a:ext>
-              <a:ext uri="{C183D7F6-B498-43B3-948B-1728B52AA6E4}">
-                <adec:decorative xmlns:adec="http://schemas.microsoft.com/office/drawing/2017/decorative" val="1"/>
-              </a:ext>
-            </a:extLst>
-          </p:cNvPr>
-          <p:cNvSpPr>
-            <a:spLocks noGrp="1" noRot="1" noChangeAspect="1" noMove="1" noResize="1" noEditPoints="1" noAdjustHandles="1" noChangeArrowheads="1" noChangeShapeType="1" noTextEdit="1"/>
-          </p:cNvSpPr>
-          <p:nvPr>
-            <p:extLst>
-              <p:ext uri="{386F3935-93C4-4BCD-93E2-E3B085C9AB24}">
-                <p16:designElem xmlns:p16="http://schemas.microsoft.com/office/powerpoint/2015/main" val="1"/>
-              </p:ext>
-            </p:extLst>
+      <p:sp>
+        <p:nvSpPr>
+          <p:cNvPr id="2" name="Título 1">
+            <a:extLst>
+              <a:ext uri="{FF2B5EF4-FFF2-40B4-BE49-F238E27FC236}">
+                <a16:creationId xmlns:a16="http://schemas.microsoft.com/office/drawing/2014/main" id="{18A09D85-EB93-3091-BEC8-0C192C23096B}"/>
+              </a:ext>
+            </a:extLst>
+          </p:cNvPr>
+          <p:cNvSpPr>
+            <a:spLocks noGrp="1"/>
+          </p:cNvSpPr>
+          <p:nvPr>
+            <p:ph type="title"/>
           </p:nvPr>
         </p:nvSpPr>
         <p:spPr>
           <a:xfrm>
-            <a:off x="0" y="0"/>
-            <a:ext cx="12192000" cy="6858000"/>
+            <a:off x="700635" y="922096"/>
+            <a:ext cx="10691265" cy="713757"/>
           </a:xfrm>
-          <a:prstGeom prst="rect">
-            <a:avLst/>
-          </a:prstGeom>
-          <a:ln w="12700" cap="flat" cmpd="sng" algn="ctr">
-            <a:noFill/>
-            <a:prstDash val="solid"/>
-            <a:miter lim="800000"/>
-          </a:ln>
-          <a:effectLst/>
-          <a:extLst>
-            <a:ext uri="{91240B29-F687-4F45-9708-019B960494DF}">
-              <a14:hiddenLine xmlns:a14="http://schemas.microsoft.com/office/drawing/2010/main" w="12700" cap="flat" cmpd="sng" algn="ctr">
-                <a:solidFill>
-                  <a:schemeClr val="accent1">
-                    <a:shade val="50000"/>
-                  </a:schemeClr>
-                </a:solidFill>
-                <a:prstDash val="solid"/>
-                <a:miter lim="800000"/>
-              </a14:hiddenLine>
-            </a:ext>
-          </a:extLst>
         </p:spPr>
-        <p:style>
-          <a:lnRef idx="2">
-            <a:schemeClr val="accent1">
-              <a:shade val="50000"/>
-            </a:schemeClr>
-          </a:lnRef>
-          <a:fillRef idx="1">
-            <a:schemeClr val="accent1"/>
-          </a:fillRef>
-          <a:effectRef idx="0">
-            <a:schemeClr val="accent1"/>
-          </a:effectRef>
-          <a:fontRef idx="minor">
-            <a:schemeClr val="lt1"/>
-          </a:fontRef>
-        </p:style>
-        <p:txBody>
-          <a:bodyPr rtlCol="0" anchor="ctr"/>
-          <a:lstStyle/>
-          <a:p>
-            <a:pPr algn="ctr"/>
-            <a:endParaRPr lang="en-US"/>
-          </a:p>
-        </p:txBody>
-      </p:sp>
-      <p:sp>
-        <p:nvSpPr>
-          <p:cNvPr id="2" name="Título 1">
-            <a:extLst>
-              <a:ext uri="{FF2B5EF4-FFF2-40B4-BE49-F238E27FC236}">
-                <a16:creationId xmlns:a16="http://schemas.microsoft.com/office/drawing/2014/main" id="{D20D4173-25B5-7DF6-8617-1C50325D58C7}"/>
-              </a:ext>
-            </a:extLst>
-          </p:cNvPr>
-          <p:cNvSpPr>
-            <a:spLocks noGrp="1"/>
-          </p:cNvSpPr>
-          <p:nvPr>
-            <p:ph type="ctrTitle"/>
+        <p:txBody>
+          <a:bodyPr/>
+          <a:lstStyle/>
+          <a:p>
+            <a:r>
+              <a:rPr lang="es-MX" b="1" dirty="0"/>
+              <a:t>Modelo</a:t>
+            </a:r>
+          </a:p>
+        </p:txBody>
+      </p:sp>
+      <p:sp>
+        <p:nvSpPr>
+          <p:cNvPr id="3" name="Marcador de contenido 2">
+            <a:extLst>
+              <a:ext uri="{FF2B5EF4-FFF2-40B4-BE49-F238E27FC236}">
+                <a16:creationId xmlns:a16="http://schemas.microsoft.com/office/drawing/2014/main" id="{10B308AB-EB65-808F-E1A9-C4A976D357DE}"/>
+              </a:ext>
+            </a:extLst>
+          </p:cNvPr>
+          <p:cNvSpPr>
+            <a:spLocks noGrp="1"/>
+          </p:cNvSpPr>
+          <p:nvPr>
+            <p:ph idx="1"/>
           </p:nvPr>
         </p:nvSpPr>
         <p:spPr>
           <a:xfrm>
-            <a:off x="695326" y="4742029"/>
-            <a:ext cx="10765912" cy="925950"/>
+            <a:off x="700635" y="1635853"/>
+            <a:ext cx="10691265" cy="4293361"/>
           </a:xfrm>
         </p:spPr>
         <p:txBody>
-          <a:bodyPr>
-            <a:normAutofit/>
-          </a:bodyPr>
-          <a:lstStyle/>
-          <a:p>
-            <a:r>
-              <a:rPr lang="es-MX" b="1" dirty="0"/>
-              <a:t>Fase 2</a:t>
-            </a:r>
-          </a:p>
-        </p:txBody>
-      </p:sp>
-      <p:sp>
-        <p:nvSpPr>
-          <p:cNvPr id="3" name="Subtítulo 2">
-            <a:extLst>
-              <a:ext uri="{FF2B5EF4-FFF2-40B4-BE49-F238E27FC236}">
-                <a16:creationId xmlns:a16="http://schemas.microsoft.com/office/drawing/2014/main" id="{1F4E2AE9-C111-DE7D-6177-3DC76E8529F5}"/>
-              </a:ext>
-            </a:extLst>
-          </p:cNvPr>
-          <p:cNvSpPr>
-            <a:spLocks noGrp="1"/>
-          </p:cNvSpPr>
-          <p:nvPr>
-            <p:ph type="subTitle" idx="1"/>
-          </p:nvPr>
-        </p:nvSpPr>
-        <p:spPr>
-          <a:xfrm>
-            <a:off x="695325" y="5731877"/>
-            <a:ext cx="8829674" cy="429622"/>
-          </a:xfrm>
-        </p:spPr>
-        <p:txBody>
-          <a:bodyPr anchor="t">
-            <a:normAutofit/>
-          </a:bodyPr>
-          <a:lstStyle/>
-          <a:p>
-            <a:pPr>
-              <a:lnSpc>
-                <a:spcPct val="110000"/>
-              </a:lnSpc>
-            </a:pPr>
-            <a:r>
-              <a:rPr lang="es-MX">
+          <a:bodyPr/>
+          <a:lstStyle/>
+          <a:p>
+            <a:pPr marL="285750" indent="-285750"/>
+            <a:r>
+              <a:rPr lang="es-MX" b="0" i="0" dirty="0">
+                <a:effectLst/>
                 <a:latin typeface="Consolas" panose="020B0609020204030204" pitchFamily="49" charset="0"/>
               </a:rPr>
-              <a:t>Análisis de Supervivencia</a:t>
-            </a:r>
-          </a:p>
-        </p:txBody>
-      </p:sp>
-      <p:pic>
-        <p:nvPicPr>
-          <p:cNvPr id="3076" name="Picture 4" descr="Shopping cart design: patterns for conversion - Justinmind">
-            <a:extLst>
-              <a:ext uri="{FF2B5EF4-FFF2-40B4-BE49-F238E27FC236}">
-                <a16:creationId xmlns:a16="http://schemas.microsoft.com/office/drawing/2014/main" id="{C35C2109-D751-23CF-9702-2CF238239873}"/>
-              </a:ext>
-            </a:extLst>
-          </p:cNvPr>
-          <p:cNvPicPr>
-            <a:picLocks noChangeAspect="1" noChangeArrowheads="1"/>
-          </p:cNvPicPr>
-          <p:nvPr/>
-        </p:nvPicPr>
-        <p:blipFill>
-          <a:blip r:embed="rId2">
-            <a:extLst>
-              <a:ext uri="{28A0092B-C50C-407E-A947-70E740481C1C}">
-                <a14:useLocalDpi xmlns:a14="http://schemas.microsoft.com/office/drawing/2010/main" val="0"/>
-              </a:ext>
-            </a:extLst>
-          </a:blip>
-          <a:stretch>
-            <a:fillRect/>
-          </a:stretch>
-        </p:blipFill>
-        <p:spPr bwMode="auto">
-          <a:xfrm>
-            <a:off x="800100" y="1021983"/>
-            <a:ext cx="5134573" cy="3286126"/>
-          </a:xfrm>
-          <a:prstGeom prst="rect">
-            <a:avLst/>
-          </a:prstGeom>
-          <a:noFill/>
-          <a:extLst>
-            <a:ext uri="{909E8E84-426E-40DD-AFC4-6F175D3DCCD1}">
-              <a14:hiddenFill xmlns:a14="http://schemas.microsoft.com/office/drawing/2010/main">
-                <a:solidFill>
-                  <a:srgbClr val="FFFFFF"/>
-                </a:solidFill>
-              </a14:hiddenFill>
-            </a:ext>
-          </a:extLst>
-        </p:spPr>
-      </p:pic>
-      <p:pic>
-        <p:nvPicPr>
-          <p:cNvPr id="3074" name="Picture 2" descr="Empty Cart Projects | Photos, videos, logos, illustrations and branding on  Behance">
-            <a:extLst>
-              <a:ext uri="{FF2B5EF4-FFF2-40B4-BE49-F238E27FC236}">
-                <a16:creationId xmlns:a16="http://schemas.microsoft.com/office/drawing/2014/main" id="{882DF97A-0075-6E20-2C64-C9DE237FCAD6}"/>
-              </a:ext>
-            </a:extLst>
-          </p:cNvPr>
-          <p:cNvPicPr>
-            <a:picLocks noChangeAspect="1" noChangeArrowheads="1"/>
-          </p:cNvPicPr>
-          <p:nvPr/>
-        </p:nvPicPr>
-        <p:blipFill rotWithShape="1">
-          <a:blip r:embed="rId3">
-            <a:extLst>
-              <a:ext uri="{28A0092B-C50C-407E-A947-70E740481C1C}">
-                <a14:useLocalDpi xmlns:a14="http://schemas.microsoft.com/office/drawing/2010/main" val="0"/>
-              </a:ext>
-            </a:extLst>
-          </a:blip>
-          <a:srcRect b="8317"/>
-          <a:stretch/>
-        </p:blipFill>
-        <p:spPr bwMode="auto">
-          <a:xfrm>
-            <a:off x="6809555" y="1021983"/>
-            <a:ext cx="4582345" cy="3286123"/>
-          </a:xfrm>
-          <a:prstGeom prst="rect">
-            <a:avLst/>
-          </a:prstGeom>
-          <a:noFill/>
-          <a:extLst>
-            <a:ext uri="{909E8E84-426E-40DD-AFC4-6F175D3DCCD1}">
-              <a14:hiddenFill xmlns:a14="http://schemas.microsoft.com/office/drawing/2010/main">
-                <a:solidFill>
-                  <a:srgbClr val="FFFFFF"/>
-                </a:solidFill>
-              </a14:hiddenFill>
-            </a:ext>
-          </a:extLst>
-        </p:spPr>
-      </p:pic>
-      <p:cxnSp>
-        <p:nvCxnSpPr>
-          <p:cNvPr id="3083" name="Straight Connector 3082">
-            <a:extLst>
-              <a:ext uri="{FF2B5EF4-FFF2-40B4-BE49-F238E27FC236}">
-                <a16:creationId xmlns:a16="http://schemas.microsoft.com/office/drawing/2014/main" id="{DC36F877-5419-44C1-A2CD-376BDDDC3E41}"/>
-              </a:ext>
-              <a:ext uri="{C183D7F6-B498-43B3-948B-1728B52AA6E4}">
-                <adec:decorative xmlns:adec="http://schemas.microsoft.com/office/drawing/2017/decorative" val="1"/>
-              </a:ext>
-            </a:extLst>
-          </p:cNvPr>
-          <p:cNvCxnSpPr>
-            <a:cxnSpLocks noGrp="1" noRot="1" noChangeAspect="1" noMove="1" noResize="1" noEditPoints="1" noAdjustHandles="1" noChangeArrowheads="1" noChangeShapeType="1"/>
-          </p:cNvCxnSpPr>
-          <p:nvPr>
-            <p:extLst>
-              <p:ext uri="{386F3935-93C4-4BCD-93E2-E3B085C9AB24}">
-                <p16:designElem xmlns:p16="http://schemas.microsoft.com/office/powerpoint/2015/main" val="1"/>
-              </p:ext>
-            </p:extLst>
-          </p:nvPr>
-        </p:nvCxnSpPr>
-        <p:spPr>
-          <a:xfrm>
-            <a:off x="800100" y="4667603"/>
-            <a:ext cx="10591800" cy="0"/>
-          </a:xfrm>
-          <a:prstGeom prst="line">
-            <a:avLst/>
-          </a:prstGeom>
-          <a:ln w="44450">
-            <a:solidFill>
-              <a:schemeClr val="tx1"/>
-            </a:solidFill>
-          </a:ln>
-        </p:spPr>
-        <p:style>
-          <a:lnRef idx="1">
-            <a:schemeClr val="accent1"/>
-          </a:lnRef>
-          <a:fillRef idx="0">
-            <a:schemeClr val="accent1"/>
-          </a:fillRef>
-          <a:effectRef idx="0">
-            <a:schemeClr val="accent1"/>
-          </a:effectRef>
-          <a:fontRef idx="minor">
-            <a:schemeClr val="tx1"/>
-          </a:fontRef>
-        </p:style>
-      </p:cxnSp>
+              <a:t>Variables utilizadas</a:t>
+            </a:r>
+          </a:p>
+          <a:p>
+            <a:pPr marL="285750" indent="-285750"/>
+            <a:r>
+              <a:rPr lang="es-MX" dirty="0">
+                <a:latin typeface="Consolas" panose="020B0609020204030204" pitchFamily="49" charset="0"/>
+              </a:rPr>
+              <a:t>I</a:t>
+            </a:r>
+            <a:r>
+              <a:rPr lang="es-MX" b="0" i="0" dirty="0">
+                <a:effectLst/>
+                <a:latin typeface="Consolas" panose="020B0609020204030204" pitchFamily="49" charset="0"/>
+              </a:rPr>
+              <a:t>nterpretación de coeficientes</a:t>
+            </a:r>
+          </a:p>
+        </p:txBody>
+      </p:sp>
     </p:spTree>
     <p:extLst>
       <p:ext uri="{BB962C8B-B14F-4D97-AF65-F5344CB8AC3E}">
-        <p14:creationId xmlns:p14="http://schemas.microsoft.com/office/powerpoint/2010/main" val="1526287764"/>
+        <p14:creationId xmlns:p14="http://schemas.microsoft.com/office/powerpoint/2010/main" val="4024783150"/>
       </p:ext>
     </p:extLst>
   </p:cSld>
@@ -6213,7 +6873,7 @@
           <a:p>
             <a:r>
               <a:rPr lang="es-MX" b="1" dirty="0"/>
-              <a:t>Definición del Problema</a:t>
+              <a:t>Desempeño </a:t>
             </a:r>
           </a:p>
         </p:txBody>
@@ -6245,7 +6905,31 @@
           <a:lstStyle/>
           <a:p>
             <a:pPr marL="285750" indent="-285750" algn="just"/>
-            <a:endParaRPr lang="es-MX" b="0" i="0" dirty="0">
+            <a:r>
+              <a:rPr lang="es-MX" b="0" i="0" dirty="0">
+                <a:effectLst/>
+                <a:latin typeface="Consolas" panose="020B0609020204030204" pitchFamily="49" charset="0"/>
+              </a:rPr>
+              <a:t>Desempeño con cada uno de los 3 umbrales (</a:t>
+            </a:r>
+            <a:r>
+              <a:rPr lang="es-MX" b="0" i="0" dirty="0" err="1">
+                <a:effectLst/>
+                <a:latin typeface="Consolas" panose="020B0609020204030204" pitchFamily="49" charset="0"/>
+              </a:rPr>
+              <a:t>thresholds</a:t>
+            </a:r>
+            <a:r>
+              <a:rPr lang="es-MX" b="0" i="0" dirty="0">
+                <a:effectLst/>
+                <a:latin typeface="Consolas" panose="020B0609020204030204" pitchFamily="49" charset="0"/>
+              </a:rPr>
+              <a:t>) utilizados e identificar el seleccionado</a:t>
+            </a:r>
+          </a:p>
+          <a:p>
+            <a:pPr marL="285750" indent="-285750"/>
+            <a:endParaRPr lang="en-US" b="0" i="0" dirty="0">
               <a:effectLst/>
               <a:latin typeface="Consolas" panose="020B0609020204030204" pitchFamily="49" charset="0"/>
             </a:endParaRPr>
@@ -6255,7 +6939,7 @@
     </p:spTree>
     <p:extLst>
       <p:ext uri="{BB962C8B-B14F-4D97-AF65-F5344CB8AC3E}">
-        <p14:creationId xmlns:p14="http://schemas.microsoft.com/office/powerpoint/2010/main" val="1596593790"/>
+        <p14:creationId xmlns:p14="http://schemas.microsoft.com/office/powerpoint/2010/main" val="2967230457"/>
       </p:ext>
     </p:extLst>
   </p:cSld>

--- a/Presentación_Final.pptx
+++ b/Presentación_Final.pptx
@@ -12,13 +12,14 @@
     <p:sldId id="263" r:id="rId6"/>
     <p:sldId id="269" r:id="rId7"/>
     <p:sldId id="270" r:id="rId8"/>
-    <p:sldId id="264" r:id="rId9"/>
-    <p:sldId id="265" r:id="rId10"/>
-    <p:sldId id="259" r:id="rId11"/>
-    <p:sldId id="262" r:id="rId12"/>
-    <p:sldId id="266" r:id="rId13"/>
-    <p:sldId id="267" r:id="rId14"/>
-    <p:sldId id="260" r:id="rId15"/>
+    <p:sldId id="271" r:id="rId9"/>
+    <p:sldId id="264" r:id="rId10"/>
+    <p:sldId id="265" r:id="rId11"/>
+    <p:sldId id="259" r:id="rId12"/>
+    <p:sldId id="262" r:id="rId13"/>
+    <p:sldId id="266" r:id="rId14"/>
+    <p:sldId id="267" r:id="rId15"/>
+    <p:sldId id="260" r:id="rId16"/>
   </p:sldIdLst>
   <p:sldSz cx="12192000" cy="6858000"/>
   <p:notesSz cx="6858000" cy="9144000"/>
@@ -276,7 +277,7 @@
           <a:p>
             <a:fld id="{2F3E8B1C-86EF-43CF-8304-249481088644}" type="datetimeFigureOut">
               <a:rPr lang="en-US" smtClean="0"/>
-              <a:t>11/22/2022</a:t>
+              <a:t>11/29/2022</a:t>
             </a:fld>
             <a:endParaRPr lang="en-US"/>
           </a:p>
@@ -474,7 +475,7 @@
           <a:p>
             <a:fld id="{2F3E8B1C-86EF-43CF-8304-249481088644}" type="datetimeFigureOut">
               <a:rPr lang="en-US" smtClean="0"/>
-              <a:t>11/22/2022</a:t>
+              <a:t>11/29/2022</a:t>
             </a:fld>
             <a:endParaRPr lang="en-US"/>
           </a:p>
@@ -682,7 +683,7 @@
           <a:p>
             <a:fld id="{2F3E8B1C-86EF-43CF-8304-249481088644}" type="datetimeFigureOut">
               <a:rPr lang="en-US" smtClean="0"/>
-              <a:t>11/22/2022</a:t>
+              <a:t>11/29/2022</a:t>
             </a:fld>
             <a:endParaRPr lang="en-US"/>
           </a:p>
@@ -880,7 +881,7 @@
           <a:p>
             <a:fld id="{2F3E8B1C-86EF-43CF-8304-249481088644}" type="datetimeFigureOut">
               <a:rPr lang="en-US" smtClean="0"/>
-              <a:t>11/22/2022</a:t>
+              <a:t>11/29/2022</a:t>
             </a:fld>
             <a:endParaRPr lang="en-US"/>
           </a:p>
@@ -1155,7 +1156,7 @@
           <a:p>
             <a:fld id="{2F3E8B1C-86EF-43CF-8304-249481088644}" type="datetimeFigureOut">
               <a:rPr lang="en-US" smtClean="0"/>
-              <a:t>11/22/2022</a:t>
+              <a:t>11/29/2022</a:t>
             </a:fld>
             <a:endParaRPr lang="en-US"/>
           </a:p>
@@ -1425,7 +1426,7 @@
           <a:p>
             <a:fld id="{2F3E8B1C-86EF-43CF-8304-249481088644}" type="datetimeFigureOut">
               <a:rPr lang="en-US" smtClean="0"/>
-              <a:t>11/22/2022</a:t>
+              <a:t>11/29/2022</a:t>
             </a:fld>
             <a:endParaRPr lang="en-US"/>
           </a:p>
@@ -1845,7 +1846,7 @@
           <a:p>
             <a:fld id="{2F3E8B1C-86EF-43CF-8304-249481088644}" type="datetimeFigureOut">
               <a:rPr lang="en-US" smtClean="0"/>
-              <a:t>11/22/2022</a:t>
+              <a:t>11/29/2022</a:t>
             </a:fld>
             <a:endParaRPr lang="en-US"/>
           </a:p>
@@ -1986,7 +1987,7 @@
           <a:p>
             <a:fld id="{2F3E8B1C-86EF-43CF-8304-249481088644}" type="datetimeFigureOut">
               <a:rPr lang="en-US" smtClean="0"/>
-              <a:t>11/22/2022</a:t>
+              <a:t>11/29/2022</a:t>
             </a:fld>
             <a:endParaRPr lang="en-US"/>
           </a:p>
@@ -2099,7 +2100,7 @@
           <a:p>
             <a:fld id="{2F3E8B1C-86EF-43CF-8304-249481088644}" type="datetimeFigureOut">
               <a:rPr lang="en-US" smtClean="0"/>
-              <a:t>11/22/2022</a:t>
+              <a:t>11/29/2022</a:t>
             </a:fld>
             <a:endParaRPr lang="en-US"/>
           </a:p>
@@ -2410,7 +2411,7 @@
           <a:p>
             <a:fld id="{2F3E8B1C-86EF-43CF-8304-249481088644}" type="datetimeFigureOut">
               <a:rPr lang="en-US" smtClean="0"/>
-              <a:t>11/22/2022</a:t>
+              <a:t>11/29/2022</a:t>
             </a:fld>
             <a:endParaRPr lang="en-US"/>
           </a:p>
@@ -2698,7 +2699,7 @@
           <a:p>
             <a:fld id="{2F3E8B1C-86EF-43CF-8304-249481088644}" type="datetimeFigureOut">
               <a:rPr lang="en-US" smtClean="0"/>
-              <a:t>11/22/2022</a:t>
+              <a:t>11/29/2022</a:t>
             </a:fld>
             <a:endParaRPr lang="en-US"/>
           </a:p>
@@ -2939,7 +2940,7 @@
             <a:fld id="{2F3E8B1C-86EF-43CF-8304-249481088644}" type="datetimeFigureOut">
               <a:rPr lang="en-US" smtClean="0"/>
               <a:pPr/>
-              <a:t>11/22/2022</a:t>
+              <a:t>11/29/2022</a:t>
             </a:fld>
             <a:endParaRPr lang="en-US" dirty="0"/>
           </a:p>
@@ -3968,6 +3969,310 @@
 <file path=ppt/slides/slide10.xml><?xml version="1.0" encoding="utf-8"?>
 <p:sld xmlns:a="http://schemas.openxmlformats.org/drawingml/2006/main" xmlns:r="http://schemas.openxmlformats.org/officeDocument/2006/relationships" xmlns:p="http://schemas.openxmlformats.org/presentationml/2006/main">
   <p:cSld>
+    <p:spTree>
+      <p:nvGrpSpPr>
+        <p:cNvPr id="1" name=""/>
+        <p:cNvGrpSpPr/>
+        <p:nvPr/>
+      </p:nvGrpSpPr>
+      <p:grpSpPr>
+        <a:xfrm>
+          <a:off x="0" y="0"/>
+          <a:ext cx="0" cy="0"/>
+          <a:chOff x="0" y="0"/>
+          <a:chExt cx="0" cy="0"/>
+        </a:xfrm>
+      </p:grpSpPr>
+      <p:sp>
+        <p:nvSpPr>
+          <p:cNvPr id="2" name="Título 1">
+            <a:extLst>
+              <a:ext uri="{FF2B5EF4-FFF2-40B4-BE49-F238E27FC236}">
+                <a16:creationId xmlns:a16="http://schemas.microsoft.com/office/drawing/2014/main" id="{18A09D85-EB93-3091-BEC8-0C192C23096B}"/>
+              </a:ext>
+            </a:extLst>
+          </p:cNvPr>
+          <p:cNvSpPr>
+            <a:spLocks noGrp="1"/>
+          </p:cNvSpPr>
+          <p:nvPr>
+            <p:ph type="title"/>
+          </p:nvPr>
+        </p:nvSpPr>
+        <p:spPr>
+          <a:xfrm>
+            <a:off x="700635" y="922096"/>
+            <a:ext cx="10691265" cy="713757"/>
+          </a:xfrm>
+        </p:spPr>
+        <p:txBody>
+          <a:bodyPr/>
+          <a:lstStyle/>
+          <a:p>
+            <a:r>
+              <a:rPr lang="es-MX" b="1" dirty="0"/>
+              <a:t>Desempeño </a:t>
+            </a:r>
+          </a:p>
+        </p:txBody>
+      </p:sp>
+      <p:pic>
+        <p:nvPicPr>
+          <p:cNvPr id="5" name="Imagen 4">
+            <a:extLst>
+              <a:ext uri="{FF2B5EF4-FFF2-40B4-BE49-F238E27FC236}">
+                <a16:creationId xmlns:a16="http://schemas.microsoft.com/office/drawing/2014/main" id="{F0416128-0BE3-543F-2A87-C588850585DE}"/>
+              </a:ext>
+            </a:extLst>
+          </p:cNvPr>
+          <p:cNvPicPr>
+            <a:picLocks noChangeAspect="1"/>
+          </p:cNvPicPr>
+          <p:nvPr/>
+        </p:nvPicPr>
+        <p:blipFill>
+          <a:blip r:embed="rId2"/>
+          <a:stretch>
+            <a:fillRect/>
+          </a:stretch>
+        </p:blipFill>
+        <p:spPr>
+          <a:xfrm>
+            <a:off x="800100" y="1977693"/>
+            <a:ext cx="7783011" cy="3305636"/>
+          </a:xfrm>
+          <a:prstGeom prst="rect">
+            <a:avLst/>
+          </a:prstGeom>
+        </p:spPr>
+      </p:pic>
+      <p:pic>
+        <p:nvPicPr>
+          <p:cNvPr id="7" name="Imagen 6">
+            <a:extLst>
+              <a:ext uri="{FF2B5EF4-FFF2-40B4-BE49-F238E27FC236}">
+                <a16:creationId xmlns:a16="http://schemas.microsoft.com/office/drawing/2014/main" id="{62920ED9-028F-86C2-D8A9-651602DD887C}"/>
+              </a:ext>
+            </a:extLst>
+          </p:cNvPr>
+          <p:cNvPicPr>
+            <a:picLocks noChangeAspect="1"/>
+          </p:cNvPicPr>
+          <p:nvPr/>
+        </p:nvPicPr>
+        <p:blipFill rotWithShape="1">
+          <a:blip r:embed="rId3"/>
+          <a:srcRect t="5298"/>
+          <a:stretch/>
+        </p:blipFill>
+        <p:spPr>
+          <a:xfrm>
+            <a:off x="9115107" y="3179428"/>
+            <a:ext cx="2276793" cy="902166"/>
+          </a:xfrm>
+          <a:prstGeom prst="rect">
+            <a:avLst/>
+          </a:prstGeom>
+        </p:spPr>
+      </p:pic>
+      <p:sp>
+        <p:nvSpPr>
+          <p:cNvPr id="9" name="Flecha: hacia la izquierda 8">
+            <a:extLst>
+              <a:ext uri="{FF2B5EF4-FFF2-40B4-BE49-F238E27FC236}">
+                <a16:creationId xmlns:a16="http://schemas.microsoft.com/office/drawing/2014/main" id="{594F64E5-90AC-085E-F1AB-AE259E818A4A}"/>
+              </a:ext>
+            </a:extLst>
+          </p:cNvPr>
+          <p:cNvSpPr/>
+          <p:nvPr/>
+        </p:nvSpPr>
+        <p:spPr>
+          <a:xfrm>
+            <a:off x="5360566" y="3369403"/>
+            <a:ext cx="1988191" cy="522215"/>
+          </a:xfrm>
+          <a:prstGeom prst="leftArrow">
+            <a:avLst/>
+          </a:prstGeom>
+          <a:solidFill>
+            <a:schemeClr val="accent6">
+              <a:lumMod val="75000"/>
+            </a:schemeClr>
+          </a:solidFill>
+          <a:ln>
+            <a:solidFill>
+              <a:schemeClr val="accent6">
+                <a:lumMod val="40000"/>
+                <a:lumOff val="60000"/>
+              </a:schemeClr>
+            </a:solidFill>
+          </a:ln>
+        </p:spPr>
+        <p:style>
+          <a:lnRef idx="2">
+            <a:schemeClr val="accent1">
+              <a:shade val="50000"/>
+            </a:schemeClr>
+          </a:lnRef>
+          <a:fillRef idx="1">
+            <a:schemeClr val="accent1"/>
+          </a:fillRef>
+          <a:effectRef idx="0">
+            <a:schemeClr val="accent1"/>
+          </a:effectRef>
+          <a:fontRef idx="minor">
+            <a:schemeClr val="lt1"/>
+          </a:fontRef>
+        </p:style>
+        <p:txBody>
+          <a:bodyPr rtlCol="0" anchor="ctr"/>
+          <a:lstStyle/>
+          <a:p>
+            <a:pPr algn="ctr"/>
+            <a:endParaRPr lang="es-MX"/>
+          </a:p>
+        </p:txBody>
+      </p:sp>
+    </p:spTree>
+    <p:extLst>
+      <p:ext uri="{BB962C8B-B14F-4D97-AF65-F5344CB8AC3E}">
+        <p14:creationId xmlns:p14="http://schemas.microsoft.com/office/powerpoint/2010/main" val="2967230457"/>
+      </p:ext>
+    </p:extLst>
+  </p:cSld>
+  <p:clrMapOvr>
+    <a:masterClrMapping/>
+  </p:clrMapOvr>
+  <p:timing>
+    <p:tnLst>
+      <p:par>
+        <p:cTn id="1" dur="indefinite" restart="never" nodeType="tmRoot">
+          <p:childTnLst>
+            <p:seq concurrent="1" nextAc="seek">
+              <p:cTn id="2" dur="indefinite" nodeType="mainSeq">
+                <p:childTnLst>
+                  <p:par>
+                    <p:cTn id="3" fill="hold">
+                      <p:stCondLst>
+                        <p:cond delay="indefinite"/>
+                      </p:stCondLst>
+                      <p:childTnLst>
+                        <p:par>
+                          <p:cTn id="4" fill="hold">
+                            <p:stCondLst>
+                              <p:cond delay="0"/>
+                            </p:stCondLst>
+                            <p:childTnLst>
+                              <p:par>
+                                <p:cTn id="5" presetID="1" presetClass="entr" presetSubtype="0" fill="hold" grpId="0" nodeType="clickEffect">
+                                  <p:stCondLst>
+                                    <p:cond delay="0"/>
+                                  </p:stCondLst>
+                                  <p:childTnLst>
+                                    <p:set>
+                                      <p:cBhvr>
+                                        <p:cTn id="6" dur="1" fill="hold">
+                                          <p:stCondLst>
+                                            <p:cond delay="0"/>
+                                          </p:stCondLst>
+                                        </p:cTn>
+                                        <p:tgtEl>
+                                          <p:spTgt spid="9"/>
+                                        </p:tgtEl>
+                                        <p:attrNameLst>
+                                          <p:attrName>style.visibility</p:attrName>
+                                        </p:attrNameLst>
+                                      </p:cBhvr>
+                                      <p:to>
+                                        <p:strVal val="visible"/>
+                                      </p:to>
+                                    </p:set>
+                                  </p:childTnLst>
+                                </p:cTn>
+                              </p:par>
+                            </p:childTnLst>
+                          </p:cTn>
+                        </p:par>
+                      </p:childTnLst>
+                    </p:cTn>
+                  </p:par>
+                  <p:par>
+                    <p:cTn id="7" fill="hold">
+                      <p:stCondLst>
+                        <p:cond delay="indefinite"/>
+                      </p:stCondLst>
+                      <p:childTnLst>
+                        <p:par>
+                          <p:cTn id="8" fill="hold">
+                            <p:stCondLst>
+                              <p:cond delay="0"/>
+                            </p:stCondLst>
+                            <p:childTnLst>
+                              <p:par>
+                                <p:cTn id="9" presetID="1" presetClass="entr" presetSubtype="0" fill="hold" nodeType="clickEffect">
+                                  <p:stCondLst>
+                                    <p:cond delay="0"/>
+                                  </p:stCondLst>
+                                  <p:childTnLst>
+                                    <p:set>
+                                      <p:cBhvr>
+                                        <p:cTn id="10" dur="1" fill="hold">
+                                          <p:stCondLst>
+                                            <p:cond delay="0"/>
+                                          </p:stCondLst>
+                                        </p:cTn>
+                                        <p:tgtEl>
+                                          <p:spTgt spid="7"/>
+                                        </p:tgtEl>
+                                        <p:attrNameLst>
+                                          <p:attrName>style.visibility</p:attrName>
+                                        </p:attrNameLst>
+                                      </p:cBhvr>
+                                      <p:to>
+                                        <p:strVal val="visible"/>
+                                      </p:to>
+                                    </p:set>
+                                  </p:childTnLst>
+                                </p:cTn>
+                              </p:par>
+                            </p:childTnLst>
+                          </p:cTn>
+                        </p:par>
+                      </p:childTnLst>
+                    </p:cTn>
+                  </p:par>
+                </p:childTnLst>
+              </p:cTn>
+              <p:prevCondLst>
+                <p:cond evt="onPrev" delay="0">
+                  <p:tgtEl>
+                    <p:sldTgt/>
+                  </p:tgtEl>
+                </p:cond>
+              </p:prevCondLst>
+              <p:nextCondLst>
+                <p:cond evt="onNext" delay="0">
+                  <p:tgtEl>
+                    <p:sldTgt/>
+                  </p:tgtEl>
+                </p:cond>
+              </p:nextCondLst>
+            </p:seq>
+          </p:childTnLst>
+        </p:cTn>
+      </p:par>
+    </p:tnLst>
+    <p:bldLst>
+      <p:bldP spid="9" grpId="0" animBg="1"/>
+    </p:bldLst>
+  </p:timing>
+</p:sld>
+</file>
+
+<file path=ppt/slides/slide11.xml><?xml version="1.0" encoding="utf-8"?>
+<p:sld xmlns:a="http://schemas.openxmlformats.org/drawingml/2006/main" xmlns:r="http://schemas.openxmlformats.org/officeDocument/2006/relationships" xmlns:p="http://schemas.openxmlformats.org/presentationml/2006/main">
+  <p:cSld>
     <p:bg>
       <p:bgPr>
         <a:solidFill>
@@ -4299,103 +4604,6 @@
 </p:sld>
 </file>
 
-<file path=ppt/slides/slide11.xml><?xml version="1.0" encoding="utf-8"?>
-<p:sld xmlns:a="http://schemas.openxmlformats.org/drawingml/2006/main" xmlns:r="http://schemas.openxmlformats.org/officeDocument/2006/relationships" xmlns:p="http://schemas.openxmlformats.org/presentationml/2006/main">
-  <p:cSld>
-    <p:spTree>
-      <p:nvGrpSpPr>
-        <p:cNvPr id="1" name=""/>
-        <p:cNvGrpSpPr/>
-        <p:nvPr/>
-      </p:nvGrpSpPr>
-      <p:grpSpPr>
-        <a:xfrm>
-          <a:off x="0" y="0"/>
-          <a:ext cx="0" cy="0"/>
-          <a:chOff x="0" y="0"/>
-          <a:chExt cx="0" cy="0"/>
-        </a:xfrm>
-      </p:grpSpPr>
-      <p:sp>
-        <p:nvSpPr>
-          <p:cNvPr id="2" name="Título 1">
-            <a:extLst>
-              <a:ext uri="{FF2B5EF4-FFF2-40B4-BE49-F238E27FC236}">
-                <a16:creationId xmlns:a16="http://schemas.microsoft.com/office/drawing/2014/main" id="{18A09D85-EB93-3091-BEC8-0C192C23096B}"/>
-              </a:ext>
-            </a:extLst>
-          </p:cNvPr>
-          <p:cNvSpPr>
-            <a:spLocks noGrp="1"/>
-          </p:cNvSpPr>
-          <p:nvPr>
-            <p:ph type="title"/>
-          </p:nvPr>
-        </p:nvSpPr>
-        <p:spPr>
-          <a:xfrm>
-            <a:off x="700635" y="922096"/>
-            <a:ext cx="10691265" cy="713757"/>
-          </a:xfrm>
-        </p:spPr>
-        <p:txBody>
-          <a:bodyPr/>
-          <a:lstStyle/>
-          <a:p>
-            <a:r>
-              <a:rPr lang="es-MX" b="1" dirty="0"/>
-              <a:t>Definición del Problema</a:t>
-            </a:r>
-          </a:p>
-        </p:txBody>
-      </p:sp>
-      <p:sp>
-        <p:nvSpPr>
-          <p:cNvPr id="3" name="Marcador de contenido 2">
-            <a:extLst>
-              <a:ext uri="{FF2B5EF4-FFF2-40B4-BE49-F238E27FC236}">
-                <a16:creationId xmlns:a16="http://schemas.microsoft.com/office/drawing/2014/main" id="{10B308AB-EB65-808F-E1A9-C4A976D357DE}"/>
-              </a:ext>
-            </a:extLst>
-          </p:cNvPr>
-          <p:cNvSpPr>
-            <a:spLocks noGrp="1"/>
-          </p:cNvSpPr>
-          <p:nvPr>
-            <p:ph idx="1"/>
-          </p:nvPr>
-        </p:nvSpPr>
-        <p:spPr>
-          <a:xfrm>
-            <a:off x="700635" y="1635853"/>
-            <a:ext cx="10691265" cy="4293361"/>
-          </a:xfrm>
-        </p:spPr>
-        <p:txBody>
-          <a:bodyPr/>
-          <a:lstStyle/>
-          <a:p>
-            <a:pPr marL="285750" indent="-285750" algn="just"/>
-            <a:endParaRPr lang="es-MX" b="0" i="0" dirty="0">
-              <a:effectLst/>
-              <a:latin typeface="Consolas" panose="020B0609020204030204" pitchFamily="49" charset="0"/>
-            </a:endParaRPr>
-          </a:p>
-        </p:txBody>
-      </p:sp>
-    </p:spTree>
-    <p:extLst>
-      <p:ext uri="{BB962C8B-B14F-4D97-AF65-F5344CB8AC3E}">
-        <p14:creationId xmlns:p14="http://schemas.microsoft.com/office/powerpoint/2010/main" val="1596593790"/>
-      </p:ext>
-    </p:extLst>
-  </p:cSld>
-  <p:clrMapOvr>
-    <a:masterClrMapping/>
-  </p:clrMapOvr>
-</p:sld>
-</file>
-
 <file path=ppt/slides/slide12.xml><?xml version="1.0" encoding="utf-8"?>
 <p:sld xmlns:a="http://schemas.openxmlformats.org/drawingml/2006/main" xmlns:r="http://schemas.openxmlformats.org/officeDocument/2006/relationships" xmlns:p="http://schemas.openxmlformats.org/presentationml/2006/main">
   <p:cSld>
@@ -4441,7 +4649,7 @@
           <a:p>
             <a:r>
               <a:rPr lang="es-MX" b="1" dirty="0"/>
-              <a:t>Modelo de Supervivencia</a:t>
+              <a:t>Definición del Problema</a:t>
             </a:r>
           </a:p>
         </p:txBody>
@@ -4469,24 +4677,487 @@
           </a:xfrm>
         </p:spPr>
         <p:txBody>
-          <a:bodyPr/>
+          <a:bodyPr>
+            <a:normAutofit/>
+          </a:bodyPr>
           <a:lstStyle/>
           <a:p>
             <a:pPr marL="285750" indent="-285750" algn="just"/>
             <a:r>
-              <a:rPr lang="es-MX" b="0" i="0" dirty="0">
+              <a:rPr lang="es-MX" sz="1800" b="0" i="0" dirty="0">
                 <a:effectLst/>
-                <a:latin typeface="Consolas" panose="020B0609020204030204" pitchFamily="49" charset="0"/>
+                <a:latin typeface="Avenir Next LT Pro" panose="020B0504020202020204" pitchFamily="34" charset="0"/>
               </a:rPr>
-              <a:t>Interpretación del modelo</a:t>
-            </a:r>
-          </a:p>
-        </p:txBody>
-      </p:sp>
+              <a:t>La misma empresa quiere generar un análisis de supervivencia para los nuevos clientes</a:t>
+            </a:r>
+          </a:p>
+          <a:p>
+            <a:pPr marL="285750" indent="-285750" algn="just"/>
+            <a:r>
+              <a:rPr lang="es-MX" sz="1800" b="0" i="0" dirty="0">
+                <a:effectLst/>
+                <a:latin typeface="Avenir Next LT Pro" panose="020B0504020202020204" pitchFamily="34" charset="0"/>
+              </a:rPr>
+              <a:t>Se considerarán como no supervivientes o “muertos” aquellos clientes que no han </a:t>
+            </a:r>
+            <a:r>
+              <a:rPr lang="es-MX" sz="1800" dirty="0">
+                <a:latin typeface="Avenir Next LT Pro" panose="020B0504020202020204" pitchFamily="34" charset="0"/>
+              </a:rPr>
+              <a:t>comprado algún producto en el mes 18</a:t>
+            </a:r>
+          </a:p>
+          <a:p>
+            <a:pPr marL="285750" indent="-285750" algn="just"/>
+            <a:r>
+              <a:rPr lang="es-MX" sz="1800" b="0" i="0" dirty="0">
+                <a:effectLst/>
+                <a:latin typeface="Avenir Next LT Pro" panose="020B0504020202020204" pitchFamily="34" charset="0"/>
+              </a:rPr>
+              <a:t>Se generarán curvas de supervivencia para </a:t>
+            </a:r>
+            <a:r>
+              <a:rPr lang="es-MX" sz="1800" dirty="0">
+                <a:latin typeface="Avenir Next LT Pro" panose="020B0504020202020204" pitchFamily="34" charset="0"/>
+              </a:rPr>
+              <a:t>el nivel de </a:t>
+            </a:r>
+            <a:r>
+              <a:rPr lang="es-MX" sz="1800" b="0" i="0" dirty="0">
+                <a:effectLst/>
+                <a:latin typeface="Avenir Next LT Pro" panose="020B0504020202020204" pitchFamily="34" charset="0"/>
+              </a:rPr>
+              <a:t>probabilidad y el mercado</a:t>
+            </a:r>
+          </a:p>
+          <a:p>
+            <a:pPr marL="285750" indent="-285750" algn="just"/>
+            <a:r>
+              <a:rPr lang="es-MX" sz="1800" b="0" i="0" dirty="0">
+                <a:effectLst/>
+                <a:latin typeface="Avenir Next LT Pro" panose="020B0504020202020204" pitchFamily="34" charset="0"/>
+              </a:rPr>
+              <a:t>La variables utilizadas son:</a:t>
+            </a:r>
+          </a:p>
+          <a:p>
+            <a:pPr marL="457200" lvl="1" indent="0" algn="just">
+              <a:buNone/>
+            </a:pPr>
+            <a:endParaRPr lang="es-MX" b="0" i="0" dirty="0">
+              <a:effectLst/>
+              <a:latin typeface="Consolas" panose="020B0609020204030204" pitchFamily="49" charset="0"/>
+            </a:endParaRPr>
+          </a:p>
+          <a:p>
+            <a:pPr marL="457200" lvl="1" indent="0" algn="just">
+              <a:buNone/>
+            </a:pPr>
+            <a:endParaRPr lang="es-MX" dirty="0">
+              <a:latin typeface="Consolas" panose="020B0609020204030204" pitchFamily="49" charset="0"/>
+            </a:endParaRPr>
+          </a:p>
+          <a:p>
+            <a:pPr marL="457200" lvl="1" indent="0" algn="just">
+              <a:buNone/>
+            </a:pPr>
+            <a:endParaRPr lang="es-MX" b="0" i="0" dirty="0">
+              <a:effectLst/>
+              <a:latin typeface="Consolas" panose="020B0609020204030204" pitchFamily="49" charset="0"/>
+            </a:endParaRPr>
+          </a:p>
+        </p:txBody>
+      </p:sp>
+      <p:graphicFrame>
+        <p:nvGraphicFramePr>
+          <p:cNvPr id="4" name="Tabla 2">
+            <a:extLst>
+              <a:ext uri="{FF2B5EF4-FFF2-40B4-BE49-F238E27FC236}">
+                <a16:creationId xmlns:a16="http://schemas.microsoft.com/office/drawing/2014/main" id="{A65FB7AA-D03D-EC90-B407-90BF125F1B51}"/>
+              </a:ext>
+            </a:extLst>
+          </p:cNvPr>
+          <p:cNvGraphicFramePr>
+            <a:graphicFrameLocks noGrp="1"/>
+          </p:cNvGraphicFramePr>
+          <p:nvPr>
+            <p:extLst>
+              <p:ext uri="{D42A27DB-BD31-4B8C-83A1-F6EECF244321}">
+                <p14:modId xmlns:p14="http://schemas.microsoft.com/office/powerpoint/2010/main" val="2535993563"/>
+              </p:ext>
+            </p:extLst>
+          </p:nvPr>
+        </p:nvGraphicFramePr>
+        <p:xfrm>
+          <a:off x="4173166" y="3782533"/>
+          <a:ext cx="6761534" cy="2103759"/>
+        </p:xfrm>
+        <a:graphic>
+          <a:graphicData uri="http://schemas.openxmlformats.org/drawingml/2006/table">
+            <a:tbl>
+              <a:tblPr firstRow="1" bandRow="1">
+                <a:tableStyleId>{5C22544A-7EE6-4342-B048-85BDC9FD1C3A}</a:tableStyleId>
+              </a:tblPr>
+              <a:tblGrid>
+                <a:gridCol w="2250317">
+                  <a:extLst>
+                    <a:ext uri="{9D8B030D-6E8A-4147-A177-3AD203B41FA5}">
+                      <a16:colId xmlns:a16="http://schemas.microsoft.com/office/drawing/2014/main" val="3688453969"/>
+                    </a:ext>
+                  </a:extLst>
+                </a:gridCol>
+                <a:gridCol w="3153613">
+                  <a:extLst>
+                    <a:ext uri="{9D8B030D-6E8A-4147-A177-3AD203B41FA5}">
+                      <a16:colId xmlns:a16="http://schemas.microsoft.com/office/drawing/2014/main" val="975318599"/>
+                    </a:ext>
+                  </a:extLst>
+                </a:gridCol>
+                <a:gridCol w="1357604">
+                  <a:extLst>
+                    <a:ext uri="{9D8B030D-6E8A-4147-A177-3AD203B41FA5}">
+                      <a16:colId xmlns:a16="http://schemas.microsoft.com/office/drawing/2014/main" val="3242331444"/>
+                    </a:ext>
+                  </a:extLst>
+                </a:gridCol>
+              </a:tblGrid>
+              <a:tr h="396833">
+                <a:tc>
+                  <a:txBody>
+                    <a:bodyPr/>
+                    <a:lstStyle/>
+                    <a:p>
+                      <a:pPr algn="ctr"/>
+                      <a:r>
+                        <a:rPr lang="es-MX" dirty="0">
+                          <a:latin typeface="+mj-lt"/>
+                        </a:rPr>
+                        <a:t>Variable</a:t>
+                      </a:r>
+                    </a:p>
+                  </a:txBody>
+                  <a:tcPr/>
+                </a:tc>
+                <a:tc>
+                  <a:txBody>
+                    <a:bodyPr/>
+                    <a:lstStyle/>
+                    <a:p>
+                      <a:pPr algn="ctr"/>
+                      <a:r>
+                        <a:rPr lang="es-MX" sz="1800" b="1" kern="1200" dirty="0">
+                          <a:solidFill>
+                            <a:schemeClr val="lt1"/>
+                          </a:solidFill>
+                          <a:latin typeface="+mj-lt"/>
+                          <a:ea typeface="+mn-ea"/>
+                          <a:cs typeface="+mn-cs"/>
+                        </a:rPr>
+                        <a:t>Contenido</a:t>
+                      </a:r>
+                      <a:endParaRPr lang="es-MX" dirty="0">
+                        <a:latin typeface="+mj-lt"/>
+                      </a:endParaRPr>
+                    </a:p>
+                  </a:txBody>
+                  <a:tcPr/>
+                </a:tc>
+                <a:tc>
+                  <a:txBody>
+                    <a:bodyPr/>
+                    <a:lstStyle/>
+                    <a:p>
+                      <a:pPr algn="ctr"/>
+                      <a:r>
+                        <a:rPr lang="es-MX" sz="1800" b="1" kern="1200" dirty="0">
+                          <a:solidFill>
+                            <a:schemeClr val="lt1"/>
+                          </a:solidFill>
+                          <a:latin typeface="+mj-lt"/>
+                          <a:ea typeface="+mn-ea"/>
+                          <a:cs typeface="+mn-cs"/>
+                        </a:rPr>
+                        <a:t>Tipo</a:t>
+                      </a:r>
+                      <a:endParaRPr lang="es-MX" dirty="0">
+                        <a:latin typeface="+mj-lt"/>
+                      </a:endParaRPr>
+                    </a:p>
+                  </a:txBody>
+                  <a:tcPr/>
+                </a:tc>
+                <a:extLst>
+                  <a:ext uri="{0D108BD9-81ED-4DB2-BD59-A6C34878D82A}">
+                    <a16:rowId xmlns:a16="http://schemas.microsoft.com/office/drawing/2014/main" val="219065177"/>
+                  </a:ext>
+                </a:extLst>
+              </a:tr>
+              <a:tr h="396833">
+                <a:tc>
+                  <a:txBody>
+                    <a:bodyPr/>
+                    <a:lstStyle/>
+                    <a:p>
+                      <a:pPr marL="0" marR="0" lvl="0" indent="0" algn="l" defTabSz="914400" rtl="0" eaLnBrk="1" fontAlgn="auto" latinLnBrk="0" hangingPunct="1">
+                        <a:lnSpc>
+                          <a:spcPct val="100000"/>
+                        </a:lnSpc>
+                        <a:spcBef>
+                          <a:spcPts val="0"/>
+                        </a:spcBef>
+                        <a:spcAft>
+                          <a:spcPts val="0"/>
+                        </a:spcAft>
+                        <a:buClrTx/>
+                        <a:buSzTx/>
+                        <a:buFontTx/>
+                        <a:buNone/>
+                        <a:tabLst/>
+                        <a:defRPr/>
+                      </a:pPr>
+                      <a:r>
+                        <a:rPr lang="es-MX" sz="1600" dirty="0" err="1">
+                          <a:latin typeface="Consolas" panose="020B0609020204030204" pitchFamily="49" charset="0"/>
+                        </a:rPr>
+                        <a:t>age_gen</a:t>
+                      </a:r>
+                      <a:endParaRPr lang="es-MX" sz="1600" dirty="0">
+                        <a:latin typeface="Consolas" panose="020B0609020204030204" pitchFamily="49" charset="0"/>
+                      </a:endParaRPr>
+                    </a:p>
+                  </a:txBody>
+                  <a:tcPr/>
+                </a:tc>
+                <a:tc>
+                  <a:txBody>
+                    <a:bodyPr/>
+                    <a:lstStyle/>
+                    <a:p>
+                      <a:r>
+                        <a:rPr lang="es-MX" sz="1100" dirty="0">
+                          <a:latin typeface="Consolas" panose="020B0609020204030204" pitchFamily="49" charset="0"/>
+                        </a:rPr>
+                        <a:t>Generación</a:t>
+                      </a:r>
+                    </a:p>
+                  </a:txBody>
+                  <a:tcPr/>
+                </a:tc>
+                <a:tc>
+                  <a:txBody>
+                    <a:bodyPr/>
+                    <a:lstStyle/>
+                    <a:p>
+                      <a:r>
+                        <a:rPr lang="es-MX" sz="1100" dirty="0">
+                          <a:latin typeface="Consolas" panose="020B0609020204030204" pitchFamily="49" charset="0"/>
+                        </a:rPr>
+                        <a:t>Categórica</a:t>
+                      </a:r>
+                    </a:p>
+                  </a:txBody>
+                  <a:tcPr/>
+                </a:tc>
+                <a:extLst>
+                  <a:ext uri="{0D108BD9-81ED-4DB2-BD59-A6C34878D82A}">
+                    <a16:rowId xmlns:a16="http://schemas.microsoft.com/office/drawing/2014/main" val="2232905139"/>
+                  </a:ext>
+                </a:extLst>
+              </a:tr>
+              <a:tr h="396833">
+                <a:tc>
+                  <a:txBody>
+                    <a:bodyPr/>
+                    <a:lstStyle/>
+                    <a:p>
+                      <a:r>
+                        <a:rPr lang="es-MX" sz="1600" dirty="0" err="1">
+                          <a:latin typeface="Consolas" panose="020B0609020204030204" pitchFamily="49" charset="0"/>
+                        </a:rPr>
+                        <a:t>market</a:t>
+                      </a:r>
+                      <a:endParaRPr lang="es-MX" sz="1600" dirty="0">
+                        <a:latin typeface="Consolas" panose="020B0609020204030204" pitchFamily="49" charset="0"/>
+                      </a:endParaRPr>
+                    </a:p>
+                  </a:txBody>
+                  <a:tcPr/>
+                </a:tc>
+                <a:tc>
+                  <a:txBody>
+                    <a:bodyPr/>
+                    <a:lstStyle/>
+                    <a:p>
+                      <a:r>
+                        <a:rPr lang="es-MX" sz="1100" dirty="0">
+                          <a:latin typeface="Consolas" panose="020B0609020204030204" pitchFamily="49" charset="0"/>
+                        </a:rPr>
+                        <a:t>Mercado al que pertenecen</a:t>
+                      </a:r>
+                    </a:p>
+                  </a:txBody>
+                  <a:tcPr/>
+                </a:tc>
+                <a:tc>
+                  <a:txBody>
+                    <a:bodyPr/>
+                    <a:lstStyle/>
+                    <a:p>
+                      <a:r>
+                        <a:rPr lang="es-MX" sz="1100" dirty="0">
+                          <a:latin typeface="Consolas" panose="020B0609020204030204" pitchFamily="49" charset="0"/>
+                        </a:rPr>
+                        <a:t>Categórica</a:t>
+                      </a:r>
+                    </a:p>
+                  </a:txBody>
+                  <a:tcPr/>
+                </a:tc>
+                <a:extLst>
+                  <a:ext uri="{0D108BD9-81ED-4DB2-BD59-A6C34878D82A}">
+                    <a16:rowId xmlns:a16="http://schemas.microsoft.com/office/drawing/2014/main" val="1323810560"/>
+                  </a:ext>
+                </a:extLst>
+              </a:tr>
+              <a:tr h="456630">
+                <a:tc>
+                  <a:txBody>
+                    <a:bodyPr/>
+                    <a:lstStyle/>
+                    <a:p>
+                      <a:r>
+                        <a:rPr lang="es-MX" sz="1600" dirty="0" err="1">
+                          <a:latin typeface="Consolas" panose="020B0609020204030204" pitchFamily="49" charset="0"/>
+                        </a:rPr>
+                        <a:t>probability_level</a:t>
+                      </a:r>
+                      <a:endParaRPr lang="es-MX" sz="1600" dirty="0">
+                        <a:latin typeface="Consolas" panose="020B0609020204030204" pitchFamily="49" charset="0"/>
+                      </a:endParaRPr>
+                    </a:p>
+                  </a:txBody>
+                  <a:tcPr/>
+                </a:tc>
+                <a:tc>
+                  <a:txBody>
+                    <a:bodyPr/>
+                    <a:lstStyle/>
+                    <a:p>
+                      <a:r>
+                        <a:rPr lang="es-MX" sz="1100" dirty="0">
+                          <a:latin typeface="Consolas" panose="020B0609020204030204" pitchFamily="49" charset="0"/>
+                        </a:rPr>
+                        <a:t>Categoría de probabilidad (alta, media o baja)</a:t>
+                      </a:r>
+                    </a:p>
+                  </a:txBody>
+                  <a:tcPr/>
+                </a:tc>
+                <a:tc>
+                  <a:txBody>
+                    <a:bodyPr/>
+                    <a:lstStyle/>
+                    <a:p>
+                      <a:r>
+                        <a:rPr lang="es-MX" sz="1100" dirty="0">
+                          <a:latin typeface="Consolas" panose="020B0609020204030204" pitchFamily="49" charset="0"/>
+                        </a:rPr>
+                        <a:t>Categórica</a:t>
+                      </a:r>
+                    </a:p>
+                  </a:txBody>
+                  <a:tcPr/>
+                </a:tc>
+                <a:extLst>
+                  <a:ext uri="{0D108BD9-81ED-4DB2-BD59-A6C34878D82A}">
+                    <a16:rowId xmlns:a16="http://schemas.microsoft.com/office/drawing/2014/main" val="4230833165"/>
+                  </a:ext>
+                </a:extLst>
+              </a:tr>
+              <a:tr h="456630">
+                <a:tc>
+                  <a:txBody>
+                    <a:bodyPr/>
+                    <a:lstStyle/>
+                    <a:p>
+                      <a:r>
+                        <a:rPr lang="es-MX" sz="1600" dirty="0" err="1">
+                          <a:latin typeface="Consolas" panose="020B0609020204030204" pitchFamily="49" charset="0"/>
+                        </a:rPr>
+                        <a:t>recency</a:t>
+                      </a:r>
+                      <a:endParaRPr lang="es-MX" sz="1600" dirty="0">
+                        <a:latin typeface="Consolas" panose="020B0609020204030204" pitchFamily="49" charset="0"/>
+                      </a:endParaRPr>
+                    </a:p>
+                  </a:txBody>
+                  <a:tcPr/>
+                </a:tc>
+                <a:tc>
+                  <a:txBody>
+                    <a:bodyPr/>
+                    <a:lstStyle/>
+                    <a:p>
+                      <a:pPr marL="0" marR="0" lvl="0" indent="0" algn="l" defTabSz="914400" rtl="0" eaLnBrk="1" fontAlgn="auto" latinLnBrk="0" hangingPunct="1">
+                        <a:lnSpc>
+                          <a:spcPct val="100000"/>
+                        </a:lnSpc>
+                        <a:spcBef>
+                          <a:spcPts val="0"/>
+                        </a:spcBef>
+                        <a:spcAft>
+                          <a:spcPts val="0"/>
+                        </a:spcAft>
+                        <a:buClrTx/>
+                        <a:buSzTx/>
+                        <a:buFontTx/>
+                        <a:buNone/>
+                        <a:tabLst/>
+                        <a:defRPr/>
+                      </a:pPr>
+                      <a:r>
+                        <a:rPr lang="es-MX" sz="1100" b="0" i="0" dirty="0">
+                          <a:solidFill>
+                            <a:schemeClr val="tx1"/>
+                          </a:solidFill>
+                          <a:effectLst/>
+                          <a:latin typeface="Consolas" panose="020B0609020204030204" pitchFamily="49" charset="0"/>
+                        </a:rPr>
+                        <a:t>Días desde la última compra hasta el ultimo día de marzo de 2021</a:t>
+                      </a:r>
+                    </a:p>
+                  </a:txBody>
+                  <a:tcPr/>
+                </a:tc>
+                <a:tc>
+                  <a:txBody>
+                    <a:bodyPr/>
+                    <a:lstStyle/>
+                    <a:p>
+                      <a:r>
+                        <a:rPr lang="es-MX" sz="1100" dirty="0">
+                          <a:latin typeface="Consolas" panose="020B0609020204030204" pitchFamily="49" charset="0"/>
+                        </a:rPr>
+                        <a:t>Numérica</a:t>
+                      </a:r>
+                    </a:p>
+                  </a:txBody>
+                  <a:tcPr/>
+                </a:tc>
+                <a:extLst>
+                  <a:ext uri="{0D108BD9-81ED-4DB2-BD59-A6C34878D82A}">
+                    <a16:rowId xmlns:a16="http://schemas.microsoft.com/office/drawing/2014/main" val="1313516657"/>
+                  </a:ext>
+                </a:extLst>
+              </a:tr>
+            </a:tbl>
+          </a:graphicData>
+        </a:graphic>
+      </p:graphicFrame>
     </p:spTree>
     <p:extLst>
       <p:ext uri="{BB962C8B-B14F-4D97-AF65-F5344CB8AC3E}">
-        <p14:creationId xmlns:p14="http://schemas.microsoft.com/office/powerpoint/2010/main" val="2623435287"/>
+        <p14:creationId xmlns:p14="http://schemas.microsoft.com/office/powerpoint/2010/main" val="1596593790"/>
       </p:ext>
     </p:extLst>
   </p:cSld>
@@ -4541,17 +5212,477 @@
           <a:p>
             <a:r>
               <a:rPr lang="es-MX" b="1" dirty="0"/>
-              <a:t>Curvas de Supervivencia</a:t>
-            </a:r>
+              <a:t>Modelo de Supervivencia</a:t>
+            </a:r>
+          </a:p>
+        </p:txBody>
+      </p:sp>
+      <mc:AlternateContent xmlns:mc="http://schemas.openxmlformats.org/markup-compatibility/2006">
+        <mc:Choice xmlns:a14="http://schemas.microsoft.com/office/drawing/2010/main" Requires="a14">
+          <p:sp>
+            <p:nvSpPr>
+              <p:cNvPr id="3" name="Marcador de contenido 2">
+                <a:extLst>
+                  <a:ext uri="{FF2B5EF4-FFF2-40B4-BE49-F238E27FC236}">
+                    <a16:creationId xmlns:a16="http://schemas.microsoft.com/office/drawing/2014/main" id="{10B308AB-EB65-808F-E1A9-C4A976D357DE}"/>
+                  </a:ext>
+                </a:extLst>
+              </p:cNvPr>
+              <p:cNvSpPr>
+                <a:spLocks noGrp="1"/>
+              </p:cNvSpPr>
+              <p:nvPr>
+                <p:ph idx="1"/>
+              </p:nvPr>
+            </p:nvSpPr>
+            <p:spPr>
+              <a:xfrm>
+                <a:off x="700635" y="1635853"/>
+                <a:ext cx="10691265" cy="4293361"/>
+              </a:xfrm>
+            </p:spPr>
+            <p:txBody>
+              <a:bodyPr>
+                <a:normAutofit lnSpcReduction="10000"/>
+              </a:bodyPr>
+              <a:lstStyle/>
+              <a:p>
+                <a:pPr marL="285750" indent="-285750" algn="just"/>
+                <a:r>
+                  <a:rPr lang="en-US" b="0" i="1" dirty="0">
+                    <a:effectLst/>
+                    <a:latin typeface="Consolas" panose="020B0609020204030204" pitchFamily="49" charset="0"/>
+                  </a:rPr>
+                  <a:t>age_genGeneration X</a:t>
+                </a:r>
+                <a14:m>
+                  <m:oMath xmlns:m="http://schemas.openxmlformats.org/officeDocument/2006/math">
+                    <m:r>
+                      <a:rPr lang="es-MX" b="0" i="1" dirty="0" smtClean="0">
+                        <a:effectLst/>
+                        <a:latin typeface="Cambria Math" panose="02040503050406030204" pitchFamily="18" charset="0"/>
+                      </a:rPr>
+                      <m:t> </m:t>
+                    </m:r>
+                    <m:r>
+                      <a:rPr lang="en-US" b="0" i="1" dirty="0" smtClean="0">
+                        <a:effectLst/>
+                        <a:latin typeface="Cambria Math" panose="02040503050406030204" pitchFamily="18" charset="0"/>
+                      </a:rPr>
+                      <m:t>→</m:t>
+                    </m:r>
+                  </m:oMath>
+                </a14:m>
+                <a:r>
+                  <a:rPr lang="en-US" b="0" i="0" dirty="0">
+                    <a:effectLst/>
+                    <a:latin typeface="Consolas" panose="020B0609020204030204" pitchFamily="49" charset="0"/>
+                  </a:rPr>
+                  <a:t> Not statistically significant</a:t>
+                </a:r>
+                <a:endParaRPr lang="en-US" b="0" i="1" dirty="0">
+                  <a:effectLst/>
+                  <a:latin typeface="Consolas" panose="020B0609020204030204" pitchFamily="49" charset="0"/>
+                </a:endParaRPr>
+              </a:p>
+              <a:p>
+                <a:pPr marL="285750" indent="-285750" algn="just"/>
+                <a:r>
+                  <a:rPr lang="en-US" b="0" i="1" dirty="0" err="1">
+                    <a:effectLst/>
+                    <a:latin typeface="Consolas" panose="020B0609020204030204" pitchFamily="49" charset="0"/>
+                  </a:rPr>
+                  <a:t>age_genGeneration</a:t>
+                </a:r>
+                <a:r>
+                  <a:rPr lang="en-US" b="0" i="1" dirty="0">
+                    <a:effectLst/>
+                    <a:latin typeface="Consolas" panose="020B0609020204030204" pitchFamily="49" charset="0"/>
+                  </a:rPr>
+                  <a:t> Z </a:t>
+                </a:r>
+                <a14:m>
+                  <m:oMath xmlns:m="http://schemas.openxmlformats.org/officeDocument/2006/math">
+                    <m:r>
+                      <a:rPr lang="en-US" b="0" i="1" dirty="0" smtClean="0">
+                        <a:effectLst/>
+                        <a:latin typeface="Cambria Math" panose="02040503050406030204" pitchFamily="18" charset="0"/>
+                      </a:rPr>
+                      <m:t>→</m:t>
+                    </m:r>
+                  </m:oMath>
+                </a14:m>
+                <a:r>
+                  <a:rPr lang="en-US" b="0" i="0" dirty="0">
+                    <a:effectLst/>
+                    <a:latin typeface="Consolas" panose="020B0609020204030204" pitchFamily="49" charset="0"/>
+                  </a:rPr>
+                  <a:t> Not statistically significant</a:t>
+                </a:r>
+                <a:endParaRPr lang="en-US" b="0" i="1" dirty="0">
+                  <a:effectLst/>
+                  <a:latin typeface="Consolas" panose="020B0609020204030204" pitchFamily="49" charset="0"/>
+                </a:endParaRPr>
+              </a:p>
+              <a:p>
+                <a:pPr marL="285750" indent="-285750" algn="just"/>
+                <a:r>
+                  <a:rPr lang="en-US" b="0" i="1" dirty="0" err="1">
+                    <a:effectLst/>
+                    <a:latin typeface="Consolas" panose="020B0609020204030204" pitchFamily="49" charset="0"/>
+                  </a:rPr>
+                  <a:t>age_genMillennials</a:t>
+                </a:r>
+                <a:r>
+                  <a:rPr lang="en-US" b="0" i="1" dirty="0">
+                    <a:effectLst/>
+                    <a:latin typeface="Consolas" panose="020B0609020204030204" pitchFamily="49" charset="0"/>
+                  </a:rPr>
+                  <a:t> </a:t>
+                </a:r>
+                <a14:m>
+                  <m:oMath xmlns:m="http://schemas.openxmlformats.org/officeDocument/2006/math">
+                    <m:r>
+                      <a:rPr lang="en-US" b="0" i="1" dirty="0" smtClean="0">
+                        <a:effectLst/>
+                        <a:latin typeface="Cambria Math" panose="02040503050406030204" pitchFamily="18" charset="0"/>
+                      </a:rPr>
+                      <m:t>→</m:t>
+                    </m:r>
+                  </m:oMath>
+                </a14:m>
+                <a:r>
+                  <a:rPr lang="en-US" b="0" i="0" dirty="0">
+                    <a:effectLst/>
+                    <a:latin typeface="Consolas" panose="020B0609020204030204" pitchFamily="49" charset="0"/>
+                  </a:rPr>
+                  <a:t> Not statistically significant</a:t>
+                </a:r>
+                <a:endParaRPr lang="en-US" b="0" i="1" dirty="0">
+                  <a:effectLst/>
+                  <a:latin typeface="Consolas" panose="020B0609020204030204" pitchFamily="49" charset="0"/>
+                </a:endParaRPr>
+              </a:p>
+              <a:p>
+                <a:pPr marL="285750" indent="-285750" algn="just"/>
+                <a:r>
+                  <a:rPr lang="en-US" b="0" i="1" dirty="0" err="1">
+                    <a:effectLst/>
+                    <a:latin typeface="Consolas" panose="020B0609020204030204" pitchFamily="49" charset="0"/>
+                  </a:rPr>
+                  <a:t>marketSpanish</a:t>
+                </a:r>
+                <a:r>
+                  <a:rPr lang="en-US" b="0" i="1" dirty="0">
+                    <a:effectLst/>
+                    <a:latin typeface="Consolas" panose="020B0609020204030204" pitchFamily="49" charset="0"/>
+                  </a:rPr>
+                  <a:t> </a:t>
+                </a:r>
+                <a14:m>
+                  <m:oMath xmlns:m="http://schemas.openxmlformats.org/officeDocument/2006/math">
+                    <m:r>
+                      <a:rPr lang="en-US" b="0" i="1" dirty="0" smtClean="0">
+                        <a:effectLst/>
+                        <a:latin typeface="Cambria Math" panose="02040503050406030204" pitchFamily="18" charset="0"/>
+                      </a:rPr>
+                      <m:t>→</m:t>
+                    </m:r>
+                  </m:oMath>
+                </a14:m>
+                <a:r>
+                  <a:rPr lang="en-US" b="0" i="0" dirty="0">
+                    <a:effectLst/>
+                    <a:latin typeface="Consolas" panose="020B0609020204030204" pitchFamily="49" charset="0"/>
+                  </a:rPr>
+                  <a:t> Not statistically significant</a:t>
+                </a:r>
+                <a:endParaRPr lang="en-US" b="0" i="1" dirty="0">
+                  <a:effectLst/>
+                  <a:latin typeface="Consolas" panose="020B0609020204030204" pitchFamily="49" charset="0"/>
+                </a:endParaRPr>
+              </a:p>
+              <a:p>
+                <a:pPr marL="285750" indent="-285750" algn="just"/>
+                <a:r>
+                  <a:rPr lang="en-US" b="0" i="1" dirty="0" err="1">
+                    <a:effectLst/>
+                    <a:latin typeface="Consolas" panose="020B0609020204030204" pitchFamily="49" charset="0"/>
+                  </a:rPr>
+                  <a:t>Prob_PredictedLow</a:t>
+                </a:r>
+                <a:r>
+                  <a:rPr lang="en-US" b="0" i="1" dirty="0">
+                    <a:effectLst/>
+                    <a:latin typeface="Consolas" panose="020B0609020204030204" pitchFamily="49" charset="0"/>
+                  </a:rPr>
+                  <a:t> Probability </a:t>
+                </a:r>
+                <a14:m>
+                  <m:oMath xmlns:m="http://schemas.openxmlformats.org/officeDocument/2006/math">
+                    <m:r>
+                      <a:rPr lang="en-US" b="0" i="1" dirty="0" smtClean="0">
+                        <a:effectLst/>
+                        <a:latin typeface="Cambria Math" panose="02040503050406030204" pitchFamily="18" charset="0"/>
+                      </a:rPr>
+                      <m:t>→</m:t>
+                    </m:r>
+                  </m:oMath>
+                </a14:m>
+                <a:r>
+                  <a:rPr lang="en-US" b="0" i="0" dirty="0">
+                    <a:effectLst/>
+                    <a:latin typeface="Consolas" panose="020B0609020204030204" pitchFamily="49" charset="0"/>
+                  </a:rPr>
+                  <a:t> Not statistically significant</a:t>
+                </a:r>
+                <a:endParaRPr lang="en-US" i="1" dirty="0">
+                  <a:latin typeface="Consolas" panose="020B0609020204030204" pitchFamily="49" charset="0"/>
+                </a:endParaRPr>
+              </a:p>
+              <a:p>
+                <a:pPr marL="285750" indent="-285750" algn="just"/>
+                <a:r>
+                  <a:rPr lang="en-US" i="1" dirty="0" err="1">
+                    <a:latin typeface="Consolas" panose="020B0609020204030204" pitchFamily="49" charset="0"/>
+                  </a:rPr>
+                  <a:t>P</a:t>
+                </a:r>
+                <a:r>
+                  <a:rPr lang="en-US" b="0" i="1" dirty="0" err="1">
+                    <a:effectLst/>
+                    <a:latin typeface="Consolas" panose="020B0609020204030204" pitchFamily="49" charset="0"/>
+                  </a:rPr>
+                  <a:t>rob_PredictedMedium</a:t>
+                </a:r>
+                <a:r>
+                  <a:rPr lang="en-US" b="0" i="1" dirty="0">
+                    <a:effectLst/>
+                    <a:latin typeface="Consolas" panose="020B0609020204030204" pitchFamily="49" charset="0"/>
+                  </a:rPr>
+                  <a:t> Probability</a:t>
+                </a:r>
+                <a:r>
+                  <a:rPr lang="en-US" b="0" i="0" dirty="0">
+                    <a:effectLst/>
+                    <a:latin typeface="Consolas" panose="020B0609020204030204" pitchFamily="49" charset="0"/>
+                  </a:rPr>
+                  <a:t> </a:t>
+                </a:r>
+                <a14:m>
+                  <m:oMath xmlns:m="http://schemas.openxmlformats.org/officeDocument/2006/math">
+                    <m:r>
+                      <a:rPr lang="en-US" b="0" i="1" dirty="0" smtClean="0">
+                        <a:effectLst/>
+                        <a:latin typeface="Cambria Math" panose="02040503050406030204" pitchFamily="18" charset="0"/>
+                      </a:rPr>
+                      <m:t>→ </m:t>
+                    </m:r>
+                  </m:oMath>
+                </a14:m>
+                <a:r>
+                  <a:rPr lang="en-US" b="0" i="0" dirty="0">
+                    <a:effectLst/>
+                    <a:latin typeface="Consolas" panose="020B0609020204030204" pitchFamily="49" charset="0"/>
+                  </a:rPr>
+                  <a:t>The probability of not surviving increases 1.3236 times if you belong to the medium probability prediction label</a:t>
+                </a:r>
+              </a:p>
+              <a:p>
+                <a:pPr marL="285750" indent="-285750" algn="just"/>
+                <a:r>
+                  <a:rPr lang="en-US" b="0" i="1" dirty="0">
+                    <a:effectLst/>
+                    <a:latin typeface="Consolas" panose="020B0609020204030204" pitchFamily="49" charset="0"/>
+                  </a:rPr>
+                  <a:t>recency </a:t>
+                </a:r>
+                <a14:m>
+                  <m:oMath xmlns:m="http://schemas.openxmlformats.org/officeDocument/2006/math">
+                    <m:r>
+                      <a:rPr lang="en-US" b="0" i="1" dirty="0" smtClean="0">
+                        <a:effectLst/>
+                        <a:latin typeface="Cambria Math" panose="02040503050406030204" pitchFamily="18" charset="0"/>
+                      </a:rPr>
+                      <m:t>→</m:t>
+                    </m:r>
+                  </m:oMath>
+                </a14:m>
+                <a:r>
+                  <a:rPr lang="en-US" b="0" i="0" dirty="0">
+                    <a:effectLst/>
+                    <a:latin typeface="Consolas" panose="020B0609020204030204" pitchFamily="49" charset="0"/>
+                  </a:rPr>
+                  <a:t> The bigger it is the recency the probability of not surviving increases 1.0272 times</a:t>
+                </a:r>
+              </a:p>
+            </p:txBody>
+          </p:sp>
+        </mc:Choice>
+        <mc:Fallback>
+          <p:sp>
+            <p:nvSpPr>
+              <p:cNvPr id="3" name="Marcador de contenido 2">
+                <a:extLst>
+                  <a:ext uri="{FF2B5EF4-FFF2-40B4-BE49-F238E27FC236}">
+                    <a16:creationId xmlns:a16="http://schemas.microsoft.com/office/drawing/2014/main" id="{10B308AB-EB65-808F-E1A9-C4A976D357DE}"/>
+                  </a:ext>
+                </a:extLst>
+              </p:cNvPr>
+              <p:cNvSpPr>
+                <a:spLocks noGrp="1" noRot="1" noChangeAspect="1" noMove="1" noResize="1" noEditPoints="1" noAdjustHandles="1" noChangeArrowheads="1" noChangeShapeType="1" noTextEdit="1"/>
+              </p:cNvSpPr>
+              <p:nvPr>
+                <p:ph idx="1"/>
+              </p:nvPr>
+            </p:nvSpPr>
+            <p:spPr>
+              <a:xfrm>
+                <a:off x="700635" y="1635853"/>
+                <a:ext cx="10691265" cy="4293361"/>
+              </a:xfrm>
+              <a:blipFill>
+                <a:blip r:embed="rId2"/>
+                <a:stretch>
+                  <a:fillRect l="-513" t="-426" r="-570"/>
+                </a:stretch>
+              </a:blipFill>
+            </p:spPr>
+            <p:txBody>
+              <a:bodyPr/>
+              <a:lstStyle/>
+              <a:p>
+                <a:r>
+                  <a:rPr lang="es-MX">
+                    <a:noFill/>
+                  </a:rPr>
+                  <a:t> </a:t>
+                </a:r>
+              </a:p>
+            </p:txBody>
+          </p:sp>
+        </mc:Fallback>
+      </mc:AlternateContent>
+    </p:spTree>
+    <p:extLst>
+      <p:ext uri="{BB962C8B-B14F-4D97-AF65-F5344CB8AC3E}">
+        <p14:creationId xmlns:p14="http://schemas.microsoft.com/office/powerpoint/2010/main" val="2623435287"/>
+      </p:ext>
+    </p:extLst>
+  </p:cSld>
+  <p:clrMapOvr>
+    <a:masterClrMapping/>
+  </p:clrMapOvr>
+</p:sld>
+</file>
+
+<file path=ppt/slides/slide14.xml><?xml version="1.0" encoding="utf-8"?>
+<p:sld xmlns:a="http://schemas.openxmlformats.org/drawingml/2006/main" xmlns:r="http://schemas.openxmlformats.org/officeDocument/2006/relationships" xmlns:p="http://schemas.openxmlformats.org/presentationml/2006/main">
+  <p:cSld>
+    <p:bg>
+      <p:bgPr>
+        <a:solidFill>
+          <a:schemeClr val="bg1"/>
+        </a:solidFill>
+        <a:effectLst/>
+      </p:bgPr>
+    </p:bg>
+    <p:spTree>
+      <p:nvGrpSpPr>
+        <p:cNvPr id="1" name=""/>
+        <p:cNvGrpSpPr/>
+        <p:nvPr/>
+      </p:nvGrpSpPr>
+      <p:grpSpPr>
+        <a:xfrm>
+          <a:off x="0" y="0"/>
+          <a:ext cx="0" cy="0"/>
+          <a:chOff x="0" y="0"/>
+          <a:chExt cx="0" cy="0"/>
+        </a:xfrm>
+      </p:grpSpPr>
+      <p:sp useBgFill="1">
+        <p:nvSpPr>
+          <p:cNvPr id="12" name="Rectangle 11">
+            <a:extLst>
+              <a:ext uri="{FF2B5EF4-FFF2-40B4-BE49-F238E27FC236}">
+                <a16:creationId xmlns:a16="http://schemas.microsoft.com/office/drawing/2014/main" id="{E49D7415-2F11-44C2-B6AA-13A25B6814B9}"/>
+              </a:ext>
+              <a:ext uri="{C183D7F6-B498-43B3-948B-1728B52AA6E4}">
+                <adec:decorative xmlns:adec="http://schemas.microsoft.com/office/drawing/2017/decorative" val="1"/>
+              </a:ext>
+            </a:extLst>
+          </p:cNvPr>
+          <p:cNvSpPr>
+            <a:spLocks noGrp="1" noRot="1" noChangeAspect="1" noMove="1" noResize="1" noEditPoints="1" noAdjustHandles="1" noChangeArrowheads="1" noChangeShapeType="1" noTextEdit="1"/>
+          </p:cNvSpPr>
+          <p:nvPr>
+            <p:extLst>
+              <p:ext uri="{386F3935-93C4-4BCD-93E2-E3B085C9AB24}">
+                <p16:designElem xmlns:p16="http://schemas.microsoft.com/office/powerpoint/2015/main" val="1"/>
+              </p:ext>
+            </p:extLst>
+          </p:nvPr>
+        </p:nvSpPr>
+        <p:spPr>
+          <a:xfrm>
+            <a:off x="0" y="0"/>
+            <a:ext cx="12192000" cy="6858000"/>
+          </a:xfrm>
+          <a:prstGeom prst="rect">
+            <a:avLst/>
+          </a:prstGeom>
+          <a:ln w="12700" cap="flat" cmpd="sng" algn="ctr">
+            <a:noFill/>
+            <a:prstDash val="solid"/>
+            <a:miter lim="800000"/>
+          </a:ln>
+          <a:effectLst/>
+          <a:extLst>
+            <a:ext uri="{91240B29-F687-4F45-9708-019B960494DF}">
+              <a14:hiddenLine xmlns:a14="http://schemas.microsoft.com/office/drawing/2010/main" w="12700" cap="flat" cmpd="sng" algn="ctr">
+                <a:solidFill>
+                  <a:schemeClr val="accent1">
+                    <a:shade val="50000"/>
+                  </a:schemeClr>
+                </a:solidFill>
+                <a:prstDash val="solid"/>
+                <a:miter lim="800000"/>
+              </a14:hiddenLine>
+            </a:ext>
+          </a:extLst>
+        </p:spPr>
+        <p:style>
+          <a:lnRef idx="2">
+            <a:schemeClr val="accent1">
+              <a:shade val="50000"/>
+            </a:schemeClr>
+          </a:lnRef>
+          <a:fillRef idx="1">
+            <a:schemeClr val="accent1"/>
+          </a:fillRef>
+          <a:effectRef idx="0">
+            <a:schemeClr val="accent1"/>
+          </a:effectRef>
+          <a:fontRef idx="minor">
+            <a:schemeClr val="lt1"/>
+          </a:fontRef>
+        </p:style>
+        <p:txBody>
+          <a:bodyPr rtlCol="0" anchor="ctr"/>
+          <a:lstStyle/>
+          <a:p>
+            <a:pPr algn="ctr"/>
+            <a:endParaRPr lang="en-US"/>
           </a:p>
         </p:txBody>
       </p:sp>
       <p:sp>
         <p:nvSpPr>
-          <p:cNvPr id="3" name="Marcador de contenido 2">
-            <a:extLst>
-              <a:ext uri="{FF2B5EF4-FFF2-40B4-BE49-F238E27FC236}">
-                <a16:creationId xmlns:a16="http://schemas.microsoft.com/office/drawing/2014/main" id="{10B308AB-EB65-808F-E1A9-C4A976D357DE}"/>
+          <p:cNvPr id="2" name="Título 1">
+            <a:extLst>
+              <a:ext uri="{FF2B5EF4-FFF2-40B4-BE49-F238E27FC236}">
+                <a16:creationId xmlns:a16="http://schemas.microsoft.com/office/drawing/2014/main" id="{18A09D85-EB93-3091-BEC8-0C192C23096B}"/>
               </a:ext>
             </a:extLst>
           </p:cNvPr>
@@ -4559,26 +5690,589 @@
             <a:spLocks noGrp="1"/>
           </p:cNvSpPr>
           <p:nvPr>
-            <p:ph idx="1"/>
+            <p:ph type="title"/>
           </p:nvPr>
         </p:nvSpPr>
         <p:spPr>
           <a:xfrm>
-            <a:off x="700635" y="1635853"/>
-            <a:ext cx="10691265" cy="4293361"/>
+            <a:off x="695323" y="616581"/>
+            <a:ext cx="2895941" cy="1230401"/>
           </a:xfrm>
         </p:spPr>
         <p:txBody>
-          <a:bodyPr/>
+          <a:bodyPr>
+            <a:normAutofit/>
+          </a:bodyPr>
           <a:lstStyle/>
           <a:p>
-            <a:pPr marL="285750" indent="-285750" algn="just"/>
-            <a:r>
-              <a:rPr lang="es-MX" b="0" i="0" dirty="0">
+            <a:r>
+              <a:rPr lang="es-MX" sz="2800" b="1" dirty="0"/>
+              <a:t>Curvas de Supervivencia</a:t>
+            </a:r>
+          </a:p>
+        </p:txBody>
+      </p:sp>
+      <p:cxnSp>
+        <p:nvCxnSpPr>
+          <p:cNvPr id="14" name="Straight Connector 13">
+            <a:extLst>
+              <a:ext uri="{FF2B5EF4-FFF2-40B4-BE49-F238E27FC236}">
+                <a16:creationId xmlns:a16="http://schemas.microsoft.com/office/drawing/2014/main" id="{159B2C4A-AB53-49A2-AC69-620FF37FF00F}"/>
+              </a:ext>
+              <a:ext uri="{C183D7F6-B498-43B3-948B-1728B52AA6E4}">
+                <adec:decorative xmlns:adec="http://schemas.microsoft.com/office/drawing/2017/decorative" val="1"/>
+              </a:ext>
+            </a:extLst>
+          </p:cNvPr>
+          <p:cNvCxnSpPr>
+            <a:cxnSpLocks noGrp="1" noRot="1" noChangeAspect="1" noMove="1" noResize="1" noEditPoints="1" noAdjustHandles="1" noChangeArrowheads="1" noChangeShapeType="1"/>
+          </p:cNvCxnSpPr>
+          <p:nvPr>
+            <p:extLst>
+              <p:ext uri="{386F3935-93C4-4BCD-93E2-E3B085C9AB24}">
+                <p16:designElem xmlns:p16="http://schemas.microsoft.com/office/powerpoint/2015/main" val="1"/>
+              </p:ext>
+            </p:extLst>
+          </p:nvPr>
+        </p:nvCxnSpPr>
+        <p:spPr>
+          <a:xfrm flipV="1">
+            <a:off x="4038600" y="723900"/>
+            <a:ext cx="0" cy="976978"/>
+          </a:xfrm>
+          <a:prstGeom prst="line">
+            <a:avLst/>
+          </a:prstGeom>
+          <a:ln w="12700">
+            <a:solidFill>
+              <a:schemeClr val="tx1"/>
+            </a:solidFill>
+          </a:ln>
+        </p:spPr>
+        <p:style>
+          <a:lnRef idx="1">
+            <a:schemeClr val="accent1"/>
+          </a:lnRef>
+          <a:fillRef idx="0">
+            <a:schemeClr val="accent1"/>
+          </a:fillRef>
+          <a:effectRef idx="0">
+            <a:schemeClr val="accent1"/>
+          </a:effectRef>
+          <a:fontRef idx="minor">
+            <a:schemeClr val="tx1"/>
+          </a:fontRef>
+        </p:style>
+      </p:cxnSp>
+      <p:sp>
+        <p:nvSpPr>
+          <p:cNvPr id="3" name="Marcador de contenido 2">
+            <a:extLst>
+              <a:ext uri="{FF2B5EF4-FFF2-40B4-BE49-F238E27FC236}">
+                <a16:creationId xmlns:a16="http://schemas.microsoft.com/office/drawing/2014/main" id="{10B308AB-EB65-808F-E1A9-C4A976D357DE}"/>
+              </a:ext>
+            </a:extLst>
+          </p:cNvPr>
+          <p:cNvSpPr>
+            <a:spLocks noGrp="1"/>
+          </p:cNvSpPr>
+          <p:nvPr>
+            <p:ph idx="1"/>
+          </p:nvPr>
+        </p:nvSpPr>
+        <p:spPr>
+          <a:xfrm>
+            <a:off x="4485937" y="889321"/>
+            <a:ext cx="6713312" cy="684920"/>
+          </a:xfrm>
+        </p:spPr>
+        <p:txBody>
+          <a:bodyPr>
+            <a:normAutofit/>
+          </a:bodyPr>
+          <a:lstStyle/>
+          <a:p>
+            <a:pPr marL="0" indent="0">
+              <a:buNone/>
+            </a:pPr>
+            <a:r>
+              <a:rPr lang="es-MX" b="1" i="0" dirty="0">
                 <a:effectLst/>
-                <a:latin typeface="Consolas" panose="020B0609020204030204" pitchFamily="49" charset="0"/>
+                <a:latin typeface="Avenir Next LT Pro" panose="020B0504020202020204" pitchFamily="34" charset="0"/>
               </a:rPr>
-              <a:t>Curvas de supervivencia y su interpretación</a:t>
+              <a:t>Niveles de Probabilidad</a:t>
+            </a:r>
+          </a:p>
+        </p:txBody>
+      </p:sp>
+      <p:pic>
+        <p:nvPicPr>
+          <p:cNvPr id="7" name="Imagen 6">
+            <a:extLst>
+              <a:ext uri="{FF2B5EF4-FFF2-40B4-BE49-F238E27FC236}">
+                <a16:creationId xmlns:a16="http://schemas.microsoft.com/office/drawing/2014/main" id="{2A4EC9EC-B04C-6073-CE7B-7F64DDA0B375}"/>
+              </a:ext>
+            </a:extLst>
+          </p:cNvPr>
+          <p:cNvPicPr>
+            <a:picLocks noChangeAspect="1"/>
+          </p:cNvPicPr>
+          <p:nvPr/>
+        </p:nvPicPr>
+        <p:blipFill rotWithShape="1">
+          <a:blip r:embed="rId2"/>
+          <a:srcRect l="886" t="2107" r="923" b="2107"/>
+          <a:stretch/>
+        </p:blipFill>
+        <p:spPr>
+          <a:xfrm>
+            <a:off x="4014368" y="1887898"/>
+            <a:ext cx="7377533" cy="4574071"/>
+          </a:xfrm>
+          <a:prstGeom prst="rect">
+            <a:avLst/>
+          </a:prstGeom>
+        </p:spPr>
+      </p:pic>
+      <p:sp>
+        <p:nvSpPr>
+          <p:cNvPr id="8" name="Marcador de contenido 2">
+            <a:extLst>
+              <a:ext uri="{FF2B5EF4-FFF2-40B4-BE49-F238E27FC236}">
+                <a16:creationId xmlns:a16="http://schemas.microsoft.com/office/drawing/2014/main" id="{D6211469-4C94-5EA4-57AA-0C75A5A0DB0A}"/>
+              </a:ext>
+            </a:extLst>
+          </p:cNvPr>
+          <p:cNvSpPr txBox="1">
+            <a:spLocks/>
+          </p:cNvSpPr>
+          <p:nvPr/>
+        </p:nvSpPr>
+        <p:spPr>
+          <a:xfrm>
+            <a:off x="657712" y="2726246"/>
+            <a:ext cx="2933552" cy="3139533"/>
+          </a:xfrm>
+          <a:prstGeom prst="rect">
+            <a:avLst/>
+          </a:prstGeom>
+        </p:spPr>
+        <p:txBody>
+          <a:bodyPr vert="horz" lIns="91440" tIns="45720" rIns="91440" bIns="45720" rtlCol="0">
+            <a:normAutofit lnSpcReduction="10000"/>
+          </a:bodyPr>
+          <a:lstStyle>
+            <a:lvl1pPr marL="228600" indent="-228600" algn="l" defTabSz="914400" rtl="0" eaLnBrk="1" latinLnBrk="0" hangingPunct="1">
+              <a:lnSpc>
+                <a:spcPct val="120000"/>
+              </a:lnSpc>
+              <a:spcBef>
+                <a:spcPts val="1000"/>
+              </a:spcBef>
+              <a:buFont typeface="Arial" panose="020B0604020202020204" pitchFamily="34" charset="0"/>
+              <a:buChar char="•"/>
+              <a:defRPr sz="2000" kern="1200">
+                <a:solidFill>
+                  <a:schemeClr val="tx1"/>
+                </a:solidFill>
+                <a:latin typeface="+mn-lt"/>
+                <a:ea typeface="+mn-ea"/>
+                <a:cs typeface="+mn-cs"/>
+              </a:defRPr>
+            </a:lvl1pPr>
+            <a:lvl2pPr marL="685800" indent="-228600" algn="l" defTabSz="914400" rtl="0" eaLnBrk="1" latinLnBrk="0" hangingPunct="1">
+              <a:lnSpc>
+                <a:spcPct val="120000"/>
+              </a:lnSpc>
+              <a:spcBef>
+                <a:spcPts val="500"/>
+              </a:spcBef>
+              <a:buFont typeface="Arial" panose="020B0604020202020204" pitchFamily="34" charset="0"/>
+              <a:buChar char="•"/>
+              <a:defRPr sz="1800" kern="1200">
+                <a:solidFill>
+                  <a:schemeClr val="tx1"/>
+                </a:solidFill>
+                <a:latin typeface="+mn-lt"/>
+                <a:ea typeface="+mn-ea"/>
+                <a:cs typeface="+mn-cs"/>
+              </a:defRPr>
+            </a:lvl2pPr>
+            <a:lvl3pPr marL="1143000" indent="-228600" algn="l" defTabSz="914400" rtl="0" eaLnBrk="1" latinLnBrk="0" hangingPunct="1">
+              <a:lnSpc>
+                <a:spcPct val="120000"/>
+              </a:lnSpc>
+              <a:spcBef>
+                <a:spcPts val="500"/>
+              </a:spcBef>
+              <a:buFont typeface="Arial" panose="020B0604020202020204" pitchFamily="34" charset="0"/>
+              <a:buChar char="•"/>
+              <a:defRPr sz="1600" kern="1200">
+                <a:solidFill>
+                  <a:schemeClr val="tx1"/>
+                </a:solidFill>
+                <a:latin typeface="+mn-lt"/>
+                <a:ea typeface="+mn-ea"/>
+                <a:cs typeface="+mn-cs"/>
+              </a:defRPr>
+            </a:lvl3pPr>
+            <a:lvl4pPr marL="1600200" indent="-228600" algn="l" defTabSz="914400" rtl="0" eaLnBrk="1" latinLnBrk="0" hangingPunct="1">
+              <a:lnSpc>
+                <a:spcPct val="120000"/>
+              </a:lnSpc>
+              <a:spcBef>
+                <a:spcPts val="500"/>
+              </a:spcBef>
+              <a:buFont typeface="Arial" panose="020B0604020202020204" pitchFamily="34" charset="0"/>
+              <a:buChar char="•"/>
+              <a:defRPr sz="1400" kern="1200">
+                <a:solidFill>
+                  <a:schemeClr val="tx1"/>
+                </a:solidFill>
+                <a:latin typeface="+mn-lt"/>
+                <a:ea typeface="+mn-ea"/>
+                <a:cs typeface="+mn-cs"/>
+              </a:defRPr>
+            </a:lvl4pPr>
+            <a:lvl5pPr marL="2057400" indent="-228600" algn="l" defTabSz="914400" rtl="0" eaLnBrk="1" latinLnBrk="0" hangingPunct="1">
+              <a:lnSpc>
+                <a:spcPct val="120000"/>
+              </a:lnSpc>
+              <a:spcBef>
+                <a:spcPts val="500"/>
+              </a:spcBef>
+              <a:buFont typeface="Arial" panose="020B0604020202020204" pitchFamily="34" charset="0"/>
+              <a:buChar char="•"/>
+              <a:defRPr sz="1400" kern="1200">
+                <a:solidFill>
+                  <a:schemeClr val="tx1"/>
+                </a:solidFill>
+                <a:latin typeface="+mn-lt"/>
+                <a:ea typeface="+mn-ea"/>
+                <a:cs typeface="+mn-cs"/>
+              </a:defRPr>
+            </a:lvl5pPr>
+            <a:lvl6pPr marL="2514600" indent="-228600" algn="l" defTabSz="914400" rtl="0" eaLnBrk="1" latinLnBrk="0" hangingPunct="1">
+              <a:lnSpc>
+                <a:spcPct val="90000"/>
+              </a:lnSpc>
+              <a:spcBef>
+                <a:spcPts val="500"/>
+              </a:spcBef>
+              <a:buFont typeface="Arial" panose="020B0604020202020204" pitchFamily="34" charset="0"/>
+              <a:buChar char="•"/>
+              <a:defRPr sz="1800" kern="1200">
+                <a:solidFill>
+                  <a:schemeClr val="tx1"/>
+                </a:solidFill>
+                <a:latin typeface="+mn-lt"/>
+                <a:ea typeface="+mn-ea"/>
+                <a:cs typeface="+mn-cs"/>
+              </a:defRPr>
+            </a:lvl6pPr>
+            <a:lvl7pPr marL="2971800" indent="-228600" algn="l" defTabSz="914400" rtl="0" eaLnBrk="1" latinLnBrk="0" hangingPunct="1">
+              <a:lnSpc>
+                <a:spcPct val="90000"/>
+              </a:lnSpc>
+              <a:spcBef>
+                <a:spcPts val="500"/>
+              </a:spcBef>
+              <a:buFont typeface="Arial" panose="020B0604020202020204" pitchFamily="34" charset="0"/>
+              <a:buChar char="•"/>
+              <a:defRPr sz="1800" kern="1200">
+                <a:solidFill>
+                  <a:schemeClr val="tx1"/>
+                </a:solidFill>
+                <a:latin typeface="+mn-lt"/>
+                <a:ea typeface="+mn-ea"/>
+                <a:cs typeface="+mn-cs"/>
+              </a:defRPr>
+            </a:lvl7pPr>
+            <a:lvl8pPr marL="3429000" indent="-228600" algn="l" defTabSz="914400" rtl="0" eaLnBrk="1" latinLnBrk="0" hangingPunct="1">
+              <a:lnSpc>
+                <a:spcPct val="90000"/>
+              </a:lnSpc>
+              <a:spcBef>
+                <a:spcPts val="500"/>
+              </a:spcBef>
+              <a:buFont typeface="Arial" panose="020B0604020202020204" pitchFamily="34" charset="0"/>
+              <a:buChar char="•"/>
+              <a:defRPr sz="1800" kern="1200">
+                <a:solidFill>
+                  <a:schemeClr val="tx1"/>
+                </a:solidFill>
+                <a:latin typeface="+mn-lt"/>
+                <a:ea typeface="+mn-ea"/>
+                <a:cs typeface="+mn-cs"/>
+              </a:defRPr>
+            </a:lvl8pPr>
+            <a:lvl9pPr marL="3886200" indent="-228600" algn="l" defTabSz="914400" rtl="0" eaLnBrk="1" latinLnBrk="0" hangingPunct="1">
+              <a:lnSpc>
+                <a:spcPct val="90000"/>
+              </a:lnSpc>
+              <a:spcBef>
+                <a:spcPts val="500"/>
+              </a:spcBef>
+              <a:buFont typeface="Arial" panose="020B0604020202020204" pitchFamily="34" charset="0"/>
+              <a:buChar char="•"/>
+              <a:defRPr sz="1800" kern="1200">
+                <a:solidFill>
+                  <a:schemeClr val="tx1"/>
+                </a:solidFill>
+                <a:latin typeface="+mn-lt"/>
+                <a:ea typeface="+mn-ea"/>
+                <a:cs typeface="+mn-cs"/>
+              </a:defRPr>
+            </a:lvl9pPr>
+          </a:lstStyle>
+          <a:p>
+            <a:pPr marL="285750" indent="-285750"/>
+            <a:r>
+              <a:rPr lang="en-US" sz="1800" dirty="0">
+                <a:latin typeface="Avenir Next LT Pro" panose="020B0504020202020204" pitchFamily="34" charset="0"/>
+              </a:rPr>
+              <a:t>The prediction performs well, low probability label is the one that survives the less, followed by medium label.</a:t>
+            </a:r>
+          </a:p>
+          <a:p>
+            <a:pPr marL="285750" indent="-285750"/>
+            <a:r>
+              <a:rPr lang="en-US" sz="1800" dirty="0">
+                <a:latin typeface="Avenir Next LT Pro" panose="020B0504020202020204" pitchFamily="34" charset="0"/>
+              </a:rPr>
+              <a:t>The high probability label is the one that survives the most.</a:t>
+            </a:r>
+          </a:p>
+        </p:txBody>
+      </p:sp>
+      <p:pic>
+        <p:nvPicPr>
+          <p:cNvPr id="10" name="Imagen 9">
+            <a:extLst>
+              <a:ext uri="{FF2B5EF4-FFF2-40B4-BE49-F238E27FC236}">
+                <a16:creationId xmlns:a16="http://schemas.microsoft.com/office/drawing/2014/main" id="{7CF7CF9D-FE37-469F-2974-959B79ABB2AD}"/>
+              </a:ext>
+            </a:extLst>
+          </p:cNvPr>
+          <p:cNvPicPr>
+            <a:picLocks noChangeAspect="1"/>
+          </p:cNvPicPr>
+          <p:nvPr/>
+        </p:nvPicPr>
+        <p:blipFill>
+          <a:blip r:embed="rId3"/>
+          <a:stretch>
+            <a:fillRect/>
+          </a:stretch>
+        </p:blipFill>
+        <p:spPr>
+          <a:xfrm>
+            <a:off x="4038600" y="2014535"/>
+            <a:ext cx="7378989" cy="4559859"/>
+          </a:xfrm>
+          <a:prstGeom prst="rect">
+            <a:avLst/>
+          </a:prstGeom>
+        </p:spPr>
+      </p:pic>
+      <p:sp>
+        <p:nvSpPr>
+          <p:cNvPr id="11" name="Marcador de contenido 2">
+            <a:extLst>
+              <a:ext uri="{FF2B5EF4-FFF2-40B4-BE49-F238E27FC236}">
+                <a16:creationId xmlns:a16="http://schemas.microsoft.com/office/drawing/2014/main" id="{D79C988D-5D3C-EC2E-4221-6F64BD9F7786}"/>
+              </a:ext>
+            </a:extLst>
+          </p:cNvPr>
+          <p:cNvSpPr txBox="1">
+            <a:spLocks/>
+          </p:cNvSpPr>
+          <p:nvPr/>
+        </p:nvSpPr>
+        <p:spPr>
+          <a:xfrm>
+            <a:off x="657712" y="3653747"/>
+            <a:ext cx="2933552" cy="1396425"/>
+          </a:xfrm>
+          <a:prstGeom prst="rect">
+            <a:avLst/>
+          </a:prstGeom>
+        </p:spPr>
+        <p:txBody>
+          <a:bodyPr vert="horz" lIns="91440" tIns="45720" rIns="91440" bIns="45720" rtlCol="0">
+            <a:normAutofit/>
+          </a:bodyPr>
+          <a:lstStyle>
+            <a:lvl1pPr marL="228600" indent="-228600" algn="l" defTabSz="914400" rtl="0" eaLnBrk="1" latinLnBrk="0" hangingPunct="1">
+              <a:lnSpc>
+                <a:spcPct val="120000"/>
+              </a:lnSpc>
+              <a:spcBef>
+                <a:spcPts val="1000"/>
+              </a:spcBef>
+              <a:buFont typeface="Arial" panose="020B0604020202020204" pitchFamily="34" charset="0"/>
+              <a:buChar char="•"/>
+              <a:defRPr sz="2000" kern="1200">
+                <a:solidFill>
+                  <a:schemeClr val="tx1"/>
+                </a:solidFill>
+                <a:latin typeface="+mn-lt"/>
+                <a:ea typeface="+mn-ea"/>
+                <a:cs typeface="+mn-cs"/>
+              </a:defRPr>
+            </a:lvl1pPr>
+            <a:lvl2pPr marL="685800" indent="-228600" algn="l" defTabSz="914400" rtl="0" eaLnBrk="1" latinLnBrk="0" hangingPunct="1">
+              <a:lnSpc>
+                <a:spcPct val="120000"/>
+              </a:lnSpc>
+              <a:spcBef>
+                <a:spcPts val="500"/>
+              </a:spcBef>
+              <a:buFont typeface="Arial" panose="020B0604020202020204" pitchFamily="34" charset="0"/>
+              <a:buChar char="•"/>
+              <a:defRPr sz="1800" kern="1200">
+                <a:solidFill>
+                  <a:schemeClr val="tx1"/>
+                </a:solidFill>
+                <a:latin typeface="+mn-lt"/>
+                <a:ea typeface="+mn-ea"/>
+                <a:cs typeface="+mn-cs"/>
+              </a:defRPr>
+            </a:lvl2pPr>
+            <a:lvl3pPr marL="1143000" indent="-228600" algn="l" defTabSz="914400" rtl="0" eaLnBrk="1" latinLnBrk="0" hangingPunct="1">
+              <a:lnSpc>
+                <a:spcPct val="120000"/>
+              </a:lnSpc>
+              <a:spcBef>
+                <a:spcPts val="500"/>
+              </a:spcBef>
+              <a:buFont typeface="Arial" panose="020B0604020202020204" pitchFamily="34" charset="0"/>
+              <a:buChar char="•"/>
+              <a:defRPr sz="1600" kern="1200">
+                <a:solidFill>
+                  <a:schemeClr val="tx1"/>
+                </a:solidFill>
+                <a:latin typeface="+mn-lt"/>
+                <a:ea typeface="+mn-ea"/>
+                <a:cs typeface="+mn-cs"/>
+              </a:defRPr>
+            </a:lvl3pPr>
+            <a:lvl4pPr marL="1600200" indent="-228600" algn="l" defTabSz="914400" rtl="0" eaLnBrk="1" latinLnBrk="0" hangingPunct="1">
+              <a:lnSpc>
+                <a:spcPct val="120000"/>
+              </a:lnSpc>
+              <a:spcBef>
+                <a:spcPts val="500"/>
+              </a:spcBef>
+              <a:buFont typeface="Arial" panose="020B0604020202020204" pitchFamily="34" charset="0"/>
+              <a:buChar char="•"/>
+              <a:defRPr sz="1400" kern="1200">
+                <a:solidFill>
+                  <a:schemeClr val="tx1"/>
+                </a:solidFill>
+                <a:latin typeface="+mn-lt"/>
+                <a:ea typeface="+mn-ea"/>
+                <a:cs typeface="+mn-cs"/>
+              </a:defRPr>
+            </a:lvl4pPr>
+            <a:lvl5pPr marL="2057400" indent="-228600" algn="l" defTabSz="914400" rtl="0" eaLnBrk="1" latinLnBrk="0" hangingPunct="1">
+              <a:lnSpc>
+                <a:spcPct val="120000"/>
+              </a:lnSpc>
+              <a:spcBef>
+                <a:spcPts val="500"/>
+              </a:spcBef>
+              <a:buFont typeface="Arial" panose="020B0604020202020204" pitchFamily="34" charset="0"/>
+              <a:buChar char="•"/>
+              <a:defRPr sz="1400" kern="1200">
+                <a:solidFill>
+                  <a:schemeClr val="tx1"/>
+                </a:solidFill>
+                <a:latin typeface="+mn-lt"/>
+                <a:ea typeface="+mn-ea"/>
+                <a:cs typeface="+mn-cs"/>
+              </a:defRPr>
+            </a:lvl5pPr>
+            <a:lvl6pPr marL="2514600" indent="-228600" algn="l" defTabSz="914400" rtl="0" eaLnBrk="1" latinLnBrk="0" hangingPunct="1">
+              <a:lnSpc>
+                <a:spcPct val="90000"/>
+              </a:lnSpc>
+              <a:spcBef>
+                <a:spcPts val="500"/>
+              </a:spcBef>
+              <a:buFont typeface="Arial" panose="020B0604020202020204" pitchFamily="34" charset="0"/>
+              <a:buChar char="•"/>
+              <a:defRPr sz="1800" kern="1200">
+                <a:solidFill>
+                  <a:schemeClr val="tx1"/>
+                </a:solidFill>
+                <a:latin typeface="+mn-lt"/>
+                <a:ea typeface="+mn-ea"/>
+                <a:cs typeface="+mn-cs"/>
+              </a:defRPr>
+            </a:lvl6pPr>
+            <a:lvl7pPr marL="2971800" indent="-228600" algn="l" defTabSz="914400" rtl="0" eaLnBrk="1" latinLnBrk="0" hangingPunct="1">
+              <a:lnSpc>
+                <a:spcPct val="90000"/>
+              </a:lnSpc>
+              <a:spcBef>
+                <a:spcPts val="500"/>
+              </a:spcBef>
+              <a:buFont typeface="Arial" panose="020B0604020202020204" pitchFamily="34" charset="0"/>
+              <a:buChar char="•"/>
+              <a:defRPr sz="1800" kern="1200">
+                <a:solidFill>
+                  <a:schemeClr val="tx1"/>
+                </a:solidFill>
+                <a:latin typeface="+mn-lt"/>
+                <a:ea typeface="+mn-ea"/>
+                <a:cs typeface="+mn-cs"/>
+              </a:defRPr>
+            </a:lvl7pPr>
+            <a:lvl8pPr marL="3429000" indent="-228600" algn="l" defTabSz="914400" rtl="0" eaLnBrk="1" latinLnBrk="0" hangingPunct="1">
+              <a:lnSpc>
+                <a:spcPct val="90000"/>
+              </a:lnSpc>
+              <a:spcBef>
+                <a:spcPts val="500"/>
+              </a:spcBef>
+              <a:buFont typeface="Arial" panose="020B0604020202020204" pitchFamily="34" charset="0"/>
+              <a:buChar char="•"/>
+              <a:defRPr sz="1800" kern="1200">
+                <a:solidFill>
+                  <a:schemeClr val="tx1"/>
+                </a:solidFill>
+                <a:latin typeface="+mn-lt"/>
+                <a:ea typeface="+mn-ea"/>
+                <a:cs typeface="+mn-cs"/>
+              </a:defRPr>
+            </a:lvl8pPr>
+            <a:lvl9pPr marL="3886200" indent="-228600" algn="l" defTabSz="914400" rtl="0" eaLnBrk="1" latinLnBrk="0" hangingPunct="1">
+              <a:lnSpc>
+                <a:spcPct val="90000"/>
+              </a:lnSpc>
+              <a:spcBef>
+                <a:spcPts val="500"/>
+              </a:spcBef>
+              <a:buFont typeface="Arial" panose="020B0604020202020204" pitchFamily="34" charset="0"/>
+              <a:buChar char="•"/>
+              <a:defRPr sz="1800" kern="1200">
+                <a:solidFill>
+                  <a:schemeClr val="tx1"/>
+                </a:solidFill>
+                <a:latin typeface="+mn-lt"/>
+                <a:ea typeface="+mn-ea"/>
+                <a:cs typeface="+mn-cs"/>
+              </a:defRPr>
+            </a:lvl9pPr>
+          </a:lstStyle>
+          <a:p>
+            <a:pPr marL="285750" indent="-285750"/>
+            <a:r>
+              <a:rPr lang="en-US" sz="1800" dirty="0">
+                <a:latin typeface="Avenir Next LT Pro" panose="020B0504020202020204" pitchFamily="34" charset="0"/>
+              </a:rPr>
+              <a:t>It doesn't seem to be a difference between both markets</a:t>
             </a:r>
           </a:p>
         </p:txBody>
@@ -4593,10 +6287,179 @@
   <p:clrMapOvr>
     <a:masterClrMapping/>
   </p:clrMapOvr>
+  <p:timing>
+    <p:tnLst>
+      <p:par>
+        <p:cTn id="1" dur="indefinite" restart="never" nodeType="tmRoot">
+          <p:childTnLst>
+            <p:seq concurrent="1" nextAc="seek">
+              <p:cTn id="2" dur="indefinite" nodeType="mainSeq">
+                <p:childTnLst>
+                  <p:par>
+                    <p:cTn id="3" fill="hold">
+                      <p:stCondLst>
+                        <p:cond delay="indefinite"/>
+                      </p:stCondLst>
+                      <p:childTnLst>
+                        <p:par>
+                          <p:cTn id="4" fill="hold">
+                            <p:stCondLst>
+                              <p:cond delay="0"/>
+                            </p:stCondLst>
+                            <p:childTnLst>
+                              <p:par>
+                                <p:cTn id="5" presetID="1" presetClass="entr" presetSubtype="0" fill="hold" nodeType="clickEffect">
+                                  <p:stCondLst>
+                                    <p:cond delay="0"/>
+                                  </p:stCondLst>
+                                  <p:childTnLst>
+                                    <p:set>
+                                      <p:cBhvr>
+                                        <p:cTn id="6" dur="1" fill="hold">
+                                          <p:stCondLst>
+                                            <p:cond delay="0"/>
+                                          </p:stCondLst>
+                                        </p:cTn>
+                                        <p:tgtEl>
+                                          <p:spTgt spid="10"/>
+                                        </p:tgtEl>
+                                        <p:attrNameLst>
+                                          <p:attrName>style.visibility</p:attrName>
+                                        </p:attrNameLst>
+                                      </p:cBhvr>
+                                      <p:to>
+                                        <p:strVal val="visible"/>
+                                      </p:to>
+                                    </p:set>
+                                  </p:childTnLst>
+                                </p:cTn>
+                              </p:par>
+                            </p:childTnLst>
+                          </p:cTn>
+                        </p:par>
+                      </p:childTnLst>
+                    </p:cTn>
+                  </p:par>
+                  <p:par>
+                    <p:cTn id="7" fill="hold">
+                      <p:stCondLst>
+                        <p:cond delay="indefinite"/>
+                      </p:stCondLst>
+                      <p:childTnLst>
+                        <p:par>
+                          <p:cTn id="8" fill="hold">
+                            <p:stCondLst>
+                              <p:cond delay="0"/>
+                            </p:stCondLst>
+                            <p:childTnLst>
+                              <p:par>
+                                <p:cTn id="9" presetID="1" presetClass="exit" presetSubtype="0" fill="hold" grpId="0" nodeType="clickEffect">
+                                  <p:stCondLst>
+                                    <p:cond delay="0"/>
+                                  </p:stCondLst>
+                                  <p:childTnLst>
+                                    <p:set>
+                                      <p:cBhvr>
+                                        <p:cTn id="10" dur="1" fill="hold">
+                                          <p:stCondLst>
+                                            <p:cond delay="0"/>
+                                          </p:stCondLst>
+                                        </p:cTn>
+                                        <p:tgtEl>
+                                          <p:spTgt spid="8"/>
+                                        </p:tgtEl>
+                                        <p:attrNameLst>
+                                          <p:attrName>style.visibility</p:attrName>
+                                        </p:attrNameLst>
+                                      </p:cBhvr>
+                                      <p:to>
+                                        <p:strVal val="hidden"/>
+                                      </p:to>
+                                    </p:set>
+                                  </p:childTnLst>
+                                </p:cTn>
+                              </p:par>
+                            </p:childTnLst>
+                          </p:cTn>
+                        </p:par>
+                      </p:childTnLst>
+                    </p:cTn>
+                  </p:par>
+                  <p:par>
+                    <p:cTn id="11" fill="hold">
+                      <p:stCondLst>
+                        <p:cond delay="indefinite"/>
+                      </p:stCondLst>
+                      <p:childTnLst>
+                        <p:par>
+                          <p:cTn id="12" fill="hold">
+                            <p:stCondLst>
+                              <p:cond delay="0"/>
+                            </p:stCondLst>
+                            <p:childTnLst>
+                              <p:par>
+                                <p:cTn id="13" presetID="1" presetClass="entr" presetSubtype="0" fill="hold" grpId="0" nodeType="clickEffect">
+                                  <p:stCondLst>
+                                    <p:cond delay="0"/>
+                                  </p:stCondLst>
+                                  <p:childTnLst>
+                                    <p:set>
+                                      <p:cBhvr>
+                                        <p:cTn id="14" dur="1" fill="hold">
+                                          <p:stCondLst>
+                                            <p:cond delay="0"/>
+                                          </p:stCondLst>
+                                        </p:cTn>
+                                        <p:tgtEl>
+                                          <p:spTgt spid="11"/>
+                                        </p:tgtEl>
+                                        <p:attrNameLst>
+                                          <p:attrName>style.visibility</p:attrName>
+                                        </p:attrNameLst>
+                                      </p:cBhvr>
+                                      <p:to>
+                                        <p:strVal val="visible"/>
+                                      </p:to>
+                                    </p:set>
+                                  </p:childTnLst>
+                                </p:cTn>
+                              </p:par>
+                            </p:childTnLst>
+                          </p:cTn>
+                        </p:par>
+                      </p:childTnLst>
+                    </p:cTn>
+                  </p:par>
+                </p:childTnLst>
+              </p:cTn>
+              <p:prevCondLst>
+                <p:cond evt="onPrev" delay="0">
+                  <p:tgtEl>
+                    <p:sldTgt/>
+                  </p:tgtEl>
+                </p:cond>
+              </p:prevCondLst>
+              <p:nextCondLst>
+                <p:cond evt="onNext" delay="0">
+                  <p:tgtEl>
+                    <p:sldTgt/>
+                  </p:tgtEl>
+                </p:cond>
+              </p:nextCondLst>
+            </p:seq>
+          </p:childTnLst>
+        </p:cTn>
+      </p:par>
+    </p:tnLst>
+    <p:bldLst>
+      <p:bldP spid="8" grpId="0"/>
+      <p:bldP spid="11" grpId="0"/>
+    </p:bldLst>
+  </p:timing>
 </p:sld>
 </file>
 
-<file path=ppt/slides/slide14.xml><?xml version="1.0" encoding="utf-8"?>
+<file path=ppt/slides/slide15.xml><?xml version="1.0" encoding="utf-8"?>
 <p:sld xmlns:a="http://schemas.openxmlformats.org/drawingml/2006/main" xmlns:r="http://schemas.openxmlformats.org/officeDocument/2006/relationships" xmlns:p="http://schemas.openxmlformats.org/presentationml/2006/main">
   <p:cSld>
     <p:spTree>
@@ -4664,8 +6527,8 @@
         </p:nvSpPr>
         <p:spPr>
           <a:xfrm>
-            <a:off x="700635" y="1635853"/>
-            <a:ext cx="10691265" cy="4293361"/>
+            <a:off x="700635" y="2474752"/>
+            <a:ext cx="10691265" cy="3454462"/>
           </a:xfrm>
         </p:spPr>
         <p:txBody>
@@ -4674,25 +6537,51 @@
           <a:p>
             <a:pPr algn="just"/>
             <a:r>
-              <a:rPr lang="es-MX" b="0" i="0" dirty="0">
-                <a:effectLst/>
-                <a:latin typeface="Consolas" panose="020B0609020204030204" pitchFamily="49" charset="0"/>
+              <a:rPr lang="es-MX" dirty="0">
+                <a:latin typeface="Avenir Next LT Pro" panose="020B0504020202020204" pitchFamily="34" charset="0"/>
               </a:rPr>
-              <a:t>Imagina que tiene</a:t>
-            </a:r>
+              <a:t>Ofrecer descuentos a aquellos clientes que tienen un nivel de probabilidad de recompra media y baja</a:t>
+            </a:r>
+          </a:p>
+          <a:p>
+            <a:pPr algn="just"/>
+            <a:r>
+              <a:rPr lang="es-MX" sz="2000" dirty="0">
+                <a:latin typeface="Avenir Next LT Pro" panose="020B0504020202020204" pitchFamily="34" charset="0"/>
+              </a:rPr>
+              <a:t>Generar un formato de venta donde se ofrezcan paquetes mensuales, de esta manera se estarían comprando los productos cada determinado tiempo de manera automática</a:t>
+            </a:r>
+          </a:p>
+          <a:p>
+            <a:pPr algn="just"/>
             <a:r>
               <a:rPr lang="es-MX" dirty="0">
-                <a:latin typeface="Consolas" panose="020B0609020204030204" pitchFamily="49" charset="0"/>
+                <a:latin typeface="Avenir Next LT Pro" panose="020B0504020202020204" pitchFamily="34" charset="0"/>
               </a:rPr>
-              <a:t>s presupuesto completo, sugiere por lo menos</a:t>
-            </a:r>
-            <a:r>
-              <a:rPr lang="es-MX" b="0" i="0" dirty="0">
-                <a:effectLst/>
-                <a:latin typeface="Consolas" panose="020B0609020204030204" pitchFamily="49" charset="0"/>
+              <a:t>Otorgar precio preferente a aquellos clientes que compran más seguido (mayor </a:t>
+            </a:r>
+            <a:r>
+              <a:rPr lang="es-MX" dirty="0" err="1">
+                <a:latin typeface="Avenir Next LT Pro" panose="020B0504020202020204" pitchFamily="34" charset="0"/>
               </a:rPr>
-              <a:t> 3 estrategias a la compañía para mejorar la tasa de cancelación de los nuevos clientes </a:t>
-            </a:r>
+              <a:t>recency</a:t>
+            </a:r>
+            <a:r>
+              <a:rPr lang="es-MX" dirty="0">
+                <a:latin typeface="Avenir Next LT Pro" panose="020B0504020202020204" pitchFamily="34" charset="0"/>
+              </a:rPr>
+              <a:t>)</a:t>
+            </a:r>
+            <a:endParaRPr lang="es-MX" sz="2000" dirty="0">
+              <a:latin typeface="Avenir Next LT Pro" panose="020B0504020202020204" pitchFamily="34" charset="0"/>
+            </a:endParaRPr>
+          </a:p>
+          <a:p>
+            <a:pPr algn="just"/>
+            <a:endParaRPr lang="es-MX" b="0" i="0" dirty="0">
+              <a:effectLst/>
+              <a:latin typeface="Consolas" panose="020B0609020204030204" pitchFamily="49" charset="0"/>
+            </a:endParaRPr>
           </a:p>
         </p:txBody>
       </p:sp>
@@ -5994,11 +7883,11 @@
           <a:p>
             <a:pPr marL="285750" indent="-285750" algn="just"/>
             <a:r>
-              <a:rPr lang="es-MX" b="0" i="0" dirty="0">
+              <a:rPr lang="es-MX" b="1" i="0" dirty="0">
                 <a:effectLst/>
-                <a:latin typeface="Consolas" panose="020B0609020204030204" pitchFamily="49" charset="0"/>
+                <a:latin typeface="Avenir Next LT Pro" panose="020B0504020202020204" pitchFamily="34" charset="0"/>
               </a:rPr>
-              <a:t>Variables categóricas.</a:t>
+              <a:t>Variables categóricas</a:t>
             </a:r>
           </a:p>
         </p:txBody>
@@ -6315,19 +8204,19 @@
           <a:p>
             <a:r>
               <a:rPr lang="es-MX" sz="1600" dirty="0"/>
-              <a:t>Mean:</a:t>
+              <a:t>Mean: 6.438</a:t>
             </a:r>
           </a:p>
           <a:p>
             <a:r>
               <a:rPr lang="es-MX" sz="1600" dirty="0"/>
-              <a:t>Median:</a:t>
+              <a:t>Median: 4</a:t>
             </a:r>
           </a:p>
           <a:p>
             <a:r>
               <a:rPr lang="es-MX" sz="1600" dirty="0"/>
-              <a:t>Q3:</a:t>
+              <a:t>Q3: 9</a:t>
             </a:r>
           </a:p>
         </p:txBody>
@@ -6362,19 +8251,19 @@
           <a:p>
             <a:r>
               <a:rPr lang="es-MX" sz="1600" dirty="0"/>
-              <a:t>Mean:</a:t>
+              <a:t>Mean: 2.96</a:t>
             </a:r>
           </a:p>
           <a:p>
             <a:r>
               <a:rPr lang="es-MX" sz="1600" dirty="0"/>
-              <a:t>Median:</a:t>
+              <a:t>Median: 2</a:t>
             </a:r>
           </a:p>
           <a:p>
             <a:r>
               <a:rPr lang="es-MX" sz="1600" dirty="0"/>
-              <a:t>Q3:</a:t>
+              <a:t>Q3: 3</a:t>
             </a:r>
           </a:p>
         </p:txBody>
@@ -6408,7 +8297,9 @@
           <a:lstStyle/>
           <a:p>
             <a:r>
-              <a:rPr lang="es-MX" sz="2000" dirty="0"/>
+              <a:rPr lang="es-MX" sz="2000" b="1" dirty="0">
+                <a:latin typeface="Avenir Next LT Pro" panose="020B0504020202020204" pitchFamily="34" charset="0"/>
+              </a:rPr>
               <a:t>Variables numéricas</a:t>
             </a:r>
           </a:p>
@@ -6585,7 +8476,7 @@
         <p:spPr>
           <a:xfrm>
             <a:off x="682300" y="4422710"/>
-            <a:ext cx="4180114" cy="861774"/>
+            <a:ext cx="4180114" cy="830997"/>
           </a:xfrm>
           <a:prstGeom prst="rect">
             <a:avLst/>
@@ -6600,19 +8491,19 @@
           <a:p>
             <a:r>
               <a:rPr lang="es-MX" sz="1600" dirty="0"/>
-              <a:t>Mean:</a:t>
+              <a:t>Mean: 154.76</a:t>
             </a:r>
           </a:p>
           <a:p>
             <a:r>
               <a:rPr lang="es-MX" sz="1600" dirty="0"/>
-              <a:t>Median:</a:t>
+              <a:t>Median: 99.96</a:t>
             </a:r>
           </a:p>
           <a:p>
             <a:r>
               <a:rPr lang="es-MX" sz="1600" dirty="0"/>
-              <a:t>Q3:</a:t>
+              <a:t>Q3: 175.59</a:t>
             </a:r>
           </a:p>
         </p:txBody>
@@ -6647,19 +8538,19 @@
           <a:p>
             <a:r>
               <a:rPr lang="es-MX" sz="1600" dirty="0"/>
-              <a:t>Mean:</a:t>
+              <a:t>Mean: 351.</a:t>
             </a:r>
           </a:p>
           <a:p>
             <a:r>
               <a:rPr lang="es-MX" sz="1600" dirty="0"/>
-              <a:t>Median:</a:t>
+              <a:t>Median: 201.5</a:t>
             </a:r>
           </a:p>
           <a:p>
             <a:r>
               <a:rPr lang="es-MX" sz="1600" dirty="0"/>
-              <a:t>Q3:</a:t>
+              <a:t>Q3: 422.6</a:t>
             </a:r>
           </a:p>
         </p:txBody>
@@ -6729,96 +8620,73 @@
           <a:chExt cx="0" cy="0"/>
         </a:xfrm>
       </p:grpSpPr>
-      <p:sp>
-        <p:nvSpPr>
-          <p:cNvPr id="2" name="Título 1">
-            <a:extLst>
-              <a:ext uri="{FF2B5EF4-FFF2-40B4-BE49-F238E27FC236}">
-                <a16:creationId xmlns:a16="http://schemas.microsoft.com/office/drawing/2014/main" id="{18A09D85-EB93-3091-BEC8-0C192C23096B}"/>
-              </a:ext>
-            </a:extLst>
-          </p:cNvPr>
-          <p:cNvSpPr>
-            <a:spLocks noGrp="1"/>
-          </p:cNvSpPr>
-          <p:nvPr>
-            <p:ph type="title"/>
-          </p:nvPr>
-        </p:nvSpPr>
-        <p:spPr>
-          <a:xfrm>
-            <a:off x="700635" y="922096"/>
-            <a:ext cx="10691265" cy="713757"/>
-          </a:xfrm>
-        </p:spPr>
-        <p:txBody>
-          <a:bodyPr/>
-          <a:lstStyle/>
-          <a:p>
-            <a:r>
-              <a:rPr lang="es-MX" b="1" dirty="0"/>
-              <a:t>Modelo</a:t>
-            </a:r>
-          </a:p>
-        </p:txBody>
-      </p:sp>
-      <p:sp>
-        <p:nvSpPr>
-          <p:cNvPr id="3" name="Marcador de contenido 2">
-            <a:extLst>
-              <a:ext uri="{FF2B5EF4-FFF2-40B4-BE49-F238E27FC236}">
-                <a16:creationId xmlns:a16="http://schemas.microsoft.com/office/drawing/2014/main" id="{10B308AB-EB65-808F-E1A9-C4A976D357DE}"/>
-              </a:ext>
-            </a:extLst>
-          </p:cNvPr>
-          <p:cNvSpPr>
-            <a:spLocks noGrp="1"/>
-          </p:cNvSpPr>
-          <p:nvPr>
-            <p:ph idx="1"/>
-          </p:nvPr>
-        </p:nvSpPr>
-        <p:spPr>
-          <a:xfrm>
-            <a:off x="700635" y="1635853"/>
-            <a:ext cx="10691265" cy="4293361"/>
-          </a:xfrm>
-        </p:spPr>
-        <p:txBody>
-          <a:bodyPr/>
-          <a:lstStyle/>
-          <a:p>
-            <a:pPr marL="285750" indent="-285750"/>
-            <a:r>
-              <a:rPr lang="es-MX" b="0" i="0" dirty="0">
-                <a:effectLst/>
-                <a:latin typeface="Consolas" panose="020B0609020204030204" pitchFamily="49" charset="0"/>
-              </a:rPr>
-              <a:t>Variables utilizadas</a:t>
-            </a:r>
-          </a:p>
-          <a:p>
-            <a:pPr marL="285750" indent="-285750"/>
-            <a:r>
-              <a:rPr lang="es-MX" dirty="0">
-                <a:latin typeface="Consolas" panose="020B0609020204030204" pitchFamily="49" charset="0"/>
-              </a:rPr>
-              <a:t>I</a:t>
-            </a:r>
-            <a:r>
-              <a:rPr lang="es-MX" b="0" i="0" dirty="0">
-                <a:effectLst/>
-                <a:latin typeface="Consolas" panose="020B0609020204030204" pitchFamily="49" charset="0"/>
-              </a:rPr>
-              <a:t>nterpretación de coeficientes</a:t>
-            </a:r>
-          </a:p>
-        </p:txBody>
-      </p:sp>
+      <p:graphicFrame>
+        <p:nvGraphicFramePr>
+          <p:cNvPr id="4" name="Objeto 3">
+            <a:extLst>
+              <a:ext uri="{FF2B5EF4-FFF2-40B4-BE49-F238E27FC236}">
+                <a16:creationId xmlns:a16="http://schemas.microsoft.com/office/drawing/2014/main" id="{88FA0DA4-EF42-4E64-3E7D-C790131C71C0}"/>
+              </a:ext>
+            </a:extLst>
+          </p:cNvPr>
+          <p:cNvGraphicFramePr>
+            <a:graphicFrameLocks noChangeAspect="1"/>
+          </p:cNvGraphicFramePr>
+          <p:nvPr>
+            <p:extLst>
+              <p:ext uri="{D42A27DB-BD31-4B8C-83A1-F6EECF244321}">
+                <p14:modId xmlns:p14="http://schemas.microsoft.com/office/powerpoint/2010/main" val="506243048"/>
+              </p:ext>
+            </p:extLst>
+          </p:nvPr>
+        </p:nvGraphicFramePr>
+        <p:xfrm>
+          <a:off x="2890659" y="810768"/>
+          <a:ext cx="6410681" cy="5236464"/>
+        </p:xfrm>
+        <a:graphic>
+          <a:graphicData uri="http://schemas.openxmlformats.org/presentationml/2006/ole">
+            <mc:AlternateContent xmlns:mc="http://schemas.openxmlformats.org/markup-compatibility/2006">
+              <mc:Choice xmlns:v="urn:schemas-microsoft-com:vml" Requires="v">
+                <p:oleObj name="PBrush" r:id="rId2" imgW="5996880" imgH="4899600" progId="">
+                  <p:embed/>
+                </p:oleObj>
+              </mc:Choice>
+              <mc:Fallback>
+                <p:oleObj name="PBrush" r:id="rId2" imgW="5996880" imgH="4899600" progId="">
+                  <p:embed/>
+                  <p:pic>
+                    <p:nvPicPr>
+                      <p:cNvPr id="0" name=""/>
+                      <p:cNvPicPr/>
+                      <p:nvPr/>
+                    </p:nvPicPr>
+                    <p:blipFill>
+                      <a:blip r:embed="rId3"/>
+                      <a:stretch>
+                        <a:fillRect/>
+                      </a:stretch>
+                    </p:blipFill>
+                    <p:spPr>
+                      <a:xfrm>
+                        <a:off x="2890659" y="810768"/>
+                        <a:ext cx="6410681" cy="5236464"/>
+                      </a:xfrm>
+                      <a:prstGeom prst="rect">
+                        <a:avLst/>
+                      </a:prstGeom>
+                    </p:spPr>
+                  </p:pic>
+                </p:oleObj>
+              </mc:Fallback>
+            </mc:AlternateContent>
+          </a:graphicData>
+        </a:graphic>
+      </p:graphicFrame>
     </p:spTree>
     <p:extLst>
       <p:ext uri="{BB962C8B-B14F-4D97-AF65-F5344CB8AC3E}">
-        <p14:creationId xmlns:p14="http://schemas.microsoft.com/office/powerpoint/2010/main" val="4024783150"/>
+        <p14:creationId xmlns:p14="http://schemas.microsoft.com/office/powerpoint/2010/main" val="3151330590"/>
       </p:ext>
     </p:extLst>
   </p:cSld>
@@ -6873,79 +8741,513 @@
           <a:p>
             <a:r>
               <a:rPr lang="es-MX" b="1" dirty="0"/>
-              <a:t>Desempeño </a:t>
-            </a:r>
-          </a:p>
-        </p:txBody>
-      </p:sp>
-      <p:sp>
-        <p:nvSpPr>
-          <p:cNvPr id="3" name="Marcador de contenido 2">
-            <a:extLst>
-              <a:ext uri="{FF2B5EF4-FFF2-40B4-BE49-F238E27FC236}">
-                <a16:creationId xmlns:a16="http://schemas.microsoft.com/office/drawing/2014/main" id="{10B308AB-EB65-808F-E1A9-C4A976D357DE}"/>
-              </a:ext>
-            </a:extLst>
-          </p:cNvPr>
-          <p:cNvSpPr>
-            <a:spLocks noGrp="1"/>
-          </p:cNvSpPr>
-          <p:nvPr>
-            <p:ph idx="1"/>
-          </p:nvPr>
-        </p:nvSpPr>
+              <a:t>Modelo</a:t>
+            </a:r>
+          </a:p>
+        </p:txBody>
+      </p:sp>
+      <mc:AlternateContent xmlns:mc="http://schemas.openxmlformats.org/markup-compatibility/2006">
+        <mc:Choice xmlns:a14="http://schemas.microsoft.com/office/drawing/2010/main" Requires="a14">
+          <p:sp>
+            <p:nvSpPr>
+              <p:cNvPr id="3" name="Marcador de contenido 2">
+                <a:extLst>
+                  <a:ext uri="{FF2B5EF4-FFF2-40B4-BE49-F238E27FC236}">
+                    <a16:creationId xmlns:a16="http://schemas.microsoft.com/office/drawing/2014/main" id="{10B308AB-EB65-808F-E1A9-C4A976D357DE}"/>
+                  </a:ext>
+                </a:extLst>
+              </p:cNvPr>
+              <p:cNvSpPr>
+                <a:spLocks noGrp="1"/>
+              </p:cNvSpPr>
+              <p:nvPr>
+                <p:ph idx="1"/>
+              </p:nvPr>
+            </p:nvSpPr>
+            <p:spPr>
+              <a:xfrm>
+                <a:off x="700635" y="1635853"/>
+                <a:ext cx="10691265" cy="4293361"/>
+              </a:xfrm>
+            </p:spPr>
+            <p:txBody>
+              <a:bodyPr>
+                <a:normAutofit fontScale="92500" lnSpcReduction="20000"/>
+              </a:bodyPr>
+              <a:lstStyle/>
+              <a:p>
+                <a:pPr marL="285750" indent="-285750"/>
+                <a:r>
+                  <a:rPr lang="en-US" b="0" i="1" dirty="0">
+                    <a:effectLst/>
+                    <a:latin typeface="Consolas" panose="020B0609020204030204" pitchFamily="49" charset="0"/>
+                  </a:rPr>
+                  <a:t>marketSpanish</a:t>
+                </a:r>
+                <a:r>
+                  <a:rPr lang="en-US" b="0" i="0" dirty="0">
+                    <a:effectLst/>
+                    <a:latin typeface="Consolas" panose="020B0609020204030204" pitchFamily="49" charset="0"/>
+                  </a:rPr>
+                  <a:t> </a:t>
+                </a:r>
+                <a14:m>
+                  <m:oMath xmlns:m="http://schemas.openxmlformats.org/officeDocument/2006/math">
+                    <m:r>
+                      <a:rPr lang="en-US" b="0" i="1" dirty="0" smtClean="0">
+                        <a:effectLst/>
+                        <a:latin typeface="Cambria Math" panose="02040503050406030204" pitchFamily="18" charset="0"/>
+                      </a:rPr>
+                      <m:t>→</m:t>
+                    </m:r>
+                  </m:oMath>
+                </a14:m>
+                <a:r>
+                  <a:rPr lang="en-US" b="0" i="0" dirty="0">
+                    <a:effectLst/>
+                    <a:latin typeface="Consolas" panose="020B0609020204030204" pitchFamily="49" charset="0"/>
+                  </a:rPr>
+                  <a:t> If the client is from the Spanish Market, the probability of repurchase decrease by 28%</a:t>
+                </a:r>
+              </a:p>
+              <a:p>
+                <a:pPr marL="285750" indent="-285750"/>
+                <a:r>
+                  <a:rPr lang="en-US" b="0" i="1" dirty="0" err="1">
+                    <a:effectLst/>
+                    <a:latin typeface="Consolas" panose="020B0609020204030204" pitchFamily="49" charset="0"/>
+                  </a:rPr>
+                  <a:t>age_genGeneration</a:t>
+                </a:r>
+                <a:r>
+                  <a:rPr lang="en-US" b="0" i="1" dirty="0">
+                    <a:effectLst/>
+                    <a:latin typeface="Consolas" panose="020B0609020204030204" pitchFamily="49" charset="0"/>
+                  </a:rPr>
+                  <a:t> X</a:t>
+                </a:r>
+                <a:r>
+                  <a:rPr lang="en-US" b="0" i="0" dirty="0">
+                    <a:effectLst/>
+                    <a:latin typeface="Consolas" panose="020B0609020204030204" pitchFamily="49" charset="0"/>
+                  </a:rPr>
+                  <a:t> </a:t>
+                </a:r>
+                <a14:m>
+                  <m:oMath xmlns:m="http://schemas.openxmlformats.org/officeDocument/2006/math">
+                    <m:r>
+                      <a:rPr lang="en-US" b="0" i="1" dirty="0" smtClean="0">
+                        <a:effectLst/>
+                        <a:latin typeface="Cambria Math" panose="02040503050406030204" pitchFamily="18" charset="0"/>
+                      </a:rPr>
+                      <m:t>→</m:t>
+                    </m:r>
+                  </m:oMath>
+                </a14:m>
+                <a:r>
+                  <a:rPr lang="en-US" b="0" i="0" dirty="0">
+                    <a:effectLst/>
+                    <a:latin typeface="Consolas" panose="020B0609020204030204" pitchFamily="49" charset="0"/>
+                  </a:rPr>
+                  <a:t> Not statistically significant</a:t>
+                </a:r>
+              </a:p>
+              <a:p>
+                <a:pPr marL="285750" indent="-285750"/>
+                <a:r>
+                  <a:rPr lang="en-US" b="0" i="1" dirty="0" err="1">
+                    <a:effectLst/>
+                    <a:latin typeface="Consolas" panose="020B0609020204030204" pitchFamily="49" charset="0"/>
+                  </a:rPr>
+                  <a:t>age_genGeneration</a:t>
+                </a:r>
+                <a:r>
+                  <a:rPr lang="en-US" b="0" i="1" dirty="0">
+                    <a:effectLst/>
+                    <a:latin typeface="Consolas" panose="020B0609020204030204" pitchFamily="49" charset="0"/>
+                  </a:rPr>
+                  <a:t> Z</a:t>
+                </a:r>
+                <a:r>
+                  <a:rPr lang="en-US" b="0" i="0" dirty="0">
+                    <a:effectLst/>
+                    <a:latin typeface="Consolas" panose="020B0609020204030204" pitchFamily="49" charset="0"/>
+                  </a:rPr>
+                  <a:t> </a:t>
+                </a:r>
+                <a14:m>
+                  <m:oMath xmlns:m="http://schemas.openxmlformats.org/officeDocument/2006/math">
+                    <m:r>
+                      <a:rPr lang="en-US" b="0" i="1" dirty="0" smtClean="0">
+                        <a:effectLst/>
+                        <a:latin typeface="Cambria Math" panose="02040503050406030204" pitchFamily="18" charset="0"/>
+                      </a:rPr>
+                      <m:t>→</m:t>
+                    </m:r>
+                  </m:oMath>
+                </a14:m>
+                <a:r>
+                  <a:rPr lang="en-US" b="0" i="0" dirty="0">
+                    <a:effectLst/>
+                    <a:latin typeface="Consolas" panose="020B0609020204030204" pitchFamily="49" charset="0"/>
+                  </a:rPr>
+                  <a:t> </a:t>
+                </a:r>
+                <a:r>
+                  <a:rPr lang="en-US" dirty="0">
+                    <a:latin typeface="Consolas" panose="020B0609020204030204" pitchFamily="49" charset="0"/>
+                  </a:rPr>
+                  <a:t>N</a:t>
+                </a:r>
+                <a:r>
+                  <a:rPr lang="en-US" b="0" i="0" dirty="0">
+                    <a:effectLst/>
+                    <a:latin typeface="Consolas" panose="020B0609020204030204" pitchFamily="49" charset="0"/>
+                  </a:rPr>
+                  <a:t>ot statistically significant</a:t>
+                </a:r>
+              </a:p>
+              <a:p>
+                <a:pPr marL="285750" indent="-285750"/>
+                <a:r>
+                  <a:rPr lang="en-US" b="0" i="1" dirty="0" err="1">
+                    <a:effectLst/>
+                    <a:latin typeface="Consolas" panose="020B0609020204030204" pitchFamily="49" charset="0"/>
+                  </a:rPr>
+                  <a:t>age_genMillennials</a:t>
+                </a:r>
+                <a:r>
+                  <a:rPr lang="en-US" b="0" i="0" dirty="0">
+                    <a:effectLst/>
+                    <a:latin typeface="Consolas" panose="020B0609020204030204" pitchFamily="49" charset="0"/>
+                  </a:rPr>
+                  <a:t> </a:t>
+                </a:r>
+                <a14:m>
+                  <m:oMath xmlns:m="http://schemas.openxmlformats.org/officeDocument/2006/math">
+                    <m:r>
+                      <a:rPr lang="en-US" b="0" i="1" dirty="0" smtClean="0">
+                        <a:effectLst/>
+                        <a:latin typeface="Cambria Math" panose="02040503050406030204" pitchFamily="18" charset="0"/>
+                      </a:rPr>
+                      <m:t>→</m:t>
+                    </m:r>
+                  </m:oMath>
+                </a14:m>
+                <a:r>
+                  <a:rPr lang="en-US" b="0" i="0" dirty="0">
+                    <a:effectLst/>
+                    <a:latin typeface="Consolas" panose="020B0609020204030204" pitchFamily="49" charset="0"/>
+                  </a:rPr>
+                  <a:t> Not statistically significant</a:t>
+                </a:r>
+              </a:p>
+              <a:p>
+                <a:pPr marL="285750" indent="-285750"/>
+                <a:r>
+                  <a:rPr lang="en-US" b="0" i="1" dirty="0">
+                    <a:effectLst/>
+                    <a:latin typeface="Consolas" panose="020B0609020204030204" pitchFamily="49" charset="0"/>
+                  </a:rPr>
+                  <a:t>recency</a:t>
+                </a:r>
+                <a:r>
+                  <a:rPr lang="en-US" b="0" i="0" dirty="0">
+                    <a:effectLst/>
+                    <a:latin typeface="Consolas" panose="020B0609020204030204" pitchFamily="49" charset="0"/>
+                  </a:rPr>
+                  <a:t> </a:t>
+                </a:r>
+                <a14:m>
+                  <m:oMath xmlns:m="http://schemas.openxmlformats.org/officeDocument/2006/math">
+                    <m:r>
+                      <a:rPr lang="en-US" b="0" i="1" dirty="0" smtClean="0">
+                        <a:effectLst/>
+                        <a:latin typeface="Cambria Math" panose="02040503050406030204" pitchFamily="18" charset="0"/>
+                      </a:rPr>
+                      <m:t>→</m:t>
+                    </m:r>
+                  </m:oMath>
+                </a14:m>
+                <a:r>
+                  <a:rPr lang="en-US" b="0" i="0" dirty="0">
+                    <a:effectLst/>
+                    <a:latin typeface="Consolas" panose="020B0609020204030204" pitchFamily="49" charset="0"/>
+                  </a:rPr>
+                  <a:t> For every day that the last purchase of the client is from today, the chances of repurchase decreases by -0.5267 times</a:t>
+                </a:r>
+              </a:p>
+              <a:p>
+                <a:pPr marL="285750" indent="-285750"/>
+                <a:r>
+                  <a:rPr lang="en-US" b="0" i="1" dirty="0">
+                    <a:effectLst/>
+                    <a:latin typeface="Consolas" panose="020B0609020204030204" pitchFamily="49" charset="0"/>
+                  </a:rPr>
+                  <a:t>frequency</a:t>
+                </a:r>
+                <a:r>
+                  <a:rPr lang="en-US" b="0" i="0" dirty="0">
+                    <a:effectLst/>
+                    <a:latin typeface="Consolas" panose="020B0609020204030204" pitchFamily="49" charset="0"/>
+                  </a:rPr>
+                  <a:t> </a:t>
+                </a:r>
+                <a14:m>
+                  <m:oMath xmlns:m="http://schemas.openxmlformats.org/officeDocument/2006/math">
+                    <m:r>
+                      <a:rPr lang="en-US" b="0" i="1" dirty="0" smtClean="0">
+                        <a:effectLst/>
+                        <a:latin typeface="Cambria Math" panose="02040503050406030204" pitchFamily="18" charset="0"/>
+                      </a:rPr>
+                      <m:t>→</m:t>
+                    </m:r>
+                  </m:oMath>
+                </a14:m>
+                <a:r>
+                  <a:rPr lang="en-US" b="0" i="0" dirty="0">
+                    <a:effectLst/>
+                    <a:latin typeface="Consolas" panose="020B0609020204030204" pitchFamily="49" charset="0"/>
+                  </a:rPr>
+                  <a:t> Not statistically significant</a:t>
+                </a:r>
+              </a:p>
+              <a:p>
+                <a:pPr marL="285750" indent="-285750"/>
+                <a:r>
+                  <a:rPr lang="en-US" b="0" i="1" dirty="0" err="1">
+                    <a:effectLst/>
+                    <a:latin typeface="Consolas" panose="020B0609020204030204" pitchFamily="49" charset="0"/>
+                  </a:rPr>
+                  <a:t>order_size</a:t>
+                </a:r>
+                <a:r>
+                  <a:rPr lang="en-US" b="0" i="0" dirty="0">
+                    <a:effectLst/>
+                    <a:latin typeface="Consolas" panose="020B0609020204030204" pitchFamily="49" charset="0"/>
+                  </a:rPr>
+                  <a:t> </a:t>
+                </a:r>
+                <a14:m>
+                  <m:oMath xmlns:m="http://schemas.openxmlformats.org/officeDocument/2006/math">
+                    <m:r>
+                      <a:rPr lang="en-US" b="0" i="1" dirty="0" smtClean="0">
+                        <a:effectLst/>
+                        <a:latin typeface="Cambria Math" panose="02040503050406030204" pitchFamily="18" charset="0"/>
+                      </a:rPr>
+                      <m:t>→</m:t>
+                    </m:r>
+                  </m:oMath>
+                </a14:m>
+                <a:r>
+                  <a:rPr lang="en-US" b="0" i="0" dirty="0">
+                    <a:effectLst/>
+                    <a:latin typeface="Consolas" panose="020B0609020204030204" pitchFamily="49" charset="0"/>
+                  </a:rPr>
+                  <a:t> Not statistically significant</a:t>
+                </a:r>
+              </a:p>
+              <a:p>
+                <a:pPr marL="285750" indent="-285750"/>
+                <a:r>
+                  <a:rPr lang="en-US" b="0" i="1" dirty="0" err="1">
+                    <a:effectLst/>
+                    <a:latin typeface="Consolas" panose="020B0609020204030204" pitchFamily="49" charset="0"/>
+                  </a:rPr>
+                  <a:t>total_MXN</a:t>
+                </a:r>
+                <a:r>
+                  <a:rPr lang="en-US" b="0" i="0" dirty="0">
+                    <a:effectLst/>
+                    <a:latin typeface="Consolas" panose="020B0609020204030204" pitchFamily="49" charset="0"/>
+                  </a:rPr>
+                  <a:t> </a:t>
+                </a:r>
+                <a14:m>
+                  <m:oMath xmlns:m="http://schemas.openxmlformats.org/officeDocument/2006/math">
+                    <m:r>
+                      <a:rPr lang="en-US" b="0" i="1" dirty="0" smtClean="0">
+                        <a:effectLst/>
+                        <a:latin typeface="Cambria Math" panose="02040503050406030204" pitchFamily="18" charset="0"/>
+                      </a:rPr>
+                      <m:t>→</m:t>
+                    </m:r>
+                  </m:oMath>
+                </a14:m>
+                <a:r>
+                  <a:rPr lang="en-US" b="0" i="0" dirty="0">
+                    <a:effectLst/>
+                    <a:latin typeface="Consolas" panose="020B0609020204030204" pitchFamily="49" charset="0"/>
+                  </a:rPr>
+                  <a:t> For each peso that the customer's total purchase increases in the first month, the chances of repurchase increases by 0.00097 times</a:t>
+                </a:r>
+                <a:endParaRPr lang="es-MX" b="0" i="0" dirty="0">
+                  <a:effectLst/>
+                  <a:latin typeface="Consolas" panose="020B0609020204030204" pitchFamily="49" charset="0"/>
+                </a:endParaRPr>
+              </a:p>
+            </p:txBody>
+          </p:sp>
+        </mc:Choice>
+        <mc:Fallback>
+          <p:sp>
+            <p:nvSpPr>
+              <p:cNvPr id="3" name="Marcador de contenido 2">
+                <a:extLst>
+                  <a:ext uri="{FF2B5EF4-FFF2-40B4-BE49-F238E27FC236}">
+                    <a16:creationId xmlns:a16="http://schemas.microsoft.com/office/drawing/2014/main" id="{10B308AB-EB65-808F-E1A9-C4A976D357DE}"/>
+                  </a:ext>
+                </a:extLst>
+              </p:cNvPr>
+              <p:cNvSpPr>
+                <a:spLocks noGrp="1" noRot="1" noChangeAspect="1" noMove="1" noResize="1" noEditPoints="1" noAdjustHandles="1" noChangeArrowheads="1" noChangeShapeType="1" noTextEdit="1"/>
+              </p:cNvSpPr>
+              <p:nvPr>
+                <p:ph idx="1"/>
+              </p:nvPr>
+            </p:nvSpPr>
+            <p:spPr>
+              <a:xfrm>
+                <a:off x="700635" y="1635853"/>
+                <a:ext cx="10691265" cy="4293361"/>
+              </a:xfrm>
+              <a:blipFill>
+                <a:blip r:embed="rId2"/>
+                <a:stretch>
+                  <a:fillRect l="-456" t="-851" r="-1539"/>
+                </a:stretch>
+              </a:blipFill>
+            </p:spPr>
+            <p:txBody>
+              <a:bodyPr/>
+              <a:lstStyle/>
+              <a:p>
+                <a:r>
+                  <a:rPr lang="es-MX">
+                    <a:noFill/>
+                  </a:rPr>
+                  <a:t> </a:t>
+                </a:r>
+              </a:p>
+            </p:txBody>
+          </p:sp>
+        </mc:Fallback>
+      </mc:AlternateContent>
+      <p:pic>
+        <p:nvPicPr>
+          <p:cNvPr id="5" name="Imagen 4">
+            <a:extLst>
+              <a:ext uri="{FF2B5EF4-FFF2-40B4-BE49-F238E27FC236}">
+                <a16:creationId xmlns:a16="http://schemas.microsoft.com/office/drawing/2014/main" id="{0A02DC43-602F-B30B-80A5-556DFDEFB4EB}"/>
+              </a:ext>
+            </a:extLst>
+          </p:cNvPr>
+          <p:cNvPicPr>
+            <a:picLocks noChangeAspect="1"/>
+          </p:cNvPicPr>
+          <p:nvPr/>
+        </p:nvPicPr>
+        <p:blipFill>
+          <a:blip r:embed="rId3"/>
+          <a:stretch>
+            <a:fillRect/>
+          </a:stretch>
+        </p:blipFill>
         <p:spPr>
           <a:xfrm>
-            <a:off x="700635" y="1635853"/>
-            <a:ext cx="10691265" cy="4293361"/>
+            <a:off x="2990349" y="860627"/>
+            <a:ext cx="4291296" cy="703797"/>
           </a:xfrm>
+          <a:prstGeom prst="rect">
+            <a:avLst/>
+          </a:prstGeom>
         </p:spPr>
-        <p:txBody>
-          <a:bodyPr/>
-          <a:lstStyle/>
-          <a:p>
-            <a:pPr marL="285750" indent="-285750" algn="just"/>
-            <a:r>
-              <a:rPr lang="es-MX" b="0" i="0" dirty="0">
-                <a:effectLst/>
-                <a:latin typeface="Consolas" panose="020B0609020204030204" pitchFamily="49" charset="0"/>
-              </a:rPr>
-              <a:t>Desempeño con cada uno de los 3 umbrales (</a:t>
-            </a:r>
-            <a:r>
-              <a:rPr lang="es-MX" b="0" i="0" dirty="0" err="1">
-                <a:effectLst/>
-                <a:latin typeface="Consolas" panose="020B0609020204030204" pitchFamily="49" charset="0"/>
-              </a:rPr>
-              <a:t>thresholds</a:t>
-            </a:r>
-            <a:r>
-              <a:rPr lang="es-MX" b="0" i="0" dirty="0">
-                <a:effectLst/>
-                <a:latin typeface="Consolas" panose="020B0609020204030204" pitchFamily="49" charset="0"/>
-              </a:rPr>
-              <a:t>) utilizados e identificar el seleccionado</a:t>
-            </a:r>
-          </a:p>
-          <a:p>
-            <a:pPr marL="285750" indent="-285750"/>
-            <a:endParaRPr lang="en-US" b="0" i="0" dirty="0">
-              <a:effectLst/>
-              <a:latin typeface="Consolas" panose="020B0609020204030204" pitchFamily="49" charset="0"/>
-            </a:endParaRPr>
-          </a:p>
-        </p:txBody>
-      </p:sp>
+      </p:pic>
     </p:spTree>
     <p:extLst>
       <p:ext uri="{BB962C8B-B14F-4D97-AF65-F5344CB8AC3E}">
-        <p14:creationId xmlns:p14="http://schemas.microsoft.com/office/powerpoint/2010/main" val="2967230457"/>
+        <p14:creationId xmlns:p14="http://schemas.microsoft.com/office/powerpoint/2010/main" val="4024783150"/>
       </p:ext>
     </p:extLst>
   </p:cSld>
   <p:clrMapOvr>
     <a:masterClrMapping/>
   </p:clrMapOvr>
+  <p:timing>
+    <p:tnLst>
+      <p:par>
+        <p:cTn id="1" dur="indefinite" restart="never" nodeType="tmRoot">
+          <p:childTnLst>
+            <p:seq concurrent="1" nextAc="seek">
+              <p:cTn id="2" dur="indefinite" nodeType="mainSeq">
+                <p:childTnLst>
+                  <p:par>
+                    <p:cTn id="3" fill="hold">
+                      <p:stCondLst>
+                        <p:cond delay="indefinite"/>
+                      </p:stCondLst>
+                      <p:childTnLst>
+                        <p:par>
+                          <p:cTn id="4" fill="hold">
+                            <p:stCondLst>
+                              <p:cond delay="0"/>
+                            </p:stCondLst>
+                            <p:childTnLst>
+                              <p:par>
+                                <p:cTn id="5" presetID="1" presetClass="exit" presetSubtype="0" fill="hold" nodeType="clickEffect">
+                                  <p:stCondLst>
+                                    <p:cond delay="0"/>
+                                  </p:stCondLst>
+                                  <p:childTnLst>
+                                    <p:set>
+                                      <p:cBhvr>
+                                        <p:cTn id="6" dur="1" fill="hold">
+                                          <p:stCondLst>
+                                            <p:cond delay="0"/>
+                                          </p:stCondLst>
+                                        </p:cTn>
+                                        <p:tgtEl>
+                                          <p:spTgt spid="5"/>
+                                        </p:tgtEl>
+                                        <p:attrNameLst>
+                                          <p:attrName>style.visibility</p:attrName>
+                                        </p:attrNameLst>
+                                      </p:cBhvr>
+                                      <p:to>
+                                        <p:strVal val="hidden"/>
+                                      </p:to>
+                                    </p:set>
+                                  </p:childTnLst>
+                                </p:cTn>
+                              </p:par>
+                            </p:childTnLst>
+                          </p:cTn>
+                        </p:par>
+                      </p:childTnLst>
+                    </p:cTn>
+                  </p:par>
+                </p:childTnLst>
+              </p:cTn>
+              <p:prevCondLst>
+                <p:cond evt="onPrev" delay="0">
+                  <p:tgtEl>
+                    <p:sldTgt/>
+                  </p:tgtEl>
+                </p:cond>
+              </p:prevCondLst>
+              <p:nextCondLst>
+                <p:cond evt="onNext" delay="0">
+                  <p:tgtEl>
+                    <p:sldTgt/>
+                  </p:tgtEl>
+                </p:cond>
+              </p:nextCondLst>
+            </p:seq>
+          </p:childTnLst>
+        </p:cTn>
+      </p:par>
+    </p:tnLst>
+  </p:timing>
 </p:sld>
 </file>
 

--- a/Presentación_Final.pptx
+++ b/Presentación_Final.pptx
@@ -4698,7 +4698,7 @@
                 <a:effectLst/>
                 <a:latin typeface="Avenir Next LT Pro" panose="020B0504020202020204" pitchFamily="34" charset="0"/>
               </a:rPr>
-              <a:t>Se considerarán como no supervivientes o “muertos” aquellos clientes que no han </a:t>
+              <a:t>Se considerarán como no sobrevivientes o “muertos” aquellos clientes que no han </a:t>
             </a:r>
             <a:r>
               <a:rPr lang="es-MX" sz="1800" dirty="0">
@@ -5217,8 +5217,8 @@
           </a:p>
         </p:txBody>
       </p:sp>
-      <mc:AlternateContent xmlns:mc="http://schemas.openxmlformats.org/markup-compatibility/2006">
-        <mc:Choice xmlns:a14="http://schemas.microsoft.com/office/drawing/2010/main" Requires="a14">
+      <mc:AlternateContent xmlns:mc="http://schemas.openxmlformats.org/markup-compatibility/2006" xmlns:a14="http://schemas.microsoft.com/office/drawing/2010/main">
+        <mc:Choice Requires="a14">
           <p:sp>
             <p:nvSpPr>
               <p:cNvPr id="3" name="Marcador de contenido 2">
@@ -5519,7 +5519,7 @@
             </p:txBody>
           </p:sp>
         </mc:Choice>
-        <mc:Fallback>
+        <mc:Fallback xmlns="">
           <p:sp>
             <p:nvSpPr>
               <p:cNvPr id="3" name="Marcador de contenido 2">
@@ -5859,7 +5859,7 @@
         </p:spPr>
         <p:txBody>
           <a:bodyPr vert="horz" lIns="91440" tIns="45720" rIns="91440" bIns="45720" rtlCol="0">
-            <a:normAutofit lnSpcReduction="10000"/>
+            <a:normAutofit fontScale="85000" lnSpcReduction="10000"/>
           </a:bodyPr>
           <a:lstStyle>
             <a:lvl1pPr marL="228600" indent="-228600" algn="l" defTabSz="914400" rtl="0" eaLnBrk="1" latinLnBrk="0" hangingPunct="1">
@@ -6028,19 +6028,28 @@
           <a:p>
             <a:pPr marL="285750" indent="-285750"/>
             <a:r>
-              <a:rPr lang="en-US" sz="1800" dirty="0">
+              <a:rPr lang="es-MX" sz="1800" dirty="0">
                 <a:latin typeface="Avenir Next LT Pro" panose="020B0504020202020204" pitchFamily="34" charset="0"/>
               </a:rPr>
-              <a:t>The prediction performs well, low probability label is the one that survives the less, followed by medium label.</a:t>
+              <a:t>La predicción tiene un buen desempeño.</a:t>
             </a:r>
           </a:p>
           <a:p>
             <a:pPr marL="285750" indent="-285750"/>
             <a:r>
-              <a:rPr lang="en-US" sz="1800" dirty="0">
+              <a:rPr lang="es-MX" sz="1800" dirty="0">
                 <a:latin typeface="Avenir Next LT Pro" panose="020B0504020202020204" pitchFamily="34" charset="0"/>
               </a:rPr>
-              <a:t>The high probability label is the one that survives the most.</a:t>
+              <a:t>Los clientes con probabilidad baja de recompra son los que menos sobreviven, seguidos por los de probabilidad media.</a:t>
+            </a:r>
+          </a:p>
+          <a:p>
+            <a:pPr marL="285750" indent="-285750"/>
+            <a:r>
+              <a:rPr lang="es-MX" sz="1800" dirty="0">
+                <a:latin typeface="Avenir Next LT Pro" panose="020B0504020202020204" pitchFamily="34" charset="0"/>
+              </a:rPr>
+              <a:t>Los que tienen probabilidad alta de recompra son los que más sobreviven.</a:t>
             </a:r>
           </a:p>
         </p:txBody>
@@ -6091,7 +6100,7 @@
         </p:nvSpPr>
         <p:spPr>
           <a:xfrm>
-            <a:off x="657712" y="3653747"/>
+            <a:off x="657712" y="3596251"/>
             <a:ext cx="2933552" cy="1396425"/>
           </a:xfrm>
           <a:prstGeom prst="rect">
@@ -6272,7 +6281,248 @@
               <a:rPr lang="en-US" sz="1800" dirty="0">
                 <a:latin typeface="Avenir Next LT Pro" panose="020B0504020202020204" pitchFamily="34" charset="0"/>
               </a:rPr>
-              <a:t>It doesn't seem to be a difference between both markets</a:t>
+              <a:t>No hay </a:t>
+            </a:r>
+            <a:r>
+              <a:rPr lang="en-US" sz="1800" dirty="0" err="1">
+                <a:latin typeface="Avenir Next LT Pro" panose="020B0504020202020204" pitchFamily="34" charset="0"/>
+              </a:rPr>
+              <a:t>una</a:t>
+            </a:r>
+            <a:r>
+              <a:rPr lang="en-US" sz="1800" dirty="0">
+                <a:latin typeface="Avenir Next LT Pro" panose="020B0504020202020204" pitchFamily="34" charset="0"/>
+              </a:rPr>
+              <a:t> </a:t>
+            </a:r>
+            <a:r>
+              <a:rPr lang="en-US" sz="1800" dirty="0" err="1">
+                <a:latin typeface="Avenir Next LT Pro" panose="020B0504020202020204" pitchFamily="34" charset="0"/>
+              </a:rPr>
+              <a:t>diferencia</a:t>
+            </a:r>
+            <a:r>
+              <a:rPr lang="en-US" sz="1800" dirty="0">
+                <a:latin typeface="Avenir Next LT Pro" panose="020B0504020202020204" pitchFamily="34" charset="0"/>
+              </a:rPr>
+              <a:t> </a:t>
+            </a:r>
+            <a:r>
+              <a:rPr lang="en-US" sz="1800" dirty="0" err="1">
+                <a:latin typeface="Avenir Next LT Pro" panose="020B0504020202020204" pitchFamily="34" charset="0"/>
+              </a:rPr>
+              <a:t>significa</a:t>
+            </a:r>
+            <a:r>
+              <a:rPr lang="en-US" sz="1800" dirty="0">
+                <a:latin typeface="Avenir Next LT Pro" panose="020B0504020202020204" pitchFamily="34" charset="0"/>
+              </a:rPr>
+              <a:t> entre ambos mercados</a:t>
+            </a:r>
+          </a:p>
+        </p:txBody>
+      </p:sp>
+      <p:sp>
+        <p:nvSpPr>
+          <p:cNvPr id="4" name="Marcador de contenido 2">
+            <a:extLst>
+              <a:ext uri="{FF2B5EF4-FFF2-40B4-BE49-F238E27FC236}">
+                <a16:creationId xmlns:a16="http://schemas.microsoft.com/office/drawing/2014/main" id="{75EDD1C2-FC2A-6EEC-8B6A-977890DFF199}"/>
+              </a:ext>
+            </a:extLst>
+          </p:cNvPr>
+          <p:cNvSpPr txBox="1">
+            <a:spLocks/>
+          </p:cNvSpPr>
+          <p:nvPr/>
+        </p:nvSpPr>
+        <p:spPr>
+          <a:xfrm>
+            <a:off x="4485937" y="869929"/>
+            <a:ext cx="6713312" cy="684920"/>
+          </a:xfrm>
+          <a:prstGeom prst="rect">
+            <a:avLst/>
+          </a:prstGeom>
+        </p:spPr>
+        <p:txBody>
+          <a:bodyPr vert="horz" lIns="91440" tIns="45720" rIns="91440" bIns="45720" rtlCol="0">
+            <a:normAutofit/>
+          </a:bodyPr>
+          <a:lstStyle>
+            <a:lvl1pPr marL="228600" indent="-228600" algn="l" defTabSz="914400" rtl="0" eaLnBrk="1" latinLnBrk="0" hangingPunct="1">
+              <a:lnSpc>
+                <a:spcPct val="120000"/>
+              </a:lnSpc>
+              <a:spcBef>
+                <a:spcPts val="1000"/>
+              </a:spcBef>
+              <a:buFont typeface="Arial" panose="020B0604020202020204" pitchFamily="34" charset="0"/>
+              <a:buChar char="•"/>
+              <a:defRPr sz="2000" kern="1200">
+                <a:solidFill>
+                  <a:schemeClr val="tx1"/>
+                </a:solidFill>
+                <a:latin typeface="+mn-lt"/>
+                <a:ea typeface="+mn-ea"/>
+                <a:cs typeface="+mn-cs"/>
+              </a:defRPr>
+            </a:lvl1pPr>
+            <a:lvl2pPr marL="685800" indent="-228600" algn="l" defTabSz="914400" rtl="0" eaLnBrk="1" latinLnBrk="0" hangingPunct="1">
+              <a:lnSpc>
+                <a:spcPct val="120000"/>
+              </a:lnSpc>
+              <a:spcBef>
+                <a:spcPts val="500"/>
+              </a:spcBef>
+              <a:buFont typeface="Arial" panose="020B0604020202020204" pitchFamily="34" charset="0"/>
+              <a:buChar char="•"/>
+              <a:defRPr sz="1800" kern="1200">
+                <a:solidFill>
+                  <a:schemeClr val="tx1"/>
+                </a:solidFill>
+                <a:latin typeface="+mn-lt"/>
+                <a:ea typeface="+mn-ea"/>
+                <a:cs typeface="+mn-cs"/>
+              </a:defRPr>
+            </a:lvl2pPr>
+            <a:lvl3pPr marL="1143000" indent="-228600" algn="l" defTabSz="914400" rtl="0" eaLnBrk="1" latinLnBrk="0" hangingPunct="1">
+              <a:lnSpc>
+                <a:spcPct val="120000"/>
+              </a:lnSpc>
+              <a:spcBef>
+                <a:spcPts val="500"/>
+              </a:spcBef>
+              <a:buFont typeface="Arial" panose="020B0604020202020204" pitchFamily="34" charset="0"/>
+              <a:buChar char="•"/>
+              <a:defRPr sz="1600" kern="1200">
+                <a:solidFill>
+                  <a:schemeClr val="tx1"/>
+                </a:solidFill>
+                <a:latin typeface="+mn-lt"/>
+                <a:ea typeface="+mn-ea"/>
+                <a:cs typeface="+mn-cs"/>
+              </a:defRPr>
+            </a:lvl3pPr>
+            <a:lvl4pPr marL="1600200" indent="-228600" algn="l" defTabSz="914400" rtl="0" eaLnBrk="1" latinLnBrk="0" hangingPunct="1">
+              <a:lnSpc>
+                <a:spcPct val="120000"/>
+              </a:lnSpc>
+              <a:spcBef>
+                <a:spcPts val="500"/>
+              </a:spcBef>
+              <a:buFont typeface="Arial" panose="020B0604020202020204" pitchFamily="34" charset="0"/>
+              <a:buChar char="•"/>
+              <a:defRPr sz="1400" kern="1200">
+                <a:solidFill>
+                  <a:schemeClr val="tx1"/>
+                </a:solidFill>
+                <a:latin typeface="+mn-lt"/>
+                <a:ea typeface="+mn-ea"/>
+                <a:cs typeface="+mn-cs"/>
+              </a:defRPr>
+            </a:lvl4pPr>
+            <a:lvl5pPr marL="2057400" indent="-228600" algn="l" defTabSz="914400" rtl="0" eaLnBrk="1" latinLnBrk="0" hangingPunct="1">
+              <a:lnSpc>
+                <a:spcPct val="120000"/>
+              </a:lnSpc>
+              <a:spcBef>
+                <a:spcPts val="500"/>
+              </a:spcBef>
+              <a:buFont typeface="Arial" panose="020B0604020202020204" pitchFamily="34" charset="0"/>
+              <a:buChar char="•"/>
+              <a:defRPr sz="1400" kern="1200">
+                <a:solidFill>
+                  <a:schemeClr val="tx1"/>
+                </a:solidFill>
+                <a:latin typeface="+mn-lt"/>
+                <a:ea typeface="+mn-ea"/>
+                <a:cs typeface="+mn-cs"/>
+              </a:defRPr>
+            </a:lvl5pPr>
+            <a:lvl6pPr marL="2514600" indent="-228600" algn="l" defTabSz="914400" rtl="0" eaLnBrk="1" latinLnBrk="0" hangingPunct="1">
+              <a:lnSpc>
+                <a:spcPct val="90000"/>
+              </a:lnSpc>
+              <a:spcBef>
+                <a:spcPts val="500"/>
+              </a:spcBef>
+              <a:buFont typeface="Arial" panose="020B0604020202020204" pitchFamily="34" charset="0"/>
+              <a:buChar char="•"/>
+              <a:defRPr sz="1800" kern="1200">
+                <a:solidFill>
+                  <a:schemeClr val="tx1"/>
+                </a:solidFill>
+                <a:latin typeface="+mn-lt"/>
+                <a:ea typeface="+mn-ea"/>
+                <a:cs typeface="+mn-cs"/>
+              </a:defRPr>
+            </a:lvl6pPr>
+            <a:lvl7pPr marL="2971800" indent="-228600" algn="l" defTabSz="914400" rtl="0" eaLnBrk="1" latinLnBrk="0" hangingPunct="1">
+              <a:lnSpc>
+                <a:spcPct val="90000"/>
+              </a:lnSpc>
+              <a:spcBef>
+                <a:spcPts val="500"/>
+              </a:spcBef>
+              <a:buFont typeface="Arial" panose="020B0604020202020204" pitchFamily="34" charset="0"/>
+              <a:buChar char="•"/>
+              <a:defRPr sz="1800" kern="1200">
+                <a:solidFill>
+                  <a:schemeClr val="tx1"/>
+                </a:solidFill>
+                <a:latin typeface="+mn-lt"/>
+                <a:ea typeface="+mn-ea"/>
+                <a:cs typeface="+mn-cs"/>
+              </a:defRPr>
+            </a:lvl7pPr>
+            <a:lvl8pPr marL="3429000" indent="-228600" algn="l" defTabSz="914400" rtl="0" eaLnBrk="1" latinLnBrk="0" hangingPunct="1">
+              <a:lnSpc>
+                <a:spcPct val="90000"/>
+              </a:lnSpc>
+              <a:spcBef>
+                <a:spcPts val="500"/>
+              </a:spcBef>
+              <a:buFont typeface="Arial" panose="020B0604020202020204" pitchFamily="34" charset="0"/>
+              <a:buChar char="•"/>
+              <a:defRPr sz="1800" kern="1200">
+                <a:solidFill>
+                  <a:schemeClr val="tx1"/>
+                </a:solidFill>
+                <a:latin typeface="+mn-lt"/>
+                <a:ea typeface="+mn-ea"/>
+                <a:cs typeface="+mn-cs"/>
+              </a:defRPr>
+            </a:lvl8pPr>
+            <a:lvl9pPr marL="3886200" indent="-228600" algn="l" defTabSz="914400" rtl="0" eaLnBrk="1" latinLnBrk="0" hangingPunct="1">
+              <a:lnSpc>
+                <a:spcPct val="90000"/>
+              </a:lnSpc>
+              <a:spcBef>
+                <a:spcPts val="500"/>
+              </a:spcBef>
+              <a:buFont typeface="Arial" panose="020B0604020202020204" pitchFamily="34" charset="0"/>
+              <a:buChar char="•"/>
+              <a:defRPr sz="1800" kern="1200">
+                <a:solidFill>
+                  <a:schemeClr val="tx1"/>
+                </a:solidFill>
+                <a:latin typeface="+mn-lt"/>
+                <a:ea typeface="+mn-ea"/>
+                <a:cs typeface="+mn-cs"/>
+              </a:defRPr>
+            </a:lvl9pPr>
+          </a:lstStyle>
+          <a:p>
+            <a:pPr marL="0" indent="0">
+              <a:buFont typeface="Arial" panose="020B0604020202020204" pitchFamily="34" charset="0"/>
+              <a:buNone/>
+            </a:pPr>
+            <a:r>
+              <a:rPr lang="es-MX" b="1" dirty="0">
+                <a:latin typeface="Avenir Next LT Pro" panose="020B0504020202020204" pitchFamily="34" charset="0"/>
+              </a:rPr>
+              <a:t>Mercados</a:t>
             </a:r>
           </a:p>
         </p:txBody>
@@ -6366,7 +6616,11 @@
                                           </p:stCondLst>
                                         </p:cTn>
                                         <p:tgtEl>
-                                          <p:spTgt spid="8"/>
+                                          <p:spTgt spid="3">
+                                            <p:txEl>
+                                              <p:pRg st="0" end="0"/>
+                                            </p:txEl>
+                                          </p:spTgt>
                                         </p:tgtEl>
                                         <p:attrNameLst>
                                           <p:attrName>style.visibility</p:attrName>
@@ -6406,6 +6660,96 @@
                                     <p:set>
                                       <p:cBhvr>
                                         <p:cTn id="14" dur="1" fill="hold">
+                                          <p:stCondLst>
+                                            <p:cond delay="0"/>
+                                          </p:stCondLst>
+                                        </p:cTn>
+                                        <p:tgtEl>
+                                          <p:spTgt spid="4"/>
+                                        </p:tgtEl>
+                                        <p:attrNameLst>
+                                          <p:attrName>style.visibility</p:attrName>
+                                        </p:attrNameLst>
+                                      </p:cBhvr>
+                                      <p:to>
+                                        <p:strVal val="visible"/>
+                                      </p:to>
+                                    </p:set>
+                                  </p:childTnLst>
+                                </p:cTn>
+                              </p:par>
+                            </p:childTnLst>
+                          </p:cTn>
+                        </p:par>
+                      </p:childTnLst>
+                    </p:cTn>
+                  </p:par>
+                  <p:par>
+                    <p:cTn id="15" fill="hold">
+                      <p:stCondLst>
+                        <p:cond delay="indefinite"/>
+                      </p:stCondLst>
+                      <p:childTnLst>
+                        <p:par>
+                          <p:cTn id="16" fill="hold">
+                            <p:stCondLst>
+                              <p:cond delay="0"/>
+                            </p:stCondLst>
+                            <p:childTnLst>
+                              <p:par>
+                                <p:cTn id="17" presetID="1" presetClass="exit" presetSubtype="0" fill="hold" grpId="0" nodeType="clickEffect">
+                                  <p:stCondLst>
+                                    <p:cond delay="0"/>
+                                  </p:stCondLst>
+                                  <p:childTnLst>
+                                    <p:set>
+                                      <p:cBhvr>
+                                        <p:cTn id="18" dur="1" fill="hold">
+                                          <p:stCondLst>
+                                            <p:cond delay="0"/>
+                                          </p:stCondLst>
+                                        </p:cTn>
+                                        <p:tgtEl>
+                                          <p:spTgt spid="8"/>
+                                        </p:tgtEl>
+                                        <p:attrNameLst>
+                                          <p:attrName>style.visibility</p:attrName>
+                                        </p:attrNameLst>
+                                      </p:cBhvr>
+                                      <p:to>
+                                        <p:strVal val="hidden"/>
+                                      </p:to>
+                                    </p:set>
+                                  </p:childTnLst>
+                                </p:cTn>
+                              </p:par>
+                            </p:childTnLst>
+                          </p:cTn>
+                        </p:par>
+                      </p:childTnLst>
+                    </p:cTn>
+                  </p:par>
+                  <p:par>
+                    <p:cTn id="19" fill="hold">
+                      <p:stCondLst>
+                        <p:cond delay="indefinite"/>
+                      </p:stCondLst>
+                      <p:childTnLst>
+                        <p:par>
+                          <p:cTn id="20" fill="hold">
+                            <p:stCondLst>
+                              <p:cond delay="0"/>
+                            </p:stCondLst>
+                            <p:childTnLst>
+                              <p:par>
+                                <p:cTn id="21" presetID="1" presetClass="entr" presetSubtype="0" fill="hold" grpId="0" nodeType="clickEffect">
+                                  <p:stCondLst>
+                                    <p:cond delay="0"/>
+                                  </p:stCondLst>
+                                  <p:childTnLst>
+                                    <p:set>
+                                      <p:cBhvr>
+                                        <p:cTn id="22" dur="1" fill="hold">
                                           <p:stCondLst>
                                             <p:cond delay="0"/>
                                           </p:stCondLst>
@@ -6452,8 +6796,10 @@
       </p:par>
     </p:tnLst>
     <p:bldLst>
+      <p:bldP spid="3" grpId="0" build="p"/>
       <p:bldP spid="8" grpId="0"/>
       <p:bldP spid="11" grpId="0"/>
+      <p:bldP spid="4" grpId="0"/>
     </p:bldLst>
   </p:timing>
 </p:sld>
@@ -8584,7 +8930,9 @@
           <a:lstStyle/>
           <a:p>
             <a:r>
-              <a:rPr lang="es-MX" sz="2000" dirty="0"/>
+              <a:rPr lang="es-MX" sz="2000" b="1" dirty="0">
+                <a:latin typeface="Avenir Next LT Pro" panose="020B0504020202020204" pitchFamily="34" charset="0"/>
+              </a:rPr>
               <a:t>Variables numéricas</a:t>
             </a:r>
           </a:p>
@@ -8746,8 +9094,8 @@
           </a:p>
         </p:txBody>
       </p:sp>
-      <mc:AlternateContent xmlns:mc="http://schemas.openxmlformats.org/markup-compatibility/2006">
-        <mc:Choice xmlns:a14="http://schemas.microsoft.com/office/drawing/2010/main" Requires="a14">
+      <mc:AlternateContent xmlns:mc="http://schemas.openxmlformats.org/markup-compatibility/2006" xmlns:a14="http://schemas.microsoft.com/office/drawing/2010/main">
+        <mc:Choice Requires="a14">
           <p:sp>
             <p:nvSpPr>
               <p:cNvPr id="3" name="Marcador de contenido 2">
@@ -9089,7 +9437,7 @@
             </p:txBody>
           </p:sp>
         </mc:Choice>
-        <mc:Fallback>
+        <mc:Fallback xmlns="">
           <p:sp>
             <p:nvSpPr>
               <p:cNvPr id="3" name="Marcador de contenido 2">

--- a/Presentación_Final.pptx
+++ b/Presentación_Final.pptx
@@ -6850,7 +6850,7 @@
           <a:p>
             <a:r>
               <a:rPr lang="es-MX" b="1" dirty="0"/>
-              <a:t>Conclusiones</a:t>
+              <a:t>Conclusiones estratégicas</a:t>
             </a:r>
           </a:p>
         </p:txBody>
